--- a/Version Control & GIT.pptx
+++ b/Version Control & GIT.pptx
@@ -9,13 +9,19 @@
     <p:sldId id="257" r:id="rId3"/>
     <p:sldId id="264" r:id="rId4"/>
     <p:sldId id="266" r:id="rId5"/>
-    <p:sldId id="265" r:id="rId6"/>
-    <p:sldId id="267" r:id="rId7"/>
-    <p:sldId id="268" r:id="rId8"/>
-    <p:sldId id="263" r:id="rId9"/>
-    <p:sldId id="259" r:id="rId10"/>
-    <p:sldId id="260" r:id="rId11"/>
-    <p:sldId id="261" r:id="rId12"/>
+    <p:sldId id="272" r:id="rId6"/>
+    <p:sldId id="265" r:id="rId7"/>
+    <p:sldId id="270" r:id="rId8"/>
+    <p:sldId id="267" r:id="rId9"/>
+    <p:sldId id="271" r:id="rId10"/>
+    <p:sldId id="268" r:id="rId11"/>
+    <p:sldId id="269" r:id="rId12"/>
+    <p:sldId id="263" r:id="rId13"/>
+    <p:sldId id="259" r:id="rId14"/>
+    <p:sldId id="260" r:id="rId15"/>
+    <p:sldId id="261" r:id="rId16"/>
+    <p:sldId id="274" r:id="rId17"/>
+    <p:sldId id="273" r:id="rId18"/>
   </p:sldIdLst>
   <p:sldSz cx="9144000" cy="6858000" type="screen4x3"/>
   <p:notesSz cx="6858000" cy="9144000"/>
@@ -127,9 +133,13 @@
           <p14:sldIdLst>
             <p14:sldId id="264"/>
             <p14:sldId id="266"/>
+            <p14:sldId id="272"/>
             <p14:sldId id="265"/>
+            <p14:sldId id="270"/>
             <p14:sldId id="267"/>
+            <p14:sldId id="271"/>
             <p14:sldId id="268"/>
+            <p14:sldId id="269"/>
           </p14:sldIdLst>
         </p14:section>
         <p14:section name="Theory" id="{428D1624-69F3-4D39-8CD0-19D114F41350}">
@@ -138,6 +148,8 @@
             <p14:sldId id="259"/>
             <p14:sldId id="260"/>
             <p14:sldId id="261"/>
+            <p14:sldId id="274"/>
+            <p14:sldId id="273"/>
           </p14:sldIdLst>
         </p14:section>
       </p14:sectionLst>
@@ -327,7 +339,7 @@
           <a:p>
             <a:fld id="{72254E11-72BF-4274-835B-DAB68EAC8F40}" type="datetimeFigureOut">
               <a:rPr lang="en-US" smtClean="0"/>
-              <a:t>2/16/2018</a:t>
+              <a:t>2/23/2018</a:t>
             </a:fld>
             <a:endParaRPr lang="en-US"/>
           </a:p>
@@ -497,7 +509,7 @@
           <a:p>
             <a:fld id="{72254E11-72BF-4274-835B-DAB68EAC8F40}" type="datetimeFigureOut">
               <a:rPr lang="en-US" smtClean="0"/>
-              <a:t>2/16/2018</a:t>
+              <a:t>2/23/2018</a:t>
             </a:fld>
             <a:endParaRPr lang="en-US"/>
           </a:p>
@@ -677,7 +689,7 @@
           <a:p>
             <a:fld id="{72254E11-72BF-4274-835B-DAB68EAC8F40}" type="datetimeFigureOut">
               <a:rPr lang="en-US" smtClean="0"/>
-              <a:t>2/16/2018</a:t>
+              <a:t>2/23/2018</a:t>
             </a:fld>
             <a:endParaRPr lang="en-US"/>
           </a:p>
@@ -847,7 +859,7 @@
           <a:p>
             <a:fld id="{72254E11-72BF-4274-835B-DAB68EAC8F40}" type="datetimeFigureOut">
               <a:rPr lang="en-US" smtClean="0"/>
-              <a:t>2/16/2018</a:t>
+              <a:t>2/23/2018</a:t>
             </a:fld>
             <a:endParaRPr lang="en-US"/>
           </a:p>
@@ -1093,7 +1105,7 @@
           <a:p>
             <a:fld id="{72254E11-72BF-4274-835B-DAB68EAC8F40}" type="datetimeFigureOut">
               <a:rPr lang="en-US" smtClean="0"/>
-              <a:t>2/16/2018</a:t>
+              <a:t>2/23/2018</a:t>
             </a:fld>
             <a:endParaRPr lang="en-US"/>
           </a:p>
@@ -1381,7 +1393,7 @@
           <a:p>
             <a:fld id="{72254E11-72BF-4274-835B-DAB68EAC8F40}" type="datetimeFigureOut">
               <a:rPr lang="en-US" smtClean="0"/>
-              <a:t>2/16/2018</a:t>
+              <a:t>2/23/2018</a:t>
             </a:fld>
             <a:endParaRPr lang="en-US"/>
           </a:p>
@@ -1803,7 +1815,7 @@
           <a:p>
             <a:fld id="{72254E11-72BF-4274-835B-DAB68EAC8F40}" type="datetimeFigureOut">
               <a:rPr lang="en-US" smtClean="0"/>
-              <a:t>2/16/2018</a:t>
+              <a:t>2/23/2018</a:t>
             </a:fld>
             <a:endParaRPr lang="en-US"/>
           </a:p>
@@ -1921,7 +1933,7 @@
           <a:p>
             <a:fld id="{72254E11-72BF-4274-835B-DAB68EAC8F40}" type="datetimeFigureOut">
               <a:rPr lang="en-US" smtClean="0"/>
-              <a:t>2/16/2018</a:t>
+              <a:t>2/23/2018</a:t>
             </a:fld>
             <a:endParaRPr lang="en-US"/>
           </a:p>
@@ -2016,7 +2028,7 @@
           <a:p>
             <a:fld id="{72254E11-72BF-4274-835B-DAB68EAC8F40}" type="datetimeFigureOut">
               <a:rPr lang="en-US" smtClean="0"/>
-              <a:t>2/16/2018</a:t>
+              <a:t>2/23/2018</a:t>
             </a:fld>
             <a:endParaRPr lang="en-US"/>
           </a:p>
@@ -2293,7 +2305,7 @@
           <a:p>
             <a:fld id="{72254E11-72BF-4274-835B-DAB68EAC8F40}" type="datetimeFigureOut">
               <a:rPr lang="en-US" smtClean="0"/>
-              <a:t>2/16/2018</a:t>
+              <a:t>2/23/2018</a:t>
             </a:fld>
             <a:endParaRPr lang="en-US"/>
           </a:p>
@@ -2546,7 +2558,7 @@
           <a:p>
             <a:fld id="{72254E11-72BF-4274-835B-DAB68EAC8F40}" type="datetimeFigureOut">
               <a:rPr lang="en-US" smtClean="0"/>
-              <a:t>2/16/2018</a:t>
+              <a:t>2/23/2018</a:t>
             </a:fld>
             <a:endParaRPr lang="en-US"/>
           </a:p>
@@ -2759,7 +2771,7 @@
           <a:p>
             <a:fld id="{72254E11-72BF-4274-835B-DAB68EAC8F40}" type="datetimeFigureOut">
               <a:rPr lang="en-US" smtClean="0"/>
-              <a:t>2/16/2018</a:t>
+              <a:t>2/23/2018</a:t>
             </a:fld>
             <a:endParaRPr lang="en-US"/>
           </a:p>
@@ -3226,7 +3238,7 @@
           <a:p>
             <a:r>
               <a:rPr lang="en-US" dirty="0" smtClean="0"/>
-              <a:t>Branches</a:t>
+              <a:t>CASE 4: The Internet SUX</a:t>
             </a:r>
             <a:endParaRPr lang="en-US" dirty="0"/>
           </a:p>
@@ -3244,813 +3256,92 @@
         </p:nvSpPr>
         <p:spPr>
           <a:xfrm>
-            <a:off x="457200" y="3886200"/>
-            <a:ext cx="8229600" cy="2667000"/>
-          </a:xfrm>
-        </p:spPr>
-        <p:txBody>
-          <a:bodyPr>
-            <a:normAutofit/>
-          </a:bodyPr>
-          <a:lstStyle/>
-          <a:p>
-            <a:r>
-              <a:rPr lang="en-US" sz="3000" dirty="0" smtClean="0"/>
-              <a:t>Branch</a:t>
+            <a:off x="457200" y="1600200"/>
+            <a:ext cx="4114800" cy="4525963"/>
+          </a:xfrm>
+        </p:spPr>
+        <p:txBody>
+          <a:bodyPr/>
+          <a:lstStyle/>
+          <a:p>
+            <a:r>
+              <a:rPr lang="en-US" dirty="0" smtClean="0"/>
+              <a:t>Centralized Version Control</a:t>
+            </a:r>
+          </a:p>
+          <a:p>
+            <a:pPr lvl="1"/>
+            <a:r>
+              <a:rPr lang="en-US" dirty="0" smtClean="0"/>
+              <a:t>The user has copies of selected files.</a:t>
+            </a:r>
+          </a:p>
+          <a:p>
+            <a:pPr lvl="1"/>
+            <a:r>
+              <a:rPr lang="en-US" dirty="0" smtClean="0"/>
+              <a:t>The repository only exists on the server</a:t>
+            </a:r>
+          </a:p>
+          <a:p>
+            <a:pPr lvl="1"/>
+            <a:r>
+              <a:rPr lang="en-US" dirty="0" smtClean="0"/>
+              <a:t>Apache Subversion (SVN) uses this model</a:t>
+            </a:r>
+            <a:r>
+              <a:rPr lang="en-US" dirty="0" smtClean="0"/>
+              <a:t>.</a:t>
             </a:r>
             <a:endParaRPr lang="en-US" dirty="0" smtClean="0"/>
           </a:p>
-          <a:p>
-            <a:pPr lvl="1"/>
-            <a:r>
-              <a:rPr lang="en-US" sz="2400" dirty="0" smtClean="0"/>
-              <a:t>A branch is a distinct variant of the project base.</a:t>
-            </a:r>
-          </a:p>
-          <a:p>
-            <a:pPr lvl="1"/>
-            <a:r>
-              <a:rPr lang="en-US" sz="2400" dirty="0" smtClean="0"/>
-              <a:t>Branches allow isolated environments for working on new features and fixes without disrupting the project.</a:t>
-            </a:r>
-          </a:p>
-          <a:p>
-            <a:pPr lvl="1"/>
-            <a:r>
-              <a:rPr lang="en-US" sz="2400" dirty="0" smtClean="0"/>
-              <a:t>Branches are created by “</a:t>
-            </a:r>
-            <a:r>
-              <a:rPr lang="en-US" sz="2400" b="1" dirty="0" smtClean="0"/>
-              <a:t>forking</a:t>
-            </a:r>
-            <a:r>
-              <a:rPr lang="en-US" sz="2400" dirty="0" smtClean="0"/>
-              <a:t>” from either the main branch (Trunk) or another branch.</a:t>
-            </a:r>
-            <a:endParaRPr lang="en-US" sz="2400" dirty="0"/>
-          </a:p>
-        </p:txBody>
-      </p:sp>
-      <p:sp>
-        <p:nvSpPr>
-          <p:cNvPr id="4" name="Rounded Rectangle 3"/>
-          <p:cNvSpPr/>
+        </p:txBody>
+      </p:sp>
+      <p:pic>
+        <p:nvPicPr>
+          <p:cNvPr id="1026" name="Picture 2" descr="C:\Users\User\Downloads\progit2-master\progit2-master\images\centralized.png"/>
+          <p:cNvPicPr>
+            <a:picLocks noChangeAspect="1" noChangeArrowheads="1"/>
+          </p:cNvPicPr>
           <p:nvPr/>
-        </p:nvSpPr>
-        <p:spPr>
-          <a:xfrm>
-            <a:off x="381000" y="3159369"/>
-            <a:ext cx="8382000" cy="533400"/>
-          </a:xfrm>
-          <a:prstGeom prst="roundRect">
+        </p:nvPicPr>
+        <p:blipFill>
+          <a:blip r:embed="rId2">
+            <a:extLst>
+              <a:ext uri="{28A0092B-C50C-407E-A947-70E740481C1C}">
+                <a14:useLocalDpi xmlns:a14="http://schemas.microsoft.com/office/drawing/2010/main" val="0"/>
+              </a:ext>
+            </a:extLst>
+          </a:blip>
+          <a:srcRect/>
+          <a:stretch>
+            <a:fillRect/>
+          </a:stretch>
+        </p:blipFill>
+        <p:spPr bwMode="auto">
+          <a:xfrm>
+            <a:off x="4343400" y="2759242"/>
+            <a:ext cx="4572000" cy="3177540"/>
+          </a:xfrm>
+          <a:prstGeom prst="rect">
             <a:avLst/>
           </a:prstGeom>
-        </p:spPr>
-        <p:style>
-          <a:lnRef idx="2">
-            <a:schemeClr val="accent3">
-              <a:shade val="50000"/>
-            </a:schemeClr>
-          </a:lnRef>
-          <a:fillRef idx="1">
-            <a:schemeClr val="accent3"/>
-          </a:fillRef>
-          <a:effectRef idx="0">
-            <a:schemeClr val="accent3"/>
-          </a:effectRef>
-          <a:fontRef idx="minor">
-            <a:schemeClr val="lt1"/>
-          </a:fontRef>
-        </p:style>
-        <p:txBody>
-          <a:bodyPr rtlCol="0" anchor="ctr"/>
-          <a:lstStyle/>
-          <a:p>
-            <a:r>
-              <a:rPr lang="en-US" dirty="0" smtClean="0"/>
-              <a:t>Feature A:</a:t>
-            </a:r>
-            <a:endParaRPr lang="en-US" dirty="0"/>
-          </a:p>
-        </p:txBody>
-      </p:sp>
-      <p:sp>
-        <p:nvSpPr>
-          <p:cNvPr id="6" name="Rounded Rectangle 5"/>
-          <p:cNvSpPr/>
-          <p:nvPr/>
-        </p:nvSpPr>
-        <p:spPr>
-          <a:xfrm>
-            <a:off x="381000" y="2411348"/>
-            <a:ext cx="8382000" cy="533400"/>
-          </a:xfrm>
-          <a:prstGeom prst="roundRect">
-            <a:avLst/>
-          </a:prstGeom>
-        </p:spPr>
-        <p:style>
-          <a:lnRef idx="2">
-            <a:schemeClr val="accent2">
-              <a:shade val="50000"/>
-            </a:schemeClr>
-          </a:lnRef>
-          <a:fillRef idx="1">
-            <a:schemeClr val="accent2"/>
-          </a:fillRef>
-          <a:effectRef idx="0">
-            <a:schemeClr val="accent2"/>
-          </a:effectRef>
-          <a:fontRef idx="minor">
-            <a:schemeClr val="lt1"/>
-          </a:fontRef>
-        </p:style>
-        <p:txBody>
-          <a:bodyPr rtlCol="0" anchor="ctr"/>
-          <a:lstStyle/>
-          <a:p>
-            <a:r>
-              <a:rPr lang="en-US" dirty="0" smtClean="0"/>
-              <a:t>Development:</a:t>
-            </a:r>
-            <a:endParaRPr lang="en-US" dirty="0"/>
-          </a:p>
-        </p:txBody>
-      </p:sp>
-      <p:sp>
-        <p:nvSpPr>
-          <p:cNvPr id="7" name="Rounded Rectangle 6"/>
-          <p:cNvSpPr/>
-          <p:nvPr/>
-        </p:nvSpPr>
-        <p:spPr>
-          <a:xfrm>
-            <a:off x="381000" y="1600200"/>
-            <a:ext cx="8382000" cy="533400"/>
-          </a:xfrm>
-          <a:prstGeom prst="roundRect">
-            <a:avLst/>
-          </a:prstGeom>
-        </p:spPr>
-        <p:style>
-          <a:lnRef idx="2">
-            <a:schemeClr val="accent1">
-              <a:shade val="50000"/>
-            </a:schemeClr>
-          </a:lnRef>
-          <a:fillRef idx="1">
-            <a:schemeClr val="accent1"/>
-          </a:fillRef>
-          <a:effectRef idx="0">
-            <a:schemeClr val="accent1"/>
-          </a:effectRef>
-          <a:fontRef idx="minor">
-            <a:schemeClr val="lt1"/>
-          </a:fontRef>
-        </p:style>
-        <p:txBody>
-          <a:bodyPr rtlCol="0" anchor="ctr"/>
-          <a:lstStyle/>
-          <a:p>
-            <a:r>
-              <a:rPr lang="en-US" dirty="0" smtClean="0"/>
-              <a:t>Main (Trunk):</a:t>
-            </a:r>
-            <a:endParaRPr lang="en-US" dirty="0"/>
-          </a:p>
-        </p:txBody>
-      </p:sp>
-      <p:sp>
-        <p:nvSpPr>
-          <p:cNvPr id="8" name="Oval 7"/>
-          <p:cNvSpPr/>
-          <p:nvPr/>
-        </p:nvSpPr>
-        <p:spPr>
-          <a:xfrm>
-            <a:off x="2209800" y="1714500"/>
-            <a:ext cx="304800" cy="304800"/>
-          </a:xfrm>
-          <a:prstGeom prst="ellipse">
-            <a:avLst/>
-          </a:prstGeom>
-        </p:spPr>
-        <p:style>
-          <a:lnRef idx="2">
-            <a:schemeClr val="dk1"/>
-          </a:lnRef>
-          <a:fillRef idx="1">
-            <a:schemeClr val="lt1"/>
-          </a:fillRef>
-          <a:effectRef idx="0">
-            <a:schemeClr val="dk1"/>
-          </a:effectRef>
-          <a:fontRef idx="minor">
-            <a:schemeClr val="dk1"/>
-          </a:fontRef>
-        </p:style>
-        <p:txBody>
-          <a:bodyPr rtlCol="0" anchor="ctr"/>
-          <a:lstStyle/>
-          <a:p>
-            <a:pPr algn="ctr"/>
-            <a:endParaRPr lang="en-US"/>
-          </a:p>
-        </p:txBody>
-      </p:sp>
-      <p:sp>
-        <p:nvSpPr>
-          <p:cNvPr id="9" name="Oval 8"/>
-          <p:cNvSpPr/>
-          <p:nvPr/>
-        </p:nvSpPr>
-        <p:spPr>
-          <a:xfrm>
-            <a:off x="5105400" y="1714500"/>
-            <a:ext cx="304800" cy="304800"/>
-          </a:xfrm>
-          <a:prstGeom prst="ellipse">
-            <a:avLst/>
-          </a:prstGeom>
-        </p:spPr>
-        <p:style>
-          <a:lnRef idx="2">
-            <a:schemeClr val="dk1"/>
-          </a:lnRef>
-          <a:fillRef idx="1">
-            <a:schemeClr val="lt1"/>
-          </a:fillRef>
-          <a:effectRef idx="0">
-            <a:schemeClr val="dk1"/>
-          </a:effectRef>
-          <a:fontRef idx="minor">
-            <a:schemeClr val="dk1"/>
-          </a:fontRef>
-        </p:style>
-        <p:txBody>
-          <a:bodyPr rtlCol="0" anchor="ctr"/>
-          <a:lstStyle/>
-          <a:p>
-            <a:pPr algn="ctr"/>
-            <a:endParaRPr lang="en-US"/>
-          </a:p>
-        </p:txBody>
-      </p:sp>
-      <p:sp>
-        <p:nvSpPr>
-          <p:cNvPr id="10" name="Oval 9"/>
-          <p:cNvSpPr/>
-          <p:nvPr/>
-        </p:nvSpPr>
-        <p:spPr>
-          <a:xfrm>
-            <a:off x="6934200" y="1714500"/>
-            <a:ext cx="304800" cy="304800"/>
-          </a:xfrm>
-          <a:prstGeom prst="ellipse">
-            <a:avLst/>
-          </a:prstGeom>
-        </p:spPr>
-        <p:style>
-          <a:lnRef idx="2">
-            <a:schemeClr val="dk1"/>
-          </a:lnRef>
-          <a:fillRef idx="1">
-            <a:schemeClr val="lt1"/>
-          </a:fillRef>
-          <a:effectRef idx="0">
-            <a:schemeClr val="dk1"/>
-          </a:effectRef>
-          <a:fontRef idx="minor">
-            <a:schemeClr val="dk1"/>
-          </a:fontRef>
-        </p:style>
-        <p:txBody>
-          <a:bodyPr rtlCol="0" anchor="ctr"/>
-          <a:lstStyle/>
-          <a:p>
-            <a:pPr algn="ctr"/>
-            <a:endParaRPr lang="en-US"/>
-          </a:p>
-        </p:txBody>
-      </p:sp>
-      <p:sp>
-        <p:nvSpPr>
-          <p:cNvPr id="11" name="Oval 10"/>
-          <p:cNvSpPr/>
-          <p:nvPr/>
-        </p:nvSpPr>
-        <p:spPr>
-          <a:xfrm>
-            <a:off x="2209800" y="2526323"/>
-            <a:ext cx="304800" cy="304800"/>
-          </a:xfrm>
-          <a:prstGeom prst="ellipse">
-            <a:avLst/>
-          </a:prstGeom>
-        </p:spPr>
-        <p:style>
-          <a:lnRef idx="2">
-            <a:schemeClr val="dk1"/>
-          </a:lnRef>
-          <a:fillRef idx="1">
-            <a:schemeClr val="lt1"/>
-          </a:fillRef>
-          <a:effectRef idx="0">
-            <a:schemeClr val="dk1"/>
-          </a:effectRef>
-          <a:fontRef idx="minor">
-            <a:schemeClr val="dk1"/>
-          </a:fontRef>
-        </p:style>
-        <p:txBody>
-          <a:bodyPr rtlCol="0" anchor="ctr"/>
-          <a:lstStyle/>
-          <a:p>
-            <a:pPr algn="ctr"/>
-            <a:endParaRPr lang="en-US"/>
-          </a:p>
-        </p:txBody>
-      </p:sp>
-      <p:sp>
-        <p:nvSpPr>
-          <p:cNvPr id="12" name="Oval 11"/>
-          <p:cNvSpPr/>
-          <p:nvPr/>
-        </p:nvSpPr>
-        <p:spPr>
-          <a:xfrm>
-            <a:off x="4419600" y="2526323"/>
-            <a:ext cx="304800" cy="304800"/>
-          </a:xfrm>
-          <a:prstGeom prst="ellipse">
-            <a:avLst/>
-          </a:prstGeom>
-        </p:spPr>
-        <p:style>
-          <a:lnRef idx="2">
-            <a:schemeClr val="dk1"/>
-          </a:lnRef>
-          <a:fillRef idx="1">
-            <a:schemeClr val="lt1"/>
-          </a:fillRef>
-          <a:effectRef idx="0">
-            <a:schemeClr val="dk1"/>
-          </a:effectRef>
-          <a:fontRef idx="minor">
-            <a:schemeClr val="dk1"/>
-          </a:fontRef>
-        </p:style>
-        <p:txBody>
-          <a:bodyPr rtlCol="0" anchor="ctr"/>
-          <a:lstStyle/>
-          <a:p>
-            <a:pPr algn="ctr"/>
-            <a:endParaRPr lang="en-US"/>
-          </a:p>
-        </p:txBody>
-      </p:sp>
-      <p:sp>
-        <p:nvSpPr>
-          <p:cNvPr id="13" name="Oval 12"/>
-          <p:cNvSpPr/>
-          <p:nvPr/>
-        </p:nvSpPr>
-        <p:spPr>
-          <a:xfrm>
-            <a:off x="5884985" y="2526323"/>
-            <a:ext cx="304800" cy="304800"/>
-          </a:xfrm>
-          <a:prstGeom prst="ellipse">
-            <a:avLst/>
-          </a:prstGeom>
-        </p:spPr>
-        <p:style>
-          <a:lnRef idx="2">
-            <a:schemeClr val="dk1"/>
-          </a:lnRef>
-          <a:fillRef idx="1">
-            <a:schemeClr val="lt1"/>
-          </a:fillRef>
-          <a:effectRef idx="0">
-            <a:schemeClr val="dk1"/>
-          </a:effectRef>
-          <a:fontRef idx="minor">
-            <a:schemeClr val="dk1"/>
-          </a:fontRef>
-        </p:style>
-        <p:txBody>
-          <a:bodyPr rtlCol="0" anchor="ctr"/>
-          <a:lstStyle/>
-          <a:p>
-            <a:pPr algn="ctr"/>
-            <a:endParaRPr lang="en-US"/>
-          </a:p>
-        </p:txBody>
-      </p:sp>
-      <p:sp>
-        <p:nvSpPr>
-          <p:cNvPr id="14" name="Oval 13"/>
-          <p:cNvSpPr/>
-          <p:nvPr/>
-        </p:nvSpPr>
-        <p:spPr>
-          <a:xfrm>
-            <a:off x="7473462" y="2526323"/>
-            <a:ext cx="304800" cy="304800"/>
-          </a:xfrm>
-          <a:prstGeom prst="ellipse">
-            <a:avLst/>
-          </a:prstGeom>
-        </p:spPr>
-        <p:style>
-          <a:lnRef idx="2">
-            <a:schemeClr val="dk1"/>
-          </a:lnRef>
-          <a:fillRef idx="1">
-            <a:schemeClr val="lt1"/>
-          </a:fillRef>
-          <a:effectRef idx="0">
-            <a:schemeClr val="dk1"/>
-          </a:effectRef>
-          <a:fontRef idx="minor">
-            <a:schemeClr val="dk1"/>
-          </a:fontRef>
-        </p:style>
-        <p:txBody>
-          <a:bodyPr rtlCol="0" anchor="ctr"/>
-          <a:lstStyle/>
-          <a:p>
-            <a:pPr algn="ctr"/>
-            <a:endParaRPr lang="en-US"/>
-          </a:p>
-        </p:txBody>
-      </p:sp>
-      <p:sp>
-        <p:nvSpPr>
-          <p:cNvPr id="15" name="Oval 14"/>
-          <p:cNvSpPr/>
-          <p:nvPr/>
-        </p:nvSpPr>
-        <p:spPr>
-          <a:xfrm>
-            <a:off x="3581400" y="3273669"/>
-            <a:ext cx="304800" cy="304800"/>
-          </a:xfrm>
-          <a:prstGeom prst="ellipse">
-            <a:avLst/>
-          </a:prstGeom>
-        </p:spPr>
-        <p:style>
-          <a:lnRef idx="2">
-            <a:schemeClr val="dk1"/>
-          </a:lnRef>
-          <a:fillRef idx="1">
-            <a:schemeClr val="lt1"/>
-          </a:fillRef>
-          <a:effectRef idx="0">
-            <a:schemeClr val="dk1"/>
-          </a:effectRef>
-          <a:fontRef idx="minor">
-            <a:schemeClr val="dk1"/>
-          </a:fontRef>
-        </p:style>
-        <p:txBody>
-          <a:bodyPr rtlCol="0" anchor="ctr"/>
-          <a:lstStyle/>
-          <a:p>
-            <a:pPr algn="ctr"/>
-            <a:endParaRPr lang="en-US"/>
-          </a:p>
-        </p:txBody>
-      </p:sp>
-      <p:sp>
-        <p:nvSpPr>
-          <p:cNvPr id="16" name="Oval 15"/>
-          <p:cNvSpPr/>
-          <p:nvPr/>
-        </p:nvSpPr>
-        <p:spPr>
-          <a:xfrm>
-            <a:off x="5046785" y="3273669"/>
-            <a:ext cx="304800" cy="304800"/>
-          </a:xfrm>
-          <a:prstGeom prst="ellipse">
-            <a:avLst/>
-          </a:prstGeom>
-        </p:spPr>
-        <p:style>
-          <a:lnRef idx="2">
-            <a:schemeClr val="dk1"/>
-          </a:lnRef>
-          <a:fillRef idx="1">
-            <a:schemeClr val="lt1"/>
-          </a:fillRef>
-          <a:effectRef idx="0">
-            <a:schemeClr val="dk1"/>
-          </a:effectRef>
-          <a:fontRef idx="minor">
-            <a:schemeClr val="dk1"/>
-          </a:fontRef>
-        </p:style>
-        <p:txBody>
-          <a:bodyPr rtlCol="0" anchor="ctr"/>
-          <a:lstStyle/>
-          <a:p>
-            <a:pPr algn="ctr"/>
-            <a:endParaRPr lang="en-US"/>
-          </a:p>
-        </p:txBody>
-      </p:sp>
-      <p:cxnSp>
-        <p:nvCxnSpPr>
-          <p:cNvPr id="18" name="Straight Arrow Connector 17"/>
-          <p:cNvCxnSpPr>
-            <a:stCxn id="8" idx="6"/>
-            <a:endCxn id="9" idx="2"/>
-          </p:cNvCxnSpPr>
-          <p:nvPr/>
-        </p:nvCxnSpPr>
-        <p:spPr>
-          <a:xfrm>
-            <a:off x="2514600" y="1866900"/>
-            <a:ext cx="2590800" cy="0"/>
-          </a:xfrm>
-          <a:prstGeom prst="straightConnector1">
-            <a:avLst/>
-          </a:prstGeom>
-          <a:ln>
-            <a:tailEnd type="arrow"/>
-          </a:ln>
-        </p:spPr>
-        <p:style>
-          <a:lnRef idx="2">
-            <a:schemeClr val="dk1"/>
-          </a:lnRef>
-          <a:fillRef idx="0">
-            <a:schemeClr val="dk1"/>
-          </a:fillRef>
-          <a:effectRef idx="1">
-            <a:schemeClr val="dk1"/>
-          </a:effectRef>
-          <a:fontRef idx="minor">
-            <a:schemeClr val="tx1"/>
-          </a:fontRef>
-        </p:style>
-      </p:cxnSp>
-      <p:cxnSp>
-        <p:nvCxnSpPr>
-          <p:cNvPr id="19" name="Straight Arrow Connector 18"/>
-          <p:cNvCxnSpPr>
-            <a:stCxn id="9" idx="6"/>
-            <a:endCxn id="10" idx="2"/>
-          </p:cNvCxnSpPr>
-          <p:nvPr/>
-        </p:nvCxnSpPr>
-        <p:spPr>
-          <a:xfrm>
-            <a:off x="5410200" y="1866900"/>
-            <a:ext cx="1524000" cy="0"/>
-          </a:xfrm>
-          <a:prstGeom prst="straightConnector1">
-            <a:avLst/>
-          </a:prstGeom>
-          <a:ln>
-            <a:tailEnd type="arrow"/>
-          </a:ln>
-        </p:spPr>
-        <p:style>
-          <a:lnRef idx="2">
-            <a:schemeClr val="dk1"/>
-          </a:lnRef>
-          <a:fillRef idx="0">
-            <a:schemeClr val="dk1"/>
-          </a:fillRef>
-          <a:effectRef idx="1">
-            <a:schemeClr val="dk1"/>
-          </a:effectRef>
-          <a:fontRef idx="minor">
-            <a:schemeClr val="tx1"/>
-          </a:fontRef>
-        </p:style>
-      </p:cxnSp>
-      <p:cxnSp>
-        <p:nvCxnSpPr>
-          <p:cNvPr id="20" name="Straight Arrow Connector 19"/>
-          <p:cNvCxnSpPr>
-            <a:stCxn id="11" idx="6"/>
-            <a:endCxn id="12" idx="2"/>
-          </p:cNvCxnSpPr>
-          <p:nvPr/>
-        </p:nvCxnSpPr>
-        <p:spPr>
-          <a:xfrm>
-            <a:off x="2514600" y="2678723"/>
-            <a:ext cx="1905000" cy="0"/>
-          </a:xfrm>
-          <a:prstGeom prst="straightConnector1">
-            <a:avLst/>
-          </a:prstGeom>
-          <a:ln>
-            <a:tailEnd type="arrow"/>
-          </a:ln>
-        </p:spPr>
-        <p:style>
-          <a:lnRef idx="2">
-            <a:schemeClr val="dk1"/>
-          </a:lnRef>
-          <a:fillRef idx="0">
-            <a:schemeClr val="dk1"/>
-          </a:fillRef>
-          <a:effectRef idx="1">
-            <a:schemeClr val="dk1"/>
-          </a:effectRef>
-          <a:fontRef idx="minor">
-            <a:schemeClr val="tx1"/>
-          </a:fontRef>
-        </p:style>
-      </p:cxnSp>
-      <p:cxnSp>
-        <p:nvCxnSpPr>
-          <p:cNvPr id="21" name="Straight Arrow Connector 20"/>
-          <p:cNvCxnSpPr>
-            <a:stCxn id="12" idx="6"/>
-            <a:endCxn id="13" idx="2"/>
-          </p:cNvCxnSpPr>
-          <p:nvPr/>
-        </p:nvCxnSpPr>
-        <p:spPr>
-          <a:xfrm>
-            <a:off x="4724400" y="2678723"/>
-            <a:ext cx="1160585" cy="0"/>
-          </a:xfrm>
-          <a:prstGeom prst="straightConnector1">
-            <a:avLst/>
-          </a:prstGeom>
-          <a:ln>
-            <a:tailEnd type="arrow"/>
-          </a:ln>
-        </p:spPr>
-        <p:style>
-          <a:lnRef idx="2">
-            <a:schemeClr val="dk1"/>
-          </a:lnRef>
-          <a:fillRef idx="0">
-            <a:schemeClr val="dk1"/>
-          </a:fillRef>
-          <a:effectRef idx="1">
-            <a:schemeClr val="dk1"/>
-          </a:effectRef>
-          <a:fontRef idx="minor">
-            <a:schemeClr val="tx1"/>
-          </a:fontRef>
-        </p:style>
-      </p:cxnSp>
-      <p:cxnSp>
-        <p:nvCxnSpPr>
-          <p:cNvPr id="22" name="Straight Arrow Connector 21"/>
-          <p:cNvCxnSpPr>
-            <a:stCxn id="13" idx="6"/>
-            <a:endCxn id="14" idx="2"/>
-          </p:cNvCxnSpPr>
-          <p:nvPr/>
-        </p:nvCxnSpPr>
-        <p:spPr>
-          <a:xfrm>
-            <a:off x="6189785" y="2678723"/>
-            <a:ext cx="1283677" cy="0"/>
-          </a:xfrm>
-          <a:prstGeom prst="straightConnector1">
-            <a:avLst/>
-          </a:prstGeom>
-          <a:ln>
-            <a:tailEnd type="arrow"/>
-          </a:ln>
-        </p:spPr>
-        <p:style>
-          <a:lnRef idx="2">
-            <a:schemeClr val="dk1"/>
-          </a:lnRef>
-          <a:fillRef idx="0">
-            <a:schemeClr val="dk1"/>
-          </a:fillRef>
-          <a:effectRef idx="1">
-            <a:schemeClr val="dk1"/>
-          </a:effectRef>
-          <a:fontRef idx="minor">
-            <a:schemeClr val="tx1"/>
-          </a:fontRef>
-        </p:style>
-      </p:cxnSp>
-      <p:cxnSp>
-        <p:nvCxnSpPr>
-          <p:cNvPr id="23" name="Straight Arrow Connector 22"/>
-          <p:cNvCxnSpPr>
-            <a:stCxn id="15" idx="6"/>
-            <a:endCxn id="16" idx="2"/>
-          </p:cNvCxnSpPr>
-          <p:nvPr/>
-        </p:nvCxnSpPr>
-        <p:spPr>
-          <a:xfrm>
-            <a:off x="3886200" y="3426069"/>
-            <a:ext cx="1160585" cy="0"/>
-          </a:xfrm>
-          <a:prstGeom prst="straightConnector1">
-            <a:avLst/>
-          </a:prstGeom>
-          <a:ln>
-            <a:tailEnd type="arrow"/>
-          </a:ln>
-        </p:spPr>
-        <p:style>
-          <a:lnRef idx="2">
-            <a:schemeClr val="dk1"/>
-          </a:lnRef>
-          <a:fillRef idx="0">
-            <a:schemeClr val="dk1"/>
-          </a:fillRef>
-          <a:effectRef idx="1">
-            <a:schemeClr val="dk1"/>
-          </a:effectRef>
-          <a:fontRef idx="minor">
-            <a:schemeClr val="tx1"/>
-          </a:fontRef>
-        </p:style>
-      </p:cxnSp>
-      <p:cxnSp>
-        <p:nvCxnSpPr>
-          <p:cNvPr id="26" name="Straight Arrow Connector 25"/>
-          <p:cNvCxnSpPr/>
-          <p:nvPr/>
-        </p:nvCxnSpPr>
-        <p:spPr>
-          <a:xfrm>
-            <a:off x="2469963" y="2786486"/>
-            <a:ext cx="1156074" cy="531820"/>
-          </a:xfrm>
-          <a:prstGeom prst="straightConnector1">
-            <a:avLst/>
-          </a:prstGeom>
-          <a:ln>
-            <a:prstDash val="dash"/>
-            <a:tailEnd type="arrow"/>
-          </a:ln>
-        </p:spPr>
-        <p:style>
-          <a:lnRef idx="2">
-            <a:schemeClr val="dk1"/>
-          </a:lnRef>
-          <a:fillRef idx="0">
-            <a:schemeClr val="dk1"/>
-          </a:fillRef>
-          <a:effectRef idx="1">
-            <a:schemeClr val="dk1"/>
-          </a:effectRef>
-          <a:fontRef idx="minor">
-            <a:schemeClr val="tx1"/>
-          </a:fontRef>
-        </p:style>
-      </p:cxnSp>
-      <p:cxnSp>
-        <p:nvCxnSpPr>
-          <p:cNvPr id="28" name="Straight Arrow Connector 27"/>
-          <p:cNvCxnSpPr/>
-          <p:nvPr/>
-        </p:nvCxnSpPr>
-        <p:spPr>
-          <a:xfrm>
-            <a:off x="2362200" y="2019300"/>
-            <a:ext cx="0" cy="507023"/>
-          </a:xfrm>
-          <a:prstGeom prst="straightConnector1">
-            <a:avLst/>
-          </a:prstGeom>
-          <a:ln>
-            <a:prstDash val="dash"/>
-            <a:tailEnd type="arrow"/>
-          </a:ln>
-        </p:spPr>
-        <p:style>
-          <a:lnRef idx="2">
-            <a:schemeClr val="dk1"/>
-          </a:lnRef>
-          <a:fillRef idx="0">
-            <a:schemeClr val="dk1"/>
-          </a:fillRef>
-          <a:effectRef idx="1">
-            <a:schemeClr val="dk1"/>
-          </a:effectRef>
-          <a:fontRef idx="minor">
-            <a:schemeClr val="tx1"/>
-          </a:fontRef>
-        </p:style>
-      </p:cxnSp>
+          <a:noFill/>
+          <a:extLst>
+            <a:ext uri="{909E8E84-426E-40DD-AFC4-6F175D3DCCD1}">
+              <a14:hiddenFill xmlns:a14="http://schemas.microsoft.com/office/drawing/2010/main">
+                <a:solidFill>
+                  <a:srgbClr val="FFFFFF"/>
+                </a:solidFill>
+              </a14:hiddenFill>
+            </a:ext>
+          </a:extLst>
+        </p:spPr>
+      </p:pic>
     </p:spTree>
     <p:extLst>
       <p:ext uri="{BB962C8B-B14F-4D97-AF65-F5344CB8AC3E}">
-        <p14:creationId xmlns:p14="http://schemas.microsoft.com/office/powerpoint/2010/main" val="3079961661"/>
+        <p14:creationId xmlns:p14="http://schemas.microsoft.com/office/powerpoint/2010/main" val="1818586376"/>
       </p:ext>
     </p:extLst>
   </p:cSld>
@@ -4093,934 +3384,118 @@
           <a:lstStyle/>
           <a:p>
             <a:r>
+              <a:rPr lang="en-US" dirty="0"/>
+              <a:t>CASE 4: The Internet SUX</a:t>
+            </a:r>
+          </a:p>
+        </p:txBody>
+      </p:sp>
+      <p:sp>
+        <p:nvSpPr>
+          <p:cNvPr id="3" name="Content Placeholder 2"/>
+          <p:cNvSpPr>
+            <a:spLocks noGrp="1"/>
+          </p:cNvSpPr>
+          <p:nvPr>
+            <p:ph idx="1"/>
+          </p:nvPr>
+        </p:nvSpPr>
+        <p:spPr>
+          <a:xfrm>
+            <a:off x="457200" y="1600200"/>
+            <a:ext cx="4114800" cy="4525963"/>
+          </a:xfrm>
+        </p:spPr>
+        <p:txBody>
+          <a:bodyPr/>
+          <a:lstStyle/>
+          <a:p>
+            <a:r>
+              <a:rPr lang="en-US" dirty="0"/>
+              <a:t>Distributed Version Control</a:t>
+            </a:r>
+          </a:p>
+          <a:p>
+            <a:pPr lvl="1"/>
+            <a:r>
+              <a:rPr lang="en-US" dirty="0"/>
+              <a:t>The user may “</a:t>
+            </a:r>
+            <a:r>
+              <a:rPr lang="en-US" b="1" dirty="0"/>
+              <a:t>clone</a:t>
+            </a:r>
+            <a:r>
+              <a:rPr lang="en-US" dirty="0"/>
+              <a:t>” a repository.</a:t>
+            </a:r>
+          </a:p>
+          <a:p>
+            <a:pPr lvl="1"/>
+            <a:r>
+              <a:rPr lang="en-US" dirty="0"/>
+              <a:t>The user’s local copy is a version complete copy.</a:t>
+            </a:r>
+          </a:p>
+          <a:p>
+            <a:pPr lvl="1"/>
+            <a:r>
+              <a:rPr lang="en-US" dirty="0"/>
+              <a:t>GIT uses this model</a:t>
+            </a:r>
+            <a:r>
               <a:rPr lang="en-US" dirty="0" smtClean="0"/>
-              <a:t>Merging</a:t>
+              <a:t>.</a:t>
             </a:r>
             <a:endParaRPr lang="en-US" dirty="0"/>
           </a:p>
         </p:txBody>
       </p:sp>
-      <p:sp>
-        <p:nvSpPr>
-          <p:cNvPr id="3" name="Content Placeholder 2"/>
-          <p:cNvSpPr>
-            <a:spLocks noGrp="1"/>
-          </p:cNvSpPr>
-          <p:nvPr>
-            <p:ph idx="1"/>
-          </p:nvPr>
-        </p:nvSpPr>
-        <p:spPr>
-          <a:xfrm>
-            <a:off x="457200" y="3886200"/>
-            <a:ext cx="8229600" cy="2667000"/>
-          </a:xfrm>
-        </p:spPr>
-        <p:txBody>
-          <a:bodyPr>
-            <a:normAutofit fontScale="92500" lnSpcReduction="20000"/>
-          </a:bodyPr>
-          <a:lstStyle/>
-          <a:p>
-            <a:r>
-              <a:rPr lang="en-US" sz="3000" dirty="0" smtClean="0"/>
-              <a:t>Merge</a:t>
-            </a:r>
-            <a:endParaRPr lang="en-US" dirty="0" smtClean="0"/>
-          </a:p>
-          <a:p>
-            <a:pPr lvl="1"/>
-            <a:r>
-              <a:rPr lang="en-US" sz="2600" dirty="0" smtClean="0"/>
-              <a:t>A branch may be merged into another.</a:t>
-            </a:r>
-          </a:p>
-          <a:p>
-            <a:pPr lvl="1"/>
-            <a:r>
-              <a:rPr lang="en-US" sz="2600" dirty="0" smtClean="0"/>
-              <a:t>The branch creates a “</a:t>
-            </a:r>
-            <a:r>
-              <a:rPr lang="en-US" sz="2600" b="1" dirty="0" smtClean="0"/>
-              <a:t>pull request</a:t>
-            </a:r>
-            <a:r>
-              <a:rPr lang="en-US" sz="2600" dirty="0" smtClean="0"/>
-              <a:t>” requesting that its present version be merged into another. The requestor details how to make the changes.</a:t>
-            </a:r>
-          </a:p>
-          <a:p>
-            <a:pPr lvl="1"/>
-            <a:r>
-              <a:rPr lang="en-US" sz="2600" dirty="0" smtClean="0"/>
-              <a:t>An authority from the branch being merged into then is expected to review the request.</a:t>
-            </a:r>
-            <a:endParaRPr lang="en-US" sz="2600" dirty="0"/>
-          </a:p>
-        </p:txBody>
-      </p:sp>
-      <p:sp>
-        <p:nvSpPr>
-          <p:cNvPr id="4" name="Rounded Rectangle 3"/>
-          <p:cNvSpPr/>
+      <p:pic>
+        <p:nvPicPr>
+          <p:cNvPr id="2050" name="Picture 2" descr="C:\Users\User\Downloads\progit2-master\progit2-master\images\distributed.png"/>
+          <p:cNvPicPr>
+            <a:picLocks noChangeAspect="1" noChangeArrowheads="1"/>
+          </p:cNvPicPr>
           <p:nvPr/>
-        </p:nvSpPr>
-        <p:spPr>
-          <a:xfrm>
-            <a:off x="381000" y="3159369"/>
-            <a:ext cx="8382000" cy="533400"/>
-          </a:xfrm>
-          <a:prstGeom prst="roundRect">
+        </p:nvPicPr>
+        <p:blipFill>
+          <a:blip r:embed="rId2">
+            <a:extLst>
+              <a:ext uri="{28A0092B-C50C-407E-A947-70E740481C1C}">
+                <a14:useLocalDpi xmlns:a14="http://schemas.microsoft.com/office/drawing/2010/main" val="0"/>
+              </a:ext>
+            </a:extLst>
+          </a:blip>
+          <a:srcRect/>
+          <a:stretch>
+            <a:fillRect/>
+          </a:stretch>
+        </p:blipFill>
+        <p:spPr bwMode="auto">
+          <a:xfrm>
+            <a:off x="4419600" y="1219200"/>
+            <a:ext cx="4648200" cy="5566707"/>
+          </a:xfrm>
+          <a:prstGeom prst="rect">
             <a:avLst/>
           </a:prstGeom>
-        </p:spPr>
-        <p:style>
-          <a:lnRef idx="2">
-            <a:schemeClr val="accent3">
-              <a:shade val="50000"/>
-            </a:schemeClr>
-          </a:lnRef>
-          <a:fillRef idx="1">
-            <a:schemeClr val="accent3"/>
-          </a:fillRef>
-          <a:effectRef idx="0">
-            <a:schemeClr val="accent3"/>
-          </a:effectRef>
-          <a:fontRef idx="minor">
-            <a:schemeClr val="lt1"/>
-          </a:fontRef>
-        </p:style>
-        <p:txBody>
-          <a:bodyPr rtlCol="0" anchor="ctr"/>
-          <a:lstStyle/>
-          <a:p>
-            <a:r>
-              <a:rPr lang="en-US" dirty="0" smtClean="0"/>
-              <a:t>Feature A:</a:t>
-            </a:r>
-            <a:endParaRPr lang="en-US" dirty="0"/>
-          </a:p>
-        </p:txBody>
-      </p:sp>
-      <p:sp>
-        <p:nvSpPr>
-          <p:cNvPr id="6" name="Rounded Rectangle 5"/>
-          <p:cNvSpPr/>
-          <p:nvPr/>
-        </p:nvSpPr>
-        <p:spPr>
-          <a:xfrm>
-            <a:off x="381000" y="2411348"/>
-            <a:ext cx="8382000" cy="533400"/>
-          </a:xfrm>
-          <a:prstGeom prst="roundRect">
-            <a:avLst/>
-          </a:prstGeom>
-        </p:spPr>
-        <p:style>
-          <a:lnRef idx="2">
-            <a:schemeClr val="accent2">
-              <a:shade val="50000"/>
-            </a:schemeClr>
-          </a:lnRef>
-          <a:fillRef idx="1">
-            <a:schemeClr val="accent2"/>
-          </a:fillRef>
-          <a:effectRef idx="0">
-            <a:schemeClr val="accent2"/>
-          </a:effectRef>
-          <a:fontRef idx="minor">
-            <a:schemeClr val="lt1"/>
-          </a:fontRef>
-        </p:style>
-        <p:txBody>
-          <a:bodyPr rtlCol="0" anchor="ctr"/>
-          <a:lstStyle/>
-          <a:p>
-            <a:r>
-              <a:rPr lang="en-US" dirty="0" smtClean="0"/>
-              <a:t>Development:</a:t>
-            </a:r>
-            <a:endParaRPr lang="en-US" dirty="0"/>
-          </a:p>
-        </p:txBody>
-      </p:sp>
-      <p:sp>
-        <p:nvSpPr>
-          <p:cNvPr id="7" name="Rounded Rectangle 6"/>
-          <p:cNvSpPr/>
-          <p:nvPr/>
-        </p:nvSpPr>
-        <p:spPr>
-          <a:xfrm>
-            <a:off x="381000" y="1600200"/>
-            <a:ext cx="8382000" cy="533400"/>
-          </a:xfrm>
-          <a:prstGeom prst="roundRect">
-            <a:avLst/>
-          </a:prstGeom>
-        </p:spPr>
-        <p:style>
-          <a:lnRef idx="2">
-            <a:schemeClr val="accent1">
-              <a:shade val="50000"/>
-            </a:schemeClr>
-          </a:lnRef>
-          <a:fillRef idx="1">
-            <a:schemeClr val="accent1"/>
-          </a:fillRef>
-          <a:effectRef idx="0">
-            <a:schemeClr val="accent1"/>
-          </a:effectRef>
-          <a:fontRef idx="minor">
-            <a:schemeClr val="lt1"/>
-          </a:fontRef>
-        </p:style>
-        <p:txBody>
-          <a:bodyPr rtlCol="0" anchor="ctr"/>
-          <a:lstStyle/>
-          <a:p>
-            <a:r>
-              <a:rPr lang="en-US" dirty="0" smtClean="0"/>
-              <a:t>Main (Trunk):</a:t>
-            </a:r>
-            <a:endParaRPr lang="en-US" dirty="0"/>
-          </a:p>
-        </p:txBody>
-      </p:sp>
-      <p:sp>
-        <p:nvSpPr>
-          <p:cNvPr id="8" name="Oval 7"/>
-          <p:cNvSpPr/>
-          <p:nvPr/>
-        </p:nvSpPr>
-        <p:spPr>
-          <a:xfrm>
-            <a:off x="2209800" y="1714500"/>
-            <a:ext cx="304800" cy="304800"/>
-          </a:xfrm>
-          <a:prstGeom prst="ellipse">
-            <a:avLst/>
-          </a:prstGeom>
-        </p:spPr>
-        <p:style>
-          <a:lnRef idx="2">
-            <a:schemeClr val="dk1"/>
-          </a:lnRef>
-          <a:fillRef idx="1">
-            <a:schemeClr val="lt1"/>
-          </a:fillRef>
-          <a:effectRef idx="0">
-            <a:schemeClr val="dk1"/>
-          </a:effectRef>
-          <a:fontRef idx="minor">
-            <a:schemeClr val="dk1"/>
-          </a:fontRef>
-        </p:style>
-        <p:txBody>
-          <a:bodyPr rtlCol="0" anchor="ctr"/>
-          <a:lstStyle/>
-          <a:p>
-            <a:pPr algn="ctr"/>
-            <a:endParaRPr lang="en-US"/>
-          </a:p>
-        </p:txBody>
-      </p:sp>
-      <p:sp>
-        <p:nvSpPr>
-          <p:cNvPr id="9" name="Oval 8"/>
-          <p:cNvSpPr/>
-          <p:nvPr/>
-        </p:nvSpPr>
-        <p:spPr>
-          <a:xfrm>
-            <a:off x="5105400" y="1714500"/>
-            <a:ext cx="304800" cy="304800"/>
-          </a:xfrm>
-          <a:prstGeom prst="ellipse">
-            <a:avLst/>
-          </a:prstGeom>
-        </p:spPr>
-        <p:style>
-          <a:lnRef idx="2">
-            <a:schemeClr val="dk1"/>
-          </a:lnRef>
-          <a:fillRef idx="1">
-            <a:schemeClr val="lt1"/>
-          </a:fillRef>
-          <a:effectRef idx="0">
-            <a:schemeClr val="dk1"/>
-          </a:effectRef>
-          <a:fontRef idx="minor">
-            <a:schemeClr val="dk1"/>
-          </a:fontRef>
-        </p:style>
-        <p:txBody>
-          <a:bodyPr rtlCol="0" anchor="ctr"/>
-          <a:lstStyle/>
-          <a:p>
-            <a:pPr algn="ctr"/>
-            <a:endParaRPr lang="en-US"/>
-          </a:p>
-        </p:txBody>
-      </p:sp>
-      <p:sp>
-        <p:nvSpPr>
-          <p:cNvPr id="10" name="Oval 9"/>
-          <p:cNvSpPr/>
-          <p:nvPr/>
-        </p:nvSpPr>
-        <p:spPr>
-          <a:xfrm>
-            <a:off x="6934200" y="1714500"/>
-            <a:ext cx="304800" cy="304800"/>
-          </a:xfrm>
-          <a:prstGeom prst="ellipse">
-            <a:avLst/>
-          </a:prstGeom>
-        </p:spPr>
-        <p:style>
-          <a:lnRef idx="2">
-            <a:schemeClr val="dk1"/>
-          </a:lnRef>
-          <a:fillRef idx="1">
-            <a:schemeClr val="lt1"/>
-          </a:fillRef>
-          <a:effectRef idx="0">
-            <a:schemeClr val="dk1"/>
-          </a:effectRef>
-          <a:fontRef idx="minor">
-            <a:schemeClr val="dk1"/>
-          </a:fontRef>
-        </p:style>
-        <p:txBody>
-          <a:bodyPr rtlCol="0" anchor="ctr"/>
-          <a:lstStyle/>
-          <a:p>
-            <a:pPr algn="ctr"/>
-            <a:endParaRPr lang="en-US"/>
-          </a:p>
-        </p:txBody>
-      </p:sp>
-      <p:sp>
-        <p:nvSpPr>
-          <p:cNvPr id="11" name="Oval 10"/>
-          <p:cNvSpPr/>
-          <p:nvPr/>
-        </p:nvSpPr>
-        <p:spPr>
-          <a:xfrm>
-            <a:off x="2209800" y="2526323"/>
-            <a:ext cx="304800" cy="304800"/>
-          </a:xfrm>
-          <a:prstGeom prst="ellipse">
-            <a:avLst/>
-          </a:prstGeom>
-        </p:spPr>
-        <p:style>
-          <a:lnRef idx="2">
-            <a:schemeClr val="dk1"/>
-          </a:lnRef>
-          <a:fillRef idx="1">
-            <a:schemeClr val="lt1"/>
-          </a:fillRef>
-          <a:effectRef idx="0">
-            <a:schemeClr val="dk1"/>
-          </a:effectRef>
-          <a:fontRef idx="minor">
-            <a:schemeClr val="dk1"/>
-          </a:fontRef>
-        </p:style>
-        <p:txBody>
-          <a:bodyPr rtlCol="0" anchor="ctr"/>
-          <a:lstStyle/>
-          <a:p>
-            <a:pPr algn="ctr"/>
-            <a:endParaRPr lang="en-US"/>
-          </a:p>
-        </p:txBody>
-      </p:sp>
-      <p:sp>
-        <p:nvSpPr>
-          <p:cNvPr id="12" name="Oval 11"/>
-          <p:cNvSpPr/>
-          <p:nvPr/>
-        </p:nvSpPr>
-        <p:spPr>
-          <a:xfrm>
-            <a:off x="4419600" y="2526323"/>
-            <a:ext cx="304800" cy="304800"/>
-          </a:xfrm>
-          <a:prstGeom prst="ellipse">
-            <a:avLst/>
-          </a:prstGeom>
-        </p:spPr>
-        <p:style>
-          <a:lnRef idx="2">
-            <a:schemeClr val="dk1"/>
-          </a:lnRef>
-          <a:fillRef idx="1">
-            <a:schemeClr val="lt1"/>
-          </a:fillRef>
-          <a:effectRef idx="0">
-            <a:schemeClr val="dk1"/>
-          </a:effectRef>
-          <a:fontRef idx="minor">
-            <a:schemeClr val="dk1"/>
-          </a:fontRef>
-        </p:style>
-        <p:txBody>
-          <a:bodyPr rtlCol="0" anchor="ctr"/>
-          <a:lstStyle/>
-          <a:p>
-            <a:pPr algn="ctr"/>
-            <a:endParaRPr lang="en-US"/>
-          </a:p>
-        </p:txBody>
-      </p:sp>
-      <p:sp>
-        <p:nvSpPr>
-          <p:cNvPr id="13" name="Oval 12"/>
-          <p:cNvSpPr/>
-          <p:nvPr/>
-        </p:nvSpPr>
-        <p:spPr>
-          <a:xfrm>
-            <a:off x="5884985" y="2526323"/>
-            <a:ext cx="304800" cy="304800"/>
-          </a:xfrm>
-          <a:prstGeom prst="ellipse">
-            <a:avLst/>
-          </a:prstGeom>
-        </p:spPr>
-        <p:style>
-          <a:lnRef idx="2">
-            <a:schemeClr val="dk1"/>
-          </a:lnRef>
-          <a:fillRef idx="1">
-            <a:schemeClr val="lt1"/>
-          </a:fillRef>
-          <a:effectRef idx="0">
-            <a:schemeClr val="dk1"/>
-          </a:effectRef>
-          <a:fontRef idx="minor">
-            <a:schemeClr val="dk1"/>
-          </a:fontRef>
-        </p:style>
-        <p:txBody>
-          <a:bodyPr rtlCol="0" anchor="ctr"/>
-          <a:lstStyle/>
-          <a:p>
-            <a:pPr algn="ctr"/>
-            <a:endParaRPr lang="en-US"/>
-          </a:p>
-        </p:txBody>
-      </p:sp>
-      <p:sp>
-        <p:nvSpPr>
-          <p:cNvPr id="14" name="Oval 13"/>
-          <p:cNvSpPr/>
-          <p:nvPr/>
-        </p:nvSpPr>
-        <p:spPr>
-          <a:xfrm>
-            <a:off x="7473462" y="2526323"/>
-            <a:ext cx="304800" cy="304800"/>
-          </a:xfrm>
-          <a:prstGeom prst="ellipse">
-            <a:avLst/>
-          </a:prstGeom>
-        </p:spPr>
-        <p:style>
-          <a:lnRef idx="2">
-            <a:schemeClr val="dk1"/>
-          </a:lnRef>
-          <a:fillRef idx="1">
-            <a:schemeClr val="lt1"/>
-          </a:fillRef>
-          <a:effectRef idx="0">
-            <a:schemeClr val="dk1"/>
-          </a:effectRef>
-          <a:fontRef idx="minor">
-            <a:schemeClr val="dk1"/>
-          </a:fontRef>
-        </p:style>
-        <p:txBody>
-          <a:bodyPr rtlCol="0" anchor="ctr"/>
-          <a:lstStyle/>
-          <a:p>
-            <a:pPr algn="ctr"/>
-            <a:endParaRPr lang="en-US"/>
-          </a:p>
-        </p:txBody>
-      </p:sp>
-      <p:sp>
-        <p:nvSpPr>
-          <p:cNvPr id="15" name="Oval 14"/>
-          <p:cNvSpPr/>
-          <p:nvPr/>
-        </p:nvSpPr>
-        <p:spPr>
-          <a:xfrm>
-            <a:off x="3581400" y="3273669"/>
-            <a:ext cx="304800" cy="304800"/>
-          </a:xfrm>
-          <a:prstGeom prst="ellipse">
-            <a:avLst/>
-          </a:prstGeom>
-        </p:spPr>
-        <p:style>
-          <a:lnRef idx="2">
-            <a:schemeClr val="dk1"/>
-          </a:lnRef>
-          <a:fillRef idx="1">
-            <a:schemeClr val="lt1"/>
-          </a:fillRef>
-          <a:effectRef idx="0">
-            <a:schemeClr val="dk1"/>
-          </a:effectRef>
-          <a:fontRef idx="minor">
-            <a:schemeClr val="dk1"/>
-          </a:fontRef>
-        </p:style>
-        <p:txBody>
-          <a:bodyPr rtlCol="0" anchor="ctr"/>
-          <a:lstStyle/>
-          <a:p>
-            <a:pPr algn="ctr"/>
-            <a:endParaRPr lang="en-US"/>
-          </a:p>
-        </p:txBody>
-      </p:sp>
-      <p:sp>
-        <p:nvSpPr>
-          <p:cNvPr id="16" name="Oval 15"/>
-          <p:cNvSpPr/>
-          <p:nvPr/>
-        </p:nvSpPr>
-        <p:spPr>
-          <a:xfrm>
-            <a:off x="5046785" y="3273669"/>
-            <a:ext cx="304800" cy="304800"/>
-          </a:xfrm>
-          <a:prstGeom prst="ellipse">
-            <a:avLst/>
-          </a:prstGeom>
-        </p:spPr>
-        <p:style>
-          <a:lnRef idx="2">
-            <a:schemeClr val="dk1"/>
-          </a:lnRef>
-          <a:fillRef idx="1">
-            <a:schemeClr val="lt1"/>
-          </a:fillRef>
-          <a:effectRef idx="0">
-            <a:schemeClr val="dk1"/>
-          </a:effectRef>
-          <a:fontRef idx="minor">
-            <a:schemeClr val="dk1"/>
-          </a:fontRef>
-        </p:style>
-        <p:txBody>
-          <a:bodyPr rtlCol="0" anchor="ctr"/>
-          <a:lstStyle/>
-          <a:p>
-            <a:pPr algn="ctr"/>
-            <a:endParaRPr lang="en-US"/>
-          </a:p>
-        </p:txBody>
-      </p:sp>
-      <p:cxnSp>
-        <p:nvCxnSpPr>
-          <p:cNvPr id="18" name="Straight Arrow Connector 17"/>
-          <p:cNvCxnSpPr>
-            <a:stCxn id="8" idx="6"/>
-            <a:endCxn id="9" idx="2"/>
-          </p:cNvCxnSpPr>
-          <p:nvPr/>
-        </p:nvCxnSpPr>
-        <p:spPr>
-          <a:xfrm>
-            <a:off x="2514600" y="1866900"/>
-            <a:ext cx="2590800" cy="0"/>
-          </a:xfrm>
-          <a:prstGeom prst="straightConnector1">
-            <a:avLst/>
-          </a:prstGeom>
-          <a:ln>
-            <a:tailEnd type="arrow"/>
-          </a:ln>
-        </p:spPr>
-        <p:style>
-          <a:lnRef idx="2">
-            <a:schemeClr val="dk1"/>
-          </a:lnRef>
-          <a:fillRef idx="0">
-            <a:schemeClr val="dk1"/>
-          </a:fillRef>
-          <a:effectRef idx="1">
-            <a:schemeClr val="dk1"/>
-          </a:effectRef>
-          <a:fontRef idx="minor">
-            <a:schemeClr val="tx1"/>
-          </a:fontRef>
-        </p:style>
-      </p:cxnSp>
-      <p:cxnSp>
-        <p:nvCxnSpPr>
-          <p:cNvPr id="19" name="Straight Arrow Connector 18"/>
-          <p:cNvCxnSpPr>
-            <a:stCxn id="9" idx="6"/>
-            <a:endCxn id="10" idx="2"/>
-          </p:cNvCxnSpPr>
-          <p:nvPr/>
-        </p:nvCxnSpPr>
-        <p:spPr>
-          <a:xfrm>
-            <a:off x="5410200" y="1866900"/>
-            <a:ext cx="1524000" cy="0"/>
-          </a:xfrm>
-          <a:prstGeom prst="straightConnector1">
-            <a:avLst/>
-          </a:prstGeom>
-          <a:ln>
-            <a:tailEnd type="arrow"/>
-          </a:ln>
-        </p:spPr>
-        <p:style>
-          <a:lnRef idx="2">
-            <a:schemeClr val="dk1"/>
-          </a:lnRef>
-          <a:fillRef idx="0">
-            <a:schemeClr val="dk1"/>
-          </a:fillRef>
-          <a:effectRef idx="1">
-            <a:schemeClr val="dk1"/>
-          </a:effectRef>
-          <a:fontRef idx="minor">
-            <a:schemeClr val="tx1"/>
-          </a:fontRef>
-        </p:style>
-      </p:cxnSp>
-      <p:cxnSp>
-        <p:nvCxnSpPr>
-          <p:cNvPr id="20" name="Straight Arrow Connector 19"/>
-          <p:cNvCxnSpPr>
-            <a:stCxn id="11" idx="6"/>
-            <a:endCxn id="12" idx="2"/>
-          </p:cNvCxnSpPr>
-          <p:nvPr/>
-        </p:nvCxnSpPr>
-        <p:spPr>
-          <a:xfrm>
-            <a:off x="2514600" y="2678723"/>
-            <a:ext cx="1905000" cy="0"/>
-          </a:xfrm>
-          <a:prstGeom prst="straightConnector1">
-            <a:avLst/>
-          </a:prstGeom>
-          <a:ln>
-            <a:tailEnd type="arrow"/>
-          </a:ln>
-        </p:spPr>
-        <p:style>
-          <a:lnRef idx="2">
-            <a:schemeClr val="dk1"/>
-          </a:lnRef>
-          <a:fillRef idx="0">
-            <a:schemeClr val="dk1"/>
-          </a:fillRef>
-          <a:effectRef idx="1">
-            <a:schemeClr val="dk1"/>
-          </a:effectRef>
-          <a:fontRef idx="minor">
-            <a:schemeClr val="tx1"/>
-          </a:fontRef>
-        </p:style>
-      </p:cxnSp>
-      <p:cxnSp>
-        <p:nvCxnSpPr>
-          <p:cNvPr id="21" name="Straight Arrow Connector 20"/>
-          <p:cNvCxnSpPr>
-            <a:stCxn id="12" idx="6"/>
-            <a:endCxn id="13" idx="2"/>
-          </p:cNvCxnSpPr>
-          <p:nvPr/>
-        </p:nvCxnSpPr>
-        <p:spPr>
-          <a:xfrm>
-            <a:off x="4724400" y="2678723"/>
-            <a:ext cx="1160585" cy="0"/>
-          </a:xfrm>
-          <a:prstGeom prst="straightConnector1">
-            <a:avLst/>
-          </a:prstGeom>
-          <a:ln>
-            <a:tailEnd type="arrow"/>
-          </a:ln>
-        </p:spPr>
-        <p:style>
-          <a:lnRef idx="2">
-            <a:schemeClr val="dk1"/>
-          </a:lnRef>
-          <a:fillRef idx="0">
-            <a:schemeClr val="dk1"/>
-          </a:fillRef>
-          <a:effectRef idx="1">
-            <a:schemeClr val="dk1"/>
-          </a:effectRef>
-          <a:fontRef idx="minor">
-            <a:schemeClr val="tx1"/>
-          </a:fontRef>
-        </p:style>
-      </p:cxnSp>
-      <p:cxnSp>
-        <p:nvCxnSpPr>
-          <p:cNvPr id="22" name="Straight Arrow Connector 21"/>
-          <p:cNvCxnSpPr>
-            <a:stCxn id="13" idx="6"/>
-            <a:endCxn id="14" idx="2"/>
-          </p:cNvCxnSpPr>
-          <p:nvPr/>
-        </p:nvCxnSpPr>
-        <p:spPr>
-          <a:xfrm>
-            <a:off x="6189785" y="2678723"/>
-            <a:ext cx="1283677" cy="0"/>
-          </a:xfrm>
-          <a:prstGeom prst="straightConnector1">
-            <a:avLst/>
-          </a:prstGeom>
-          <a:ln>
-            <a:tailEnd type="arrow"/>
-          </a:ln>
-        </p:spPr>
-        <p:style>
-          <a:lnRef idx="2">
-            <a:schemeClr val="dk1"/>
-          </a:lnRef>
-          <a:fillRef idx="0">
-            <a:schemeClr val="dk1"/>
-          </a:fillRef>
-          <a:effectRef idx="1">
-            <a:schemeClr val="dk1"/>
-          </a:effectRef>
-          <a:fontRef idx="minor">
-            <a:schemeClr val="tx1"/>
-          </a:fontRef>
-        </p:style>
-      </p:cxnSp>
-      <p:cxnSp>
-        <p:nvCxnSpPr>
-          <p:cNvPr id="23" name="Straight Arrow Connector 22"/>
-          <p:cNvCxnSpPr>
-            <a:stCxn id="15" idx="6"/>
-            <a:endCxn id="16" idx="2"/>
-          </p:cNvCxnSpPr>
-          <p:nvPr/>
-        </p:nvCxnSpPr>
-        <p:spPr>
-          <a:xfrm>
-            <a:off x="3886200" y="3426069"/>
-            <a:ext cx="1160585" cy="0"/>
-          </a:xfrm>
-          <a:prstGeom prst="straightConnector1">
-            <a:avLst/>
-          </a:prstGeom>
-          <a:ln>
-            <a:tailEnd type="arrow"/>
-          </a:ln>
-        </p:spPr>
-        <p:style>
-          <a:lnRef idx="2">
-            <a:schemeClr val="dk1"/>
-          </a:lnRef>
-          <a:fillRef idx="0">
-            <a:schemeClr val="dk1"/>
-          </a:fillRef>
-          <a:effectRef idx="1">
-            <a:schemeClr val="dk1"/>
-          </a:effectRef>
-          <a:fontRef idx="minor">
-            <a:schemeClr val="tx1"/>
-          </a:fontRef>
-        </p:style>
-      </p:cxnSp>
-      <p:cxnSp>
-        <p:nvCxnSpPr>
-          <p:cNvPr id="26" name="Straight Arrow Connector 25"/>
-          <p:cNvCxnSpPr/>
-          <p:nvPr/>
-        </p:nvCxnSpPr>
-        <p:spPr>
-          <a:xfrm>
-            <a:off x="2469963" y="2786486"/>
-            <a:ext cx="1156074" cy="531820"/>
-          </a:xfrm>
-          <a:prstGeom prst="straightConnector1">
-            <a:avLst/>
-          </a:prstGeom>
-          <a:ln>
-            <a:prstDash val="dash"/>
-            <a:tailEnd type="arrow"/>
-          </a:ln>
-        </p:spPr>
-        <p:style>
-          <a:lnRef idx="2">
-            <a:schemeClr val="dk1"/>
-          </a:lnRef>
-          <a:fillRef idx="0">
-            <a:schemeClr val="dk1"/>
-          </a:fillRef>
-          <a:effectRef idx="1">
-            <a:schemeClr val="dk1"/>
-          </a:effectRef>
-          <a:fontRef idx="minor">
-            <a:schemeClr val="tx1"/>
-          </a:fontRef>
-        </p:style>
-      </p:cxnSp>
-      <p:cxnSp>
-        <p:nvCxnSpPr>
-          <p:cNvPr id="28" name="Straight Arrow Connector 27"/>
-          <p:cNvCxnSpPr/>
-          <p:nvPr/>
-        </p:nvCxnSpPr>
-        <p:spPr>
-          <a:xfrm>
-            <a:off x="2362200" y="2019300"/>
-            <a:ext cx="0" cy="507023"/>
-          </a:xfrm>
-          <a:prstGeom prst="straightConnector1">
-            <a:avLst/>
-          </a:prstGeom>
-          <a:ln>
-            <a:prstDash val="dash"/>
-            <a:tailEnd type="arrow"/>
-          </a:ln>
-        </p:spPr>
-        <p:style>
-          <a:lnRef idx="2">
-            <a:schemeClr val="dk1"/>
-          </a:lnRef>
-          <a:fillRef idx="0">
-            <a:schemeClr val="dk1"/>
-          </a:fillRef>
-          <a:effectRef idx="1">
-            <a:schemeClr val="dk1"/>
-          </a:effectRef>
-          <a:fontRef idx="minor">
-            <a:schemeClr val="tx1"/>
-          </a:fontRef>
-        </p:style>
-      </p:cxnSp>
-      <p:cxnSp>
-        <p:nvCxnSpPr>
-          <p:cNvPr id="24" name="Straight Arrow Connector 23"/>
-          <p:cNvCxnSpPr/>
-          <p:nvPr/>
-        </p:nvCxnSpPr>
-        <p:spPr>
-          <a:xfrm flipV="1">
-            <a:off x="4679763" y="1974663"/>
-            <a:ext cx="470274" cy="596297"/>
-          </a:xfrm>
-          <a:prstGeom prst="straightConnector1">
-            <a:avLst/>
-          </a:prstGeom>
-          <a:ln>
-            <a:prstDash val="sysDash"/>
-            <a:tailEnd type="arrow"/>
-          </a:ln>
-        </p:spPr>
-        <p:style>
-          <a:lnRef idx="2">
-            <a:schemeClr val="dk1"/>
-          </a:lnRef>
-          <a:fillRef idx="0">
-            <a:schemeClr val="dk1"/>
-          </a:fillRef>
-          <a:effectRef idx="1">
-            <a:schemeClr val="dk1"/>
-          </a:effectRef>
-          <a:fontRef idx="minor">
-            <a:schemeClr val="tx1"/>
-          </a:fontRef>
-        </p:style>
-      </p:cxnSp>
-      <p:cxnSp>
-        <p:nvCxnSpPr>
-          <p:cNvPr id="25" name="Straight Arrow Connector 24"/>
-          <p:cNvCxnSpPr/>
-          <p:nvPr/>
-        </p:nvCxnSpPr>
-        <p:spPr>
-          <a:xfrm flipV="1">
-            <a:off x="6145148" y="1974663"/>
-            <a:ext cx="833689" cy="596297"/>
-          </a:xfrm>
-          <a:prstGeom prst="straightConnector1">
-            <a:avLst/>
-          </a:prstGeom>
-          <a:ln>
-            <a:prstDash val="sysDash"/>
-            <a:tailEnd type="arrow"/>
-          </a:ln>
-        </p:spPr>
-        <p:style>
-          <a:lnRef idx="2">
-            <a:schemeClr val="dk1"/>
-          </a:lnRef>
-          <a:fillRef idx="0">
-            <a:schemeClr val="dk1"/>
-          </a:fillRef>
-          <a:effectRef idx="1">
-            <a:schemeClr val="dk1"/>
-          </a:effectRef>
-          <a:fontRef idx="minor">
-            <a:schemeClr val="tx1"/>
-          </a:fontRef>
-        </p:style>
-      </p:cxnSp>
-      <p:cxnSp>
-        <p:nvCxnSpPr>
-          <p:cNvPr id="27" name="Straight Arrow Connector 26"/>
-          <p:cNvCxnSpPr/>
-          <p:nvPr/>
-        </p:nvCxnSpPr>
-        <p:spPr>
-          <a:xfrm flipV="1">
-            <a:off x="5306948" y="2786486"/>
-            <a:ext cx="622674" cy="531820"/>
-          </a:xfrm>
-          <a:prstGeom prst="straightConnector1">
-            <a:avLst/>
-          </a:prstGeom>
-          <a:ln>
-            <a:prstDash val="sysDash"/>
-            <a:tailEnd type="arrow"/>
-          </a:ln>
-        </p:spPr>
-        <p:style>
-          <a:lnRef idx="2">
-            <a:schemeClr val="dk1"/>
-          </a:lnRef>
-          <a:fillRef idx="0">
-            <a:schemeClr val="dk1"/>
-          </a:fillRef>
-          <a:effectRef idx="1">
-            <a:schemeClr val="dk1"/>
-          </a:effectRef>
-          <a:fontRef idx="minor">
-            <a:schemeClr val="tx1"/>
-          </a:fontRef>
-        </p:style>
-      </p:cxnSp>
+          <a:noFill/>
+          <a:extLst>
+            <a:ext uri="{909E8E84-426E-40DD-AFC4-6F175D3DCCD1}">
+              <a14:hiddenFill xmlns:a14="http://schemas.microsoft.com/office/drawing/2010/main">
+                <a:solidFill>
+                  <a:srgbClr val="FFFFFF"/>
+                </a:solidFill>
+              </a14:hiddenFill>
+            </a:ext>
+          </a:extLst>
+        </p:spPr>
+      </p:pic>
     </p:spTree>
     <p:extLst>
       <p:ext uri="{BB962C8B-B14F-4D97-AF65-F5344CB8AC3E}">
-        <p14:creationId xmlns:p14="http://schemas.microsoft.com/office/powerpoint/2010/main" val="542130898"/>
+        <p14:creationId xmlns:p14="http://schemas.microsoft.com/office/powerpoint/2010/main" val="2111198523"/>
       </p:ext>
     </p:extLst>
   </p:cSld>
@@ -5030,7 +3505,7 @@
 </p:sld>
 </file>
 
-<file path=ppt/slides/slide2.xml><?xml version="1.0" encoding="utf-8"?>
+<file path=ppt/slides/slide12.xml><?xml version="1.0" encoding="utf-8"?>
 <p:sld xmlns:a="http://schemas.openxmlformats.org/drawingml/2006/main" xmlns:r="http://schemas.openxmlformats.org/officeDocument/2006/relationships" xmlns:p="http://schemas.openxmlformats.org/presentationml/2006/main">
   <p:cSld>
     <p:spTree>
@@ -5054,724 +3529,6 @@
             <a:spLocks noGrp="1"/>
           </p:cNvSpPr>
           <p:nvPr>
-            <p:ph type="title"/>
-          </p:nvPr>
-        </p:nvSpPr>
-        <p:spPr/>
-        <p:txBody>
-          <a:bodyPr>
-            <a:normAutofit/>
-          </a:bodyPr>
-          <a:lstStyle/>
-          <a:p>
-            <a:r>
-              <a:rPr lang="en-US" dirty="0" smtClean="0"/>
-              <a:t>$man </a:t>
-            </a:r>
-            <a:r>
-              <a:rPr lang="en-US" dirty="0" err="1" smtClean="0"/>
-              <a:t>git</a:t>
-            </a:r>
-            <a:endParaRPr lang="en-US" dirty="0"/>
-          </a:p>
-        </p:txBody>
-      </p:sp>
-      <p:sp>
-        <p:nvSpPr>
-          <p:cNvPr id="3" name="Content Placeholder 2"/>
-          <p:cNvSpPr>
-            <a:spLocks noGrp="1"/>
-          </p:cNvSpPr>
-          <p:nvPr>
-            <p:ph idx="1"/>
-          </p:nvPr>
-        </p:nvSpPr>
-        <p:spPr/>
-        <p:txBody>
-          <a:bodyPr>
-            <a:normAutofit/>
-          </a:bodyPr>
-          <a:lstStyle/>
-          <a:p>
-            <a:pPr marL="0" indent="0">
-              <a:buNone/>
-            </a:pPr>
-            <a:r>
-              <a:rPr lang="en-US" sz="2800" b="1" dirty="0" smtClean="0"/>
-              <a:t>NAME</a:t>
-            </a:r>
-            <a:endParaRPr lang="en-US" sz="2800" b="1" dirty="0"/>
-          </a:p>
-          <a:p>
-            <a:pPr marL="0" indent="0">
-              <a:buNone/>
-            </a:pPr>
-            <a:r>
-              <a:rPr lang="en-US" sz="2400" dirty="0" err="1" smtClean="0"/>
-              <a:t>git</a:t>
-            </a:r>
-            <a:r>
-              <a:rPr lang="en-US" sz="2400" dirty="0" smtClean="0"/>
-              <a:t> </a:t>
-            </a:r>
-            <a:r>
-              <a:rPr lang="en-US" sz="2400" dirty="0"/>
-              <a:t>- the stupid content </a:t>
-            </a:r>
-            <a:r>
-              <a:rPr lang="en-US" sz="2400" dirty="0" smtClean="0"/>
-              <a:t>tracker</a:t>
-            </a:r>
-          </a:p>
-          <a:p>
-            <a:pPr marL="0" indent="0">
-              <a:buNone/>
-            </a:pPr>
-            <a:endParaRPr lang="en-US" sz="2800" dirty="0"/>
-          </a:p>
-          <a:p>
-            <a:pPr marL="0" indent="0">
-              <a:buNone/>
-            </a:pPr>
-            <a:r>
-              <a:rPr lang="en-US" sz="2800" b="1" dirty="0"/>
-              <a:t>DESCRIPTION</a:t>
-            </a:r>
-          </a:p>
-          <a:p>
-            <a:pPr marL="0" indent="0">
-              <a:buNone/>
-            </a:pPr>
-            <a:r>
-              <a:rPr lang="en-US" sz="2400" dirty="0" smtClean="0"/>
-              <a:t>GIT </a:t>
-            </a:r>
-            <a:r>
-              <a:rPr lang="en-US" sz="2400" dirty="0"/>
-              <a:t>is a fast, scalable, distributed revision control system with </a:t>
-            </a:r>
-            <a:r>
-              <a:rPr lang="en-US" sz="2400" dirty="0" smtClean="0"/>
-              <a:t>an unusually </a:t>
-            </a:r>
-            <a:r>
-              <a:rPr lang="en-US" sz="2400" dirty="0"/>
-              <a:t>rich command set that provides both high-level operations </a:t>
-            </a:r>
-            <a:r>
-              <a:rPr lang="en-US" sz="2400" dirty="0" smtClean="0"/>
-              <a:t>and full </a:t>
-            </a:r>
-            <a:r>
-              <a:rPr lang="en-US" sz="2400" dirty="0"/>
-              <a:t>access to internals</a:t>
-            </a:r>
-            <a:r>
-              <a:rPr lang="en-US" sz="2400" dirty="0" smtClean="0"/>
-              <a:t>.</a:t>
-            </a:r>
-            <a:endParaRPr lang="en-US" sz="2400" dirty="0"/>
-          </a:p>
-        </p:txBody>
-      </p:sp>
-    </p:spTree>
-    <p:extLst>
-      <p:ext uri="{BB962C8B-B14F-4D97-AF65-F5344CB8AC3E}">
-        <p14:creationId xmlns:p14="http://schemas.microsoft.com/office/powerpoint/2010/main" val="1775524592"/>
-      </p:ext>
-    </p:extLst>
-  </p:cSld>
-  <p:clrMapOvr>
-    <a:masterClrMapping/>
-  </p:clrMapOvr>
-</p:sld>
-</file>
-
-<file path=ppt/slides/slide3.xml><?xml version="1.0" encoding="utf-8"?>
-<p:sld xmlns:a="http://schemas.openxmlformats.org/drawingml/2006/main" xmlns:r="http://schemas.openxmlformats.org/officeDocument/2006/relationships" xmlns:p="http://schemas.openxmlformats.org/presentationml/2006/main">
-  <p:cSld>
-    <p:spTree>
-      <p:nvGrpSpPr>
-        <p:cNvPr id="1" name=""/>
-        <p:cNvGrpSpPr/>
-        <p:nvPr/>
-      </p:nvGrpSpPr>
-      <p:grpSpPr>
-        <a:xfrm>
-          <a:off x="0" y="0"/>
-          <a:ext cx="0" cy="0"/>
-          <a:chOff x="0" y="0"/>
-          <a:chExt cx="0" cy="0"/>
-        </a:xfrm>
-      </p:grpSpPr>
-      <p:sp>
-        <p:nvSpPr>
-          <p:cNvPr id="2" name="Title 1"/>
-          <p:cNvSpPr>
-            <a:spLocks noGrp="1"/>
-          </p:cNvSpPr>
-          <p:nvPr>
-            <p:ph type="ctrTitle"/>
-          </p:nvPr>
-        </p:nvSpPr>
-        <p:spPr/>
-        <p:txBody>
-          <a:bodyPr/>
-          <a:lstStyle/>
-          <a:p>
-            <a:r>
-              <a:rPr lang="en-US" dirty="0" smtClean="0"/>
-              <a:t>Applications</a:t>
-            </a:r>
-            <a:endParaRPr lang="en-US" dirty="0"/>
-          </a:p>
-        </p:txBody>
-      </p:sp>
-      <p:sp>
-        <p:nvSpPr>
-          <p:cNvPr id="3" name="Subtitle 2"/>
-          <p:cNvSpPr>
-            <a:spLocks noGrp="1"/>
-          </p:cNvSpPr>
-          <p:nvPr>
-            <p:ph type="subTitle" idx="1"/>
-          </p:nvPr>
-        </p:nvSpPr>
-        <p:spPr/>
-        <p:txBody>
-          <a:bodyPr/>
-          <a:lstStyle/>
-          <a:p>
-            <a:r>
-              <a:rPr lang="en-US" dirty="0" smtClean="0"/>
-              <a:t>Why should I care?</a:t>
-            </a:r>
-            <a:endParaRPr lang="en-US" dirty="0"/>
-          </a:p>
-        </p:txBody>
-      </p:sp>
-    </p:spTree>
-    <p:extLst>
-      <p:ext uri="{BB962C8B-B14F-4D97-AF65-F5344CB8AC3E}">
-        <p14:creationId xmlns:p14="http://schemas.microsoft.com/office/powerpoint/2010/main" val="1488760918"/>
-      </p:ext>
-    </p:extLst>
-  </p:cSld>
-  <p:clrMapOvr>
-    <a:masterClrMapping/>
-  </p:clrMapOvr>
-</p:sld>
-</file>
-
-<file path=ppt/slides/slide4.xml><?xml version="1.0" encoding="utf-8"?>
-<p:sld xmlns:a="http://schemas.openxmlformats.org/drawingml/2006/main" xmlns:r="http://schemas.openxmlformats.org/officeDocument/2006/relationships" xmlns:p="http://schemas.openxmlformats.org/presentationml/2006/main">
-  <p:cSld>
-    <p:spTree>
-      <p:nvGrpSpPr>
-        <p:cNvPr id="1" name=""/>
-        <p:cNvGrpSpPr/>
-        <p:nvPr/>
-      </p:nvGrpSpPr>
-      <p:grpSpPr>
-        <a:xfrm>
-          <a:off x="0" y="0"/>
-          <a:ext cx="0" cy="0"/>
-          <a:chOff x="0" y="0"/>
-          <a:chExt cx="0" cy="0"/>
-        </a:xfrm>
-      </p:grpSpPr>
-      <p:sp>
-        <p:nvSpPr>
-          <p:cNvPr id="2" name="Title 1"/>
-          <p:cNvSpPr>
-            <a:spLocks noGrp="1"/>
-          </p:cNvSpPr>
-          <p:nvPr>
-            <p:ph type="title"/>
-          </p:nvPr>
-        </p:nvSpPr>
-        <p:spPr/>
-        <p:txBody>
-          <a:bodyPr>
-            <a:normAutofit/>
-          </a:bodyPr>
-          <a:lstStyle/>
-          <a:p>
-            <a:r>
-              <a:rPr lang="en-US" dirty="0" smtClean="0"/>
-              <a:t>CASE 1: The New Breaks The Old </a:t>
-            </a:r>
-            <a:endParaRPr lang="en-US" dirty="0"/>
-          </a:p>
-        </p:txBody>
-      </p:sp>
-      <p:sp>
-        <p:nvSpPr>
-          <p:cNvPr id="3" name="Content Placeholder 2"/>
-          <p:cNvSpPr>
-            <a:spLocks noGrp="1"/>
-          </p:cNvSpPr>
-          <p:nvPr>
-            <p:ph idx="1"/>
-          </p:nvPr>
-        </p:nvSpPr>
-        <p:spPr/>
-        <p:txBody>
-          <a:bodyPr>
-            <a:normAutofit lnSpcReduction="10000"/>
-          </a:bodyPr>
-          <a:lstStyle/>
-          <a:p>
-            <a:r>
-              <a:rPr lang="en-US" dirty="0" smtClean="0"/>
-              <a:t>Fixing a smaller problem breaks a significant feature.</a:t>
-            </a:r>
-          </a:p>
-          <a:p>
-            <a:pPr lvl="1"/>
-            <a:r>
-              <a:rPr lang="en-US" dirty="0" smtClean="0"/>
-              <a:t>Is there a backup of an older version?</a:t>
-            </a:r>
-          </a:p>
-          <a:p>
-            <a:pPr lvl="2"/>
-            <a:r>
-              <a:rPr lang="en-US" dirty="0" smtClean="0"/>
-              <a:t>Is the older version the most recent?</a:t>
-            </a:r>
-          </a:p>
-          <a:p>
-            <a:pPr lvl="2"/>
-            <a:r>
-              <a:rPr lang="en-US" dirty="0" smtClean="0"/>
-              <a:t>What work, if any, must be redone (lost productivity)?</a:t>
-            </a:r>
-          </a:p>
-          <a:p>
-            <a:pPr lvl="1"/>
-            <a:r>
-              <a:rPr lang="en-US" dirty="0" smtClean="0"/>
-              <a:t>What changed?</a:t>
-            </a:r>
-          </a:p>
-          <a:p>
-            <a:pPr lvl="2"/>
-            <a:r>
-              <a:rPr lang="en-US" dirty="0" smtClean="0"/>
-              <a:t>It follows that the incompatibility is a result of an interaction between the broken feature, and what changed.</a:t>
-            </a:r>
-          </a:p>
-          <a:p>
-            <a:r>
-              <a:rPr lang="en-US" dirty="0" smtClean="0"/>
-              <a:t>This is why version control is important.</a:t>
-            </a:r>
-            <a:endParaRPr lang="en-US" dirty="0"/>
-          </a:p>
-        </p:txBody>
-      </p:sp>
-    </p:spTree>
-    <p:extLst>
-      <p:ext uri="{BB962C8B-B14F-4D97-AF65-F5344CB8AC3E}">
-        <p14:creationId xmlns:p14="http://schemas.microsoft.com/office/powerpoint/2010/main" val="3402657905"/>
-      </p:ext>
-    </p:extLst>
-  </p:cSld>
-  <p:clrMapOvr>
-    <a:masterClrMapping/>
-  </p:clrMapOvr>
-</p:sld>
-</file>
-
-<file path=ppt/slides/slide5.xml><?xml version="1.0" encoding="utf-8"?>
-<p:sld xmlns:a="http://schemas.openxmlformats.org/drawingml/2006/main" xmlns:r="http://schemas.openxmlformats.org/officeDocument/2006/relationships" xmlns:p="http://schemas.openxmlformats.org/presentationml/2006/main">
-  <p:cSld>
-    <p:spTree>
-      <p:nvGrpSpPr>
-        <p:cNvPr id="1" name=""/>
-        <p:cNvGrpSpPr/>
-        <p:nvPr/>
-      </p:nvGrpSpPr>
-      <p:grpSpPr>
-        <a:xfrm>
-          <a:off x="0" y="0"/>
-          <a:ext cx="0" cy="0"/>
-          <a:chOff x="0" y="0"/>
-          <a:chExt cx="0" cy="0"/>
-        </a:xfrm>
-      </p:grpSpPr>
-      <p:sp>
-        <p:nvSpPr>
-          <p:cNvPr id="2" name="Title 1"/>
-          <p:cNvSpPr>
-            <a:spLocks noGrp="1"/>
-          </p:cNvSpPr>
-          <p:nvPr>
-            <p:ph type="title"/>
-          </p:nvPr>
-        </p:nvSpPr>
-        <p:spPr/>
-        <p:txBody>
-          <a:bodyPr/>
-          <a:lstStyle/>
-          <a:p>
-            <a:r>
-              <a:rPr lang="en-US" dirty="0" smtClean="0"/>
-              <a:t>CASE 2: Multiple Team Members</a:t>
-            </a:r>
-            <a:endParaRPr lang="en-US" dirty="0"/>
-          </a:p>
-        </p:txBody>
-      </p:sp>
-      <p:sp>
-        <p:nvSpPr>
-          <p:cNvPr id="3" name="Content Placeholder 2"/>
-          <p:cNvSpPr>
-            <a:spLocks noGrp="1"/>
-          </p:cNvSpPr>
-          <p:nvPr>
-            <p:ph idx="1"/>
-          </p:nvPr>
-        </p:nvSpPr>
-        <p:spPr/>
-        <p:txBody>
-          <a:bodyPr>
-            <a:normAutofit fontScale="92500" lnSpcReduction="20000"/>
-          </a:bodyPr>
-          <a:lstStyle/>
-          <a:p>
-            <a:r>
-              <a:rPr lang="en-US" dirty="0" smtClean="0"/>
-              <a:t>Multiple individuals need to work on the same file.</a:t>
-            </a:r>
-          </a:p>
-          <a:p>
-            <a:pPr lvl="1"/>
-            <a:r>
-              <a:rPr lang="en-US" dirty="0" smtClean="0"/>
-              <a:t>Option A: Only one may work on the file at a time (Checkout Model).</a:t>
-            </a:r>
-          </a:p>
-          <a:p>
-            <a:pPr lvl="1"/>
-            <a:r>
-              <a:rPr lang="en-US" dirty="0" smtClean="0"/>
-              <a:t>Option B: Everyone gets a copy, but you must reconcile the differences.</a:t>
-            </a:r>
-          </a:p>
-          <a:p>
-            <a:r>
-              <a:rPr lang="en-US" dirty="0" smtClean="0"/>
-              <a:t>GIT follows Option B.</a:t>
-            </a:r>
-          </a:p>
-          <a:p>
-            <a:pPr lvl="1"/>
-            <a:r>
-              <a:rPr lang="en-US" dirty="0" smtClean="0"/>
-              <a:t>Some overhead reconciling differences is created.</a:t>
-            </a:r>
-          </a:p>
-          <a:p>
-            <a:pPr lvl="1"/>
-            <a:r>
-              <a:rPr lang="en-US" dirty="0" smtClean="0"/>
-              <a:t>GIT’s model requires changes be made with respect the current version.</a:t>
-            </a:r>
-          </a:p>
-          <a:p>
-            <a:pPr lvl="2"/>
-            <a:r>
-              <a:rPr lang="en-US" dirty="0" smtClean="0"/>
-              <a:t>NOTE: This can be a problem if the version changes will submitting a commit. The process must be restarted.</a:t>
-            </a:r>
-            <a:endParaRPr lang="en-US" dirty="0"/>
-          </a:p>
-        </p:txBody>
-      </p:sp>
-    </p:spTree>
-    <p:extLst>
-      <p:ext uri="{BB962C8B-B14F-4D97-AF65-F5344CB8AC3E}">
-        <p14:creationId xmlns:p14="http://schemas.microsoft.com/office/powerpoint/2010/main" val="1690981357"/>
-      </p:ext>
-    </p:extLst>
-  </p:cSld>
-  <p:clrMapOvr>
-    <a:masterClrMapping/>
-  </p:clrMapOvr>
-</p:sld>
-</file>
-
-<file path=ppt/slides/slide6.xml><?xml version="1.0" encoding="utf-8"?>
-<p:sld xmlns:a="http://schemas.openxmlformats.org/drawingml/2006/main" xmlns:r="http://schemas.openxmlformats.org/officeDocument/2006/relationships" xmlns:p="http://schemas.openxmlformats.org/presentationml/2006/main">
-  <p:cSld>
-    <p:spTree>
-      <p:nvGrpSpPr>
-        <p:cNvPr id="1" name=""/>
-        <p:cNvGrpSpPr/>
-        <p:nvPr/>
-      </p:nvGrpSpPr>
-      <p:grpSpPr>
-        <a:xfrm>
-          <a:off x="0" y="0"/>
-          <a:ext cx="0" cy="0"/>
-          <a:chOff x="0" y="0"/>
-          <a:chExt cx="0" cy="0"/>
-        </a:xfrm>
-      </p:grpSpPr>
-      <p:sp>
-        <p:nvSpPr>
-          <p:cNvPr id="2" name="Title 1"/>
-          <p:cNvSpPr>
-            <a:spLocks noGrp="1"/>
-          </p:cNvSpPr>
-          <p:nvPr>
-            <p:ph type="title"/>
-          </p:nvPr>
-        </p:nvSpPr>
-        <p:spPr/>
-        <p:txBody>
-          <a:bodyPr/>
-          <a:lstStyle/>
-          <a:p>
-            <a:r>
-              <a:rPr lang="en-US" dirty="0" smtClean="0"/>
-              <a:t>CASE 3: Everything is Broke</a:t>
-            </a:r>
-            <a:endParaRPr lang="en-US" dirty="0"/>
-          </a:p>
-        </p:txBody>
-      </p:sp>
-      <p:sp>
-        <p:nvSpPr>
-          <p:cNvPr id="3" name="Content Placeholder 2"/>
-          <p:cNvSpPr>
-            <a:spLocks noGrp="1"/>
-          </p:cNvSpPr>
-          <p:nvPr>
-            <p:ph idx="1"/>
-          </p:nvPr>
-        </p:nvSpPr>
-        <p:spPr/>
-        <p:txBody>
-          <a:bodyPr/>
-          <a:lstStyle/>
-          <a:p>
-            <a:r>
-              <a:rPr lang="en-US" dirty="0" smtClean="0"/>
-              <a:t>Sometimes changes are made without regard to their adverse impacts on the project.</a:t>
-            </a:r>
-          </a:p>
-          <a:p>
-            <a:pPr lvl="1"/>
-            <a:r>
-              <a:rPr lang="en-US" dirty="0" smtClean="0"/>
-              <a:t>Commits track whom made the change.</a:t>
-            </a:r>
-          </a:p>
-          <a:p>
-            <a:pPr lvl="1"/>
-            <a:r>
-              <a:rPr lang="en-US" dirty="0" smtClean="0"/>
-              <a:t>“</a:t>
-            </a:r>
-            <a:r>
-              <a:rPr lang="en-US" b="1" dirty="0" smtClean="0"/>
-              <a:t>Diff</a:t>
-            </a:r>
-            <a:r>
-              <a:rPr lang="en-US" dirty="0" smtClean="0"/>
-              <a:t>” allows side-by-side comparison of versions logging additions, changes, and removals.</a:t>
-            </a:r>
-          </a:p>
-          <a:p>
-            <a:pPr lvl="1"/>
-            <a:r>
-              <a:rPr lang="en-US" dirty="0" smtClean="0"/>
-              <a:t>“</a:t>
-            </a:r>
-            <a:r>
-              <a:rPr lang="en-US" b="1" dirty="0" smtClean="0"/>
-              <a:t>Blame</a:t>
-            </a:r>
-            <a:r>
-              <a:rPr lang="en-US" dirty="0" smtClean="0"/>
-              <a:t>” allows a more extensive change log to be explored allowing identification of whom was last to edit each segment. This is not limited to just the file.</a:t>
-            </a:r>
-            <a:endParaRPr lang="en-US" dirty="0"/>
-          </a:p>
-        </p:txBody>
-      </p:sp>
-    </p:spTree>
-    <p:extLst>
-      <p:ext uri="{BB962C8B-B14F-4D97-AF65-F5344CB8AC3E}">
-        <p14:creationId xmlns:p14="http://schemas.microsoft.com/office/powerpoint/2010/main" val="3205619928"/>
-      </p:ext>
-    </p:extLst>
-  </p:cSld>
-  <p:clrMapOvr>
-    <a:masterClrMapping/>
-  </p:clrMapOvr>
-</p:sld>
-</file>
-
-<file path=ppt/slides/slide7.xml><?xml version="1.0" encoding="utf-8"?>
-<p:sld xmlns:a="http://schemas.openxmlformats.org/drawingml/2006/main" xmlns:r="http://schemas.openxmlformats.org/officeDocument/2006/relationships" xmlns:p="http://schemas.openxmlformats.org/presentationml/2006/main">
-  <p:cSld>
-    <p:spTree>
-      <p:nvGrpSpPr>
-        <p:cNvPr id="1" name=""/>
-        <p:cNvGrpSpPr/>
-        <p:nvPr/>
-      </p:nvGrpSpPr>
-      <p:grpSpPr>
-        <a:xfrm>
-          <a:off x="0" y="0"/>
-          <a:ext cx="0" cy="0"/>
-          <a:chOff x="0" y="0"/>
-          <a:chExt cx="0" cy="0"/>
-        </a:xfrm>
-      </p:grpSpPr>
-      <p:sp>
-        <p:nvSpPr>
-          <p:cNvPr id="2" name="Title 1"/>
-          <p:cNvSpPr>
-            <a:spLocks noGrp="1"/>
-          </p:cNvSpPr>
-          <p:nvPr>
-            <p:ph type="title"/>
-          </p:nvPr>
-        </p:nvSpPr>
-        <p:spPr/>
-        <p:txBody>
-          <a:bodyPr/>
-          <a:lstStyle/>
-          <a:p>
-            <a:r>
-              <a:rPr lang="en-US" dirty="0" smtClean="0"/>
-              <a:t>CASE 4: The Internet SUX</a:t>
-            </a:r>
-            <a:endParaRPr lang="en-US" dirty="0"/>
-          </a:p>
-        </p:txBody>
-      </p:sp>
-      <p:sp>
-        <p:nvSpPr>
-          <p:cNvPr id="3" name="Content Placeholder 2"/>
-          <p:cNvSpPr>
-            <a:spLocks noGrp="1"/>
-          </p:cNvSpPr>
-          <p:nvPr>
-            <p:ph idx="1"/>
-          </p:nvPr>
-        </p:nvSpPr>
-        <p:spPr/>
-        <p:txBody>
-          <a:bodyPr/>
-          <a:lstStyle/>
-          <a:p>
-            <a:r>
-              <a:rPr lang="en-US" dirty="0" smtClean="0"/>
-              <a:t>Centralized Version Control</a:t>
-            </a:r>
-          </a:p>
-          <a:p>
-            <a:pPr lvl="1"/>
-            <a:r>
-              <a:rPr lang="en-US" dirty="0" smtClean="0"/>
-              <a:t>The user has copies of selected files.</a:t>
-            </a:r>
-          </a:p>
-          <a:p>
-            <a:pPr lvl="1"/>
-            <a:r>
-              <a:rPr lang="en-US" dirty="0" smtClean="0"/>
-              <a:t>The repository only exists on the server</a:t>
-            </a:r>
-          </a:p>
-          <a:p>
-            <a:pPr lvl="1"/>
-            <a:r>
-              <a:rPr lang="en-US" dirty="0" smtClean="0"/>
-              <a:t>Apache Subversion (SVN) uses this model.</a:t>
-            </a:r>
-          </a:p>
-          <a:p>
-            <a:r>
-              <a:rPr lang="en-US" dirty="0" smtClean="0"/>
-              <a:t>Distributed Version Control</a:t>
-            </a:r>
-          </a:p>
-          <a:p>
-            <a:pPr lvl="1"/>
-            <a:r>
-              <a:rPr lang="en-US" dirty="0" smtClean="0"/>
-              <a:t>The user may “</a:t>
-            </a:r>
-            <a:r>
-              <a:rPr lang="en-US" b="1" dirty="0" smtClean="0"/>
-              <a:t>clone</a:t>
-            </a:r>
-            <a:r>
-              <a:rPr lang="en-US" dirty="0" smtClean="0"/>
-              <a:t>” a repository.</a:t>
-            </a:r>
-          </a:p>
-          <a:p>
-            <a:pPr lvl="1"/>
-            <a:r>
-              <a:rPr lang="en-US" dirty="0" smtClean="0"/>
-              <a:t>The user’s local copy is a version complete copy.</a:t>
-            </a:r>
-          </a:p>
-          <a:p>
-            <a:pPr lvl="1"/>
-            <a:r>
-              <a:rPr lang="en-US" dirty="0" smtClean="0"/>
-              <a:t>GIT uses this model.</a:t>
-            </a:r>
-            <a:endParaRPr lang="en-US" dirty="0"/>
-          </a:p>
-        </p:txBody>
-      </p:sp>
-    </p:spTree>
-    <p:extLst>
-      <p:ext uri="{BB962C8B-B14F-4D97-AF65-F5344CB8AC3E}">
-        <p14:creationId xmlns:p14="http://schemas.microsoft.com/office/powerpoint/2010/main" val="1818586376"/>
-      </p:ext>
-    </p:extLst>
-  </p:cSld>
-  <p:clrMapOvr>
-    <a:masterClrMapping/>
-  </p:clrMapOvr>
-</p:sld>
-</file>
-
-<file path=ppt/slides/slide8.xml><?xml version="1.0" encoding="utf-8"?>
-<p:sld xmlns:a="http://schemas.openxmlformats.org/drawingml/2006/main" xmlns:r="http://schemas.openxmlformats.org/officeDocument/2006/relationships" xmlns:p="http://schemas.openxmlformats.org/presentationml/2006/main">
-  <p:cSld>
-    <p:spTree>
-      <p:nvGrpSpPr>
-        <p:cNvPr id="1" name=""/>
-        <p:cNvGrpSpPr/>
-        <p:nvPr/>
-      </p:nvGrpSpPr>
-      <p:grpSpPr>
-        <a:xfrm>
-          <a:off x="0" y="0"/>
-          <a:ext cx="0" cy="0"/>
-          <a:chOff x="0" y="0"/>
-          <a:chExt cx="0" cy="0"/>
-        </a:xfrm>
-      </p:grpSpPr>
-      <p:sp>
-        <p:nvSpPr>
-          <p:cNvPr id="2" name="Title 1"/>
-          <p:cNvSpPr>
-            <a:spLocks noGrp="1"/>
-          </p:cNvSpPr>
-          <p:nvPr>
             <p:ph type="ctrTitle"/>
           </p:nvPr>
         </p:nvSpPr>
@@ -5824,7 +3581,7 @@
 </p:sld>
 </file>
 
-<file path=ppt/slides/slide9.xml><?xml version="1.0" encoding="utf-8"?>
+<file path=ppt/slides/slide13.xml><?xml version="1.0" encoding="utf-8"?>
 <p:sld xmlns:a="http://schemas.openxmlformats.org/drawingml/2006/main" xmlns:r="http://schemas.openxmlformats.org/officeDocument/2006/relationships" xmlns:p="http://schemas.openxmlformats.org/presentationml/2006/main">
   <p:cSld>
     <p:spTree>
@@ -6342,6 +4099,3007 @@
 </p:sld>
 </file>
 
+<file path=ppt/slides/slide14.xml><?xml version="1.0" encoding="utf-8"?>
+<p:sld xmlns:a="http://schemas.openxmlformats.org/drawingml/2006/main" xmlns:r="http://schemas.openxmlformats.org/officeDocument/2006/relationships" xmlns:p="http://schemas.openxmlformats.org/presentationml/2006/main">
+  <p:cSld>
+    <p:spTree>
+      <p:nvGrpSpPr>
+        <p:cNvPr id="1" name=""/>
+        <p:cNvGrpSpPr/>
+        <p:nvPr/>
+      </p:nvGrpSpPr>
+      <p:grpSpPr>
+        <a:xfrm>
+          <a:off x="0" y="0"/>
+          <a:ext cx="0" cy="0"/>
+          <a:chOff x="0" y="0"/>
+          <a:chExt cx="0" cy="0"/>
+        </a:xfrm>
+      </p:grpSpPr>
+      <p:sp>
+        <p:nvSpPr>
+          <p:cNvPr id="2" name="Title 1"/>
+          <p:cNvSpPr>
+            <a:spLocks noGrp="1"/>
+          </p:cNvSpPr>
+          <p:nvPr>
+            <p:ph type="title"/>
+          </p:nvPr>
+        </p:nvSpPr>
+        <p:spPr/>
+        <p:txBody>
+          <a:bodyPr/>
+          <a:lstStyle/>
+          <a:p>
+            <a:r>
+              <a:rPr lang="en-US" dirty="0" smtClean="0"/>
+              <a:t>Branches</a:t>
+            </a:r>
+            <a:endParaRPr lang="en-US" dirty="0"/>
+          </a:p>
+        </p:txBody>
+      </p:sp>
+      <p:sp>
+        <p:nvSpPr>
+          <p:cNvPr id="3" name="Content Placeholder 2"/>
+          <p:cNvSpPr>
+            <a:spLocks noGrp="1"/>
+          </p:cNvSpPr>
+          <p:nvPr>
+            <p:ph idx="1"/>
+          </p:nvPr>
+        </p:nvSpPr>
+        <p:spPr>
+          <a:xfrm>
+            <a:off x="457200" y="3886200"/>
+            <a:ext cx="8229600" cy="2667000"/>
+          </a:xfrm>
+        </p:spPr>
+        <p:txBody>
+          <a:bodyPr>
+            <a:normAutofit/>
+          </a:bodyPr>
+          <a:lstStyle/>
+          <a:p>
+            <a:r>
+              <a:rPr lang="en-US" sz="3000" dirty="0" smtClean="0"/>
+              <a:t>Branch</a:t>
+            </a:r>
+            <a:endParaRPr lang="en-US" dirty="0" smtClean="0"/>
+          </a:p>
+          <a:p>
+            <a:pPr lvl="1"/>
+            <a:r>
+              <a:rPr lang="en-US" sz="2400" dirty="0" smtClean="0"/>
+              <a:t>A branch is a distinct variant of the project base.</a:t>
+            </a:r>
+          </a:p>
+          <a:p>
+            <a:pPr lvl="1"/>
+            <a:r>
+              <a:rPr lang="en-US" sz="2400" dirty="0" smtClean="0"/>
+              <a:t>Branches allow isolated environments for working on new features and fixes without disrupting the project.</a:t>
+            </a:r>
+          </a:p>
+          <a:p>
+            <a:pPr lvl="1"/>
+            <a:r>
+              <a:rPr lang="en-US" sz="2400" dirty="0" smtClean="0"/>
+              <a:t>Branches are created by “</a:t>
+            </a:r>
+            <a:r>
+              <a:rPr lang="en-US" sz="2400" b="1" dirty="0" smtClean="0"/>
+              <a:t>forking</a:t>
+            </a:r>
+            <a:r>
+              <a:rPr lang="en-US" sz="2400" dirty="0" smtClean="0"/>
+              <a:t>” from either the main branch (Trunk) or another branch.</a:t>
+            </a:r>
+            <a:endParaRPr lang="en-US" sz="2400" dirty="0"/>
+          </a:p>
+        </p:txBody>
+      </p:sp>
+      <p:sp>
+        <p:nvSpPr>
+          <p:cNvPr id="4" name="Rounded Rectangle 3"/>
+          <p:cNvSpPr/>
+          <p:nvPr/>
+        </p:nvSpPr>
+        <p:spPr>
+          <a:xfrm>
+            <a:off x="381000" y="3159369"/>
+            <a:ext cx="8382000" cy="533400"/>
+          </a:xfrm>
+          <a:prstGeom prst="roundRect">
+            <a:avLst/>
+          </a:prstGeom>
+        </p:spPr>
+        <p:style>
+          <a:lnRef idx="2">
+            <a:schemeClr val="accent3">
+              <a:shade val="50000"/>
+            </a:schemeClr>
+          </a:lnRef>
+          <a:fillRef idx="1">
+            <a:schemeClr val="accent3"/>
+          </a:fillRef>
+          <a:effectRef idx="0">
+            <a:schemeClr val="accent3"/>
+          </a:effectRef>
+          <a:fontRef idx="minor">
+            <a:schemeClr val="lt1"/>
+          </a:fontRef>
+        </p:style>
+        <p:txBody>
+          <a:bodyPr rtlCol="0" anchor="ctr"/>
+          <a:lstStyle/>
+          <a:p>
+            <a:r>
+              <a:rPr lang="en-US" dirty="0" smtClean="0"/>
+              <a:t>Feature A:</a:t>
+            </a:r>
+            <a:endParaRPr lang="en-US" dirty="0"/>
+          </a:p>
+        </p:txBody>
+      </p:sp>
+      <p:sp>
+        <p:nvSpPr>
+          <p:cNvPr id="6" name="Rounded Rectangle 5"/>
+          <p:cNvSpPr/>
+          <p:nvPr/>
+        </p:nvSpPr>
+        <p:spPr>
+          <a:xfrm>
+            <a:off x="381000" y="2411348"/>
+            <a:ext cx="8382000" cy="533400"/>
+          </a:xfrm>
+          <a:prstGeom prst="roundRect">
+            <a:avLst/>
+          </a:prstGeom>
+        </p:spPr>
+        <p:style>
+          <a:lnRef idx="2">
+            <a:schemeClr val="accent2">
+              <a:shade val="50000"/>
+            </a:schemeClr>
+          </a:lnRef>
+          <a:fillRef idx="1">
+            <a:schemeClr val="accent2"/>
+          </a:fillRef>
+          <a:effectRef idx="0">
+            <a:schemeClr val="accent2"/>
+          </a:effectRef>
+          <a:fontRef idx="minor">
+            <a:schemeClr val="lt1"/>
+          </a:fontRef>
+        </p:style>
+        <p:txBody>
+          <a:bodyPr rtlCol="0" anchor="ctr"/>
+          <a:lstStyle/>
+          <a:p>
+            <a:r>
+              <a:rPr lang="en-US" dirty="0" smtClean="0"/>
+              <a:t>Development:</a:t>
+            </a:r>
+            <a:endParaRPr lang="en-US" dirty="0"/>
+          </a:p>
+        </p:txBody>
+      </p:sp>
+      <p:sp>
+        <p:nvSpPr>
+          <p:cNvPr id="7" name="Rounded Rectangle 6"/>
+          <p:cNvSpPr/>
+          <p:nvPr/>
+        </p:nvSpPr>
+        <p:spPr>
+          <a:xfrm>
+            <a:off x="381000" y="1600200"/>
+            <a:ext cx="8382000" cy="533400"/>
+          </a:xfrm>
+          <a:prstGeom prst="roundRect">
+            <a:avLst/>
+          </a:prstGeom>
+        </p:spPr>
+        <p:style>
+          <a:lnRef idx="2">
+            <a:schemeClr val="accent1">
+              <a:shade val="50000"/>
+            </a:schemeClr>
+          </a:lnRef>
+          <a:fillRef idx="1">
+            <a:schemeClr val="accent1"/>
+          </a:fillRef>
+          <a:effectRef idx="0">
+            <a:schemeClr val="accent1"/>
+          </a:effectRef>
+          <a:fontRef idx="minor">
+            <a:schemeClr val="lt1"/>
+          </a:fontRef>
+        </p:style>
+        <p:txBody>
+          <a:bodyPr rtlCol="0" anchor="ctr"/>
+          <a:lstStyle/>
+          <a:p>
+            <a:r>
+              <a:rPr lang="en-US" dirty="0" smtClean="0"/>
+              <a:t>Main (Trunk):</a:t>
+            </a:r>
+            <a:endParaRPr lang="en-US" dirty="0"/>
+          </a:p>
+        </p:txBody>
+      </p:sp>
+      <p:sp>
+        <p:nvSpPr>
+          <p:cNvPr id="8" name="Oval 7"/>
+          <p:cNvSpPr/>
+          <p:nvPr/>
+        </p:nvSpPr>
+        <p:spPr>
+          <a:xfrm>
+            <a:off x="2209800" y="1714500"/>
+            <a:ext cx="304800" cy="304800"/>
+          </a:xfrm>
+          <a:prstGeom prst="ellipse">
+            <a:avLst/>
+          </a:prstGeom>
+        </p:spPr>
+        <p:style>
+          <a:lnRef idx="2">
+            <a:schemeClr val="dk1"/>
+          </a:lnRef>
+          <a:fillRef idx="1">
+            <a:schemeClr val="lt1"/>
+          </a:fillRef>
+          <a:effectRef idx="0">
+            <a:schemeClr val="dk1"/>
+          </a:effectRef>
+          <a:fontRef idx="minor">
+            <a:schemeClr val="dk1"/>
+          </a:fontRef>
+        </p:style>
+        <p:txBody>
+          <a:bodyPr rtlCol="0" anchor="ctr"/>
+          <a:lstStyle/>
+          <a:p>
+            <a:pPr algn="ctr"/>
+            <a:endParaRPr lang="en-US"/>
+          </a:p>
+        </p:txBody>
+      </p:sp>
+      <p:sp>
+        <p:nvSpPr>
+          <p:cNvPr id="9" name="Oval 8"/>
+          <p:cNvSpPr/>
+          <p:nvPr/>
+        </p:nvSpPr>
+        <p:spPr>
+          <a:xfrm>
+            <a:off x="5105400" y="1714500"/>
+            <a:ext cx="304800" cy="304800"/>
+          </a:xfrm>
+          <a:prstGeom prst="ellipse">
+            <a:avLst/>
+          </a:prstGeom>
+        </p:spPr>
+        <p:style>
+          <a:lnRef idx="2">
+            <a:schemeClr val="dk1"/>
+          </a:lnRef>
+          <a:fillRef idx="1">
+            <a:schemeClr val="lt1"/>
+          </a:fillRef>
+          <a:effectRef idx="0">
+            <a:schemeClr val="dk1"/>
+          </a:effectRef>
+          <a:fontRef idx="minor">
+            <a:schemeClr val="dk1"/>
+          </a:fontRef>
+        </p:style>
+        <p:txBody>
+          <a:bodyPr rtlCol="0" anchor="ctr"/>
+          <a:lstStyle/>
+          <a:p>
+            <a:pPr algn="ctr"/>
+            <a:endParaRPr lang="en-US"/>
+          </a:p>
+        </p:txBody>
+      </p:sp>
+      <p:sp>
+        <p:nvSpPr>
+          <p:cNvPr id="10" name="Oval 9"/>
+          <p:cNvSpPr/>
+          <p:nvPr/>
+        </p:nvSpPr>
+        <p:spPr>
+          <a:xfrm>
+            <a:off x="6934200" y="1714500"/>
+            <a:ext cx="304800" cy="304800"/>
+          </a:xfrm>
+          <a:prstGeom prst="ellipse">
+            <a:avLst/>
+          </a:prstGeom>
+        </p:spPr>
+        <p:style>
+          <a:lnRef idx="2">
+            <a:schemeClr val="dk1"/>
+          </a:lnRef>
+          <a:fillRef idx="1">
+            <a:schemeClr val="lt1"/>
+          </a:fillRef>
+          <a:effectRef idx="0">
+            <a:schemeClr val="dk1"/>
+          </a:effectRef>
+          <a:fontRef idx="minor">
+            <a:schemeClr val="dk1"/>
+          </a:fontRef>
+        </p:style>
+        <p:txBody>
+          <a:bodyPr rtlCol="0" anchor="ctr"/>
+          <a:lstStyle/>
+          <a:p>
+            <a:pPr algn="ctr"/>
+            <a:endParaRPr lang="en-US"/>
+          </a:p>
+        </p:txBody>
+      </p:sp>
+      <p:sp>
+        <p:nvSpPr>
+          <p:cNvPr id="11" name="Oval 10"/>
+          <p:cNvSpPr/>
+          <p:nvPr/>
+        </p:nvSpPr>
+        <p:spPr>
+          <a:xfrm>
+            <a:off x="2209800" y="2526323"/>
+            <a:ext cx="304800" cy="304800"/>
+          </a:xfrm>
+          <a:prstGeom prst="ellipse">
+            <a:avLst/>
+          </a:prstGeom>
+        </p:spPr>
+        <p:style>
+          <a:lnRef idx="2">
+            <a:schemeClr val="dk1"/>
+          </a:lnRef>
+          <a:fillRef idx="1">
+            <a:schemeClr val="lt1"/>
+          </a:fillRef>
+          <a:effectRef idx="0">
+            <a:schemeClr val="dk1"/>
+          </a:effectRef>
+          <a:fontRef idx="minor">
+            <a:schemeClr val="dk1"/>
+          </a:fontRef>
+        </p:style>
+        <p:txBody>
+          <a:bodyPr rtlCol="0" anchor="ctr"/>
+          <a:lstStyle/>
+          <a:p>
+            <a:pPr algn="ctr"/>
+            <a:endParaRPr lang="en-US"/>
+          </a:p>
+        </p:txBody>
+      </p:sp>
+      <p:sp>
+        <p:nvSpPr>
+          <p:cNvPr id="12" name="Oval 11"/>
+          <p:cNvSpPr/>
+          <p:nvPr/>
+        </p:nvSpPr>
+        <p:spPr>
+          <a:xfrm>
+            <a:off x="4419600" y="2526323"/>
+            <a:ext cx="304800" cy="304800"/>
+          </a:xfrm>
+          <a:prstGeom prst="ellipse">
+            <a:avLst/>
+          </a:prstGeom>
+        </p:spPr>
+        <p:style>
+          <a:lnRef idx="2">
+            <a:schemeClr val="dk1"/>
+          </a:lnRef>
+          <a:fillRef idx="1">
+            <a:schemeClr val="lt1"/>
+          </a:fillRef>
+          <a:effectRef idx="0">
+            <a:schemeClr val="dk1"/>
+          </a:effectRef>
+          <a:fontRef idx="minor">
+            <a:schemeClr val="dk1"/>
+          </a:fontRef>
+        </p:style>
+        <p:txBody>
+          <a:bodyPr rtlCol="0" anchor="ctr"/>
+          <a:lstStyle/>
+          <a:p>
+            <a:pPr algn="ctr"/>
+            <a:endParaRPr lang="en-US"/>
+          </a:p>
+        </p:txBody>
+      </p:sp>
+      <p:sp>
+        <p:nvSpPr>
+          <p:cNvPr id="13" name="Oval 12"/>
+          <p:cNvSpPr/>
+          <p:nvPr/>
+        </p:nvSpPr>
+        <p:spPr>
+          <a:xfrm>
+            <a:off x="5884985" y="2526323"/>
+            <a:ext cx="304800" cy="304800"/>
+          </a:xfrm>
+          <a:prstGeom prst="ellipse">
+            <a:avLst/>
+          </a:prstGeom>
+        </p:spPr>
+        <p:style>
+          <a:lnRef idx="2">
+            <a:schemeClr val="dk1"/>
+          </a:lnRef>
+          <a:fillRef idx="1">
+            <a:schemeClr val="lt1"/>
+          </a:fillRef>
+          <a:effectRef idx="0">
+            <a:schemeClr val="dk1"/>
+          </a:effectRef>
+          <a:fontRef idx="minor">
+            <a:schemeClr val="dk1"/>
+          </a:fontRef>
+        </p:style>
+        <p:txBody>
+          <a:bodyPr rtlCol="0" anchor="ctr"/>
+          <a:lstStyle/>
+          <a:p>
+            <a:pPr algn="ctr"/>
+            <a:endParaRPr lang="en-US"/>
+          </a:p>
+        </p:txBody>
+      </p:sp>
+      <p:sp>
+        <p:nvSpPr>
+          <p:cNvPr id="14" name="Oval 13"/>
+          <p:cNvSpPr/>
+          <p:nvPr/>
+        </p:nvSpPr>
+        <p:spPr>
+          <a:xfrm>
+            <a:off x="7473462" y="2526323"/>
+            <a:ext cx="304800" cy="304800"/>
+          </a:xfrm>
+          <a:prstGeom prst="ellipse">
+            <a:avLst/>
+          </a:prstGeom>
+        </p:spPr>
+        <p:style>
+          <a:lnRef idx="2">
+            <a:schemeClr val="dk1"/>
+          </a:lnRef>
+          <a:fillRef idx="1">
+            <a:schemeClr val="lt1"/>
+          </a:fillRef>
+          <a:effectRef idx="0">
+            <a:schemeClr val="dk1"/>
+          </a:effectRef>
+          <a:fontRef idx="minor">
+            <a:schemeClr val="dk1"/>
+          </a:fontRef>
+        </p:style>
+        <p:txBody>
+          <a:bodyPr rtlCol="0" anchor="ctr"/>
+          <a:lstStyle/>
+          <a:p>
+            <a:pPr algn="ctr"/>
+            <a:endParaRPr lang="en-US"/>
+          </a:p>
+        </p:txBody>
+      </p:sp>
+      <p:sp>
+        <p:nvSpPr>
+          <p:cNvPr id="15" name="Oval 14"/>
+          <p:cNvSpPr/>
+          <p:nvPr/>
+        </p:nvSpPr>
+        <p:spPr>
+          <a:xfrm>
+            <a:off x="3581400" y="3273669"/>
+            <a:ext cx="304800" cy="304800"/>
+          </a:xfrm>
+          <a:prstGeom prst="ellipse">
+            <a:avLst/>
+          </a:prstGeom>
+        </p:spPr>
+        <p:style>
+          <a:lnRef idx="2">
+            <a:schemeClr val="dk1"/>
+          </a:lnRef>
+          <a:fillRef idx="1">
+            <a:schemeClr val="lt1"/>
+          </a:fillRef>
+          <a:effectRef idx="0">
+            <a:schemeClr val="dk1"/>
+          </a:effectRef>
+          <a:fontRef idx="minor">
+            <a:schemeClr val="dk1"/>
+          </a:fontRef>
+        </p:style>
+        <p:txBody>
+          <a:bodyPr rtlCol="0" anchor="ctr"/>
+          <a:lstStyle/>
+          <a:p>
+            <a:pPr algn="ctr"/>
+            <a:endParaRPr lang="en-US"/>
+          </a:p>
+        </p:txBody>
+      </p:sp>
+      <p:sp>
+        <p:nvSpPr>
+          <p:cNvPr id="16" name="Oval 15"/>
+          <p:cNvSpPr/>
+          <p:nvPr/>
+        </p:nvSpPr>
+        <p:spPr>
+          <a:xfrm>
+            <a:off x="5046785" y="3273669"/>
+            <a:ext cx="304800" cy="304800"/>
+          </a:xfrm>
+          <a:prstGeom prst="ellipse">
+            <a:avLst/>
+          </a:prstGeom>
+        </p:spPr>
+        <p:style>
+          <a:lnRef idx="2">
+            <a:schemeClr val="dk1"/>
+          </a:lnRef>
+          <a:fillRef idx="1">
+            <a:schemeClr val="lt1"/>
+          </a:fillRef>
+          <a:effectRef idx="0">
+            <a:schemeClr val="dk1"/>
+          </a:effectRef>
+          <a:fontRef idx="minor">
+            <a:schemeClr val="dk1"/>
+          </a:fontRef>
+        </p:style>
+        <p:txBody>
+          <a:bodyPr rtlCol="0" anchor="ctr"/>
+          <a:lstStyle/>
+          <a:p>
+            <a:pPr algn="ctr"/>
+            <a:endParaRPr lang="en-US"/>
+          </a:p>
+        </p:txBody>
+      </p:sp>
+      <p:cxnSp>
+        <p:nvCxnSpPr>
+          <p:cNvPr id="18" name="Straight Arrow Connector 17"/>
+          <p:cNvCxnSpPr>
+            <a:stCxn id="8" idx="6"/>
+            <a:endCxn id="9" idx="2"/>
+          </p:cNvCxnSpPr>
+          <p:nvPr/>
+        </p:nvCxnSpPr>
+        <p:spPr>
+          <a:xfrm>
+            <a:off x="2514600" y="1866900"/>
+            <a:ext cx="2590800" cy="0"/>
+          </a:xfrm>
+          <a:prstGeom prst="straightConnector1">
+            <a:avLst/>
+          </a:prstGeom>
+          <a:ln>
+            <a:tailEnd type="arrow"/>
+          </a:ln>
+        </p:spPr>
+        <p:style>
+          <a:lnRef idx="2">
+            <a:schemeClr val="dk1"/>
+          </a:lnRef>
+          <a:fillRef idx="0">
+            <a:schemeClr val="dk1"/>
+          </a:fillRef>
+          <a:effectRef idx="1">
+            <a:schemeClr val="dk1"/>
+          </a:effectRef>
+          <a:fontRef idx="minor">
+            <a:schemeClr val="tx1"/>
+          </a:fontRef>
+        </p:style>
+      </p:cxnSp>
+      <p:cxnSp>
+        <p:nvCxnSpPr>
+          <p:cNvPr id="19" name="Straight Arrow Connector 18"/>
+          <p:cNvCxnSpPr>
+            <a:stCxn id="9" idx="6"/>
+            <a:endCxn id="10" idx="2"/>
+          </p:cNvCxnSpPr>
+          <p:nvPr/>
+        </p:nvCxnSpPr>
+        <p:spPr>
+          <a:xfrm>
+            <a:off x="5410200" y="1866900"/>
+            <a:ext cx="1524000" cy="0"/>
+          </a:xfrm>
+          <a:prstGeom prst="straightConnector1">
+            <a:avLst/>
+          </a:prstGeom>
+          <a:ln>
+            <a:tailEnd type="arrow"/>
+          </a:ln>
+        </p:spPr>
+        <p:style>
+          <a:lnRef idx="2">
+            <a:schemeClr val="dk1"/>
+          </a:lnRef>
+          <a:fillRef idx="0">
+            <a:schemeClr val="dk1"/>
+          </a:fillRef>
+          <a:effectRef idx="1">
+            <a:schemeClr val="dk1"/>
+          </a:effectRef>
+          <a:fontRef idx="minor">
+            <a:schemeClr val="tx1"/>
+          </a:fontRef>
+        </p:style>
+      </p:cxnSp>
+      <p:cxnSp>
+        <p:nvCxnSpPr>
+          <p:cNvPr id="20" name="Straight Arrow Connector 19"/>
+          <p:cNvCxnSpPr>
+            <a:stCxn id="11" idx="6"/>
+            <a:endCxn id="12" idx="2"/>
+          </p:cNvCxnSpPr>
+          <p:nvPr/>
+        </p:nvCxnSpPr>
+        <p:spPr>
+          <a:xfrm>
+            <a:off x="2514600" y="2678723"/>
+            <a:ext cx="1905000" cy="0"/>
+          </a:xfrm>
+          <a:prstGeom prst="straightConnector1">
+            <a:avLst/>
+          </a:prstGeom>
+          <a:ln>
+            <a:tailEnd type="arrow"/>
+          </a:ln>
+        </p:spPr>
+        <p:style>
+          <a:lnRef idx="2">
+            <a:schemeClr val="dk1"/>
+          </a:lnRef>
+          <a:fillRef idx="0">
+            <a:schemeClr val="dk1"/>
+          </a:fillRef>
+          <a:effectRef idx="1">
+            <a:schemeClr val="dk1"/>
+          </a:effectRef>
+          <a:fontRef idx="minor">
+            <a:schemeClr val="tx1"/>
+          </a:fontRef>
+        </p:style>
+      </p:cxnSp>
+      <p:cxnSp>
+        <p:nvCxnSpPr>
+          <p:cNvPr id="21" name="Straight Arrow Connector 20"/>
+          <p:cNvCxnSpPr>
+            <a:stCxn id="12" idx="6"/>
+            <a:endCxn id="13" idx="2"/>
+          </p:cNvCxnSpPr>
+          <p:nvPr/>
+        </p:nvCxnSpPr>
+        <p:spPr>
+          <a:xfrm>
+            <a:off x="4724400" y="2678723"/>
+            <a:ext cx="1160585" cy="0"/>
+          </a:xfrm>
+          <a:prstGeom prst="straightConnector1">
+            <a:avLst/>
+          </a:prstGeom>
+          <a:ln>
+            <a:tailEnd type="arrow"/>
+          </a:ln>
+        </p:spPr>
+        <p:style>
+          <a:lnRef idx="2">
+            <a:schemeClr val="dk1"/>
+          </a:lnRef>
+          <a:fillRef idx="0">
+            <a:schemeClr val="dk1"/>
+          </a:fillRef>
+          <a:effectRef idx="1">
+            <a:schemeClr val="dk1"/>
+          </a:effectRef>
+          <a:fontRef idx="minor">
+            <a:schemeClr val="tx1"/>
+          </a:fontRef>
+        </p:style>
+      </p:cxnSp>
+      <p:cxnSp>
+        <p:nvCxnSpPr>
+          <p:cNvPr id="22" name="Straight Arrow Connector 21"/>
+          <p:cNvCxnSpPr>
+            <a:stCxn id="13" idx="6"/>
+            <a:endCxn id="14" idx="2"/>
+          </p:cNvCxnSpPr>
+          <p:nvPr/>
+        </p:nvCxnSpPr>
+        <p:spPr>
+          <a:xfrm>
+            <a:off x="6189785" y="2678723"/>
+            <a:ext cx="1283677" cy="0"/>
+          </a:xfrm>
+          <a:prstGeom prst="straightConnector1">
+            <a:avLst/>
+          </a:prstGeom>
+          <a:ln>
+            <a:tailEnd type="arrow"/>
+          </a:ln>
+        </p:spPr>
+        <p:style>
+          <a:lnRef idx="2">
+            <a:schemeClr val="dk1"/>
+          </a:lnRef>
+          <a:fillRef idx="0">
+            <a:schemeClr val="dk1"/>
+          </a:fillRef>
+          <a:effectRef idx="1">
+            <a:schemeClr val="dk1"/>
+          </a:effectRef>
+          <a:fontRef idx="minor">
+            <a:schemeClr val="tx1"/>
+          </a:fontRef>
+        </p:style>
+      </p:cxnSp>
+      <p:cxnSp>
+        <p:nvCxnSpPr>
+          <p:cNvPr id="23" name="Straight Arrow Connector 22"/>
+          <p:cNvCxnSpPr>
+            <a:stCxn id="15" idx="6"/>
+            <a:endCxn id="16" idx="2"/>
+          </p:cNvCxnSpPr>
+          <p:nvPr/>
+        </p:nvCxnSpPr>
+        <p:spPr>
+          <a:xfrm>
+            <a:off x="3886200" y="3426069"/>
+            <a:ext cx="1160585" cy="0"/>
+          </a:xfrm>
+          <a:prstGeom prst="straightConnector1">
+            <a:avLst/>
+          </a:prstGeom>
+          <a:ln>
+            <a:tailEnd type="arrow"/>
+          </a:ln>
+        </p:spPr>
+        <p:style>
+          <a:lnRef idx="2">
+            <a:schemeClr val="dk1"/>
+          </a:lnRef>
+          <a:fillRef idx="0">
+            <a:schemeClr val="dk1"/>
+          </a:fillRef>
+          <a:effectRef idx="1">
+            <a:schemeClr val="dk1"/>
+          </a:effectRef>
+          <a:fontRef idx="minor">
+            <a:schemeClr val="tx1"/>
+          </a:fontRef>
+        </p:style>
+      </p:cxnSp>
+      <p:cxnSp>
+        <p:nvCxnSpPr>
+          <p:cNvPr id="26" name="Straight Arrow Connector 25"/>
+          <p:cNvCxnSpPr/>
+          <p:nvPr/>
+        </p:nvCxnSpPr>
+        <p:spPr>
+          <a:xfrm>
+            <a:off x="2469963" y="2786486"/>
+            <a:ext cx="1156074" cy="531820"/>
+          </a:xfrm>
+          <a:prstGeom prst="straightConnector1">
+            <a:avLst/>
+          </a:prstGeom>
+          <a:ln>
+            <a:prstDash val="dash"/>
+            <a:tailEnd type="arrow"/>
+          </a:ln>
+        </p:spPr>
+        <p:style>
+          <a:lnRef idx="2">
+            <a:schemeClr val="dk1"/>
+          </a:lnRef>
+          <a:fillRef idx="0">
+            <a:schemeClr val="dk1"/>
+          </a:fillRef>
+          <a:effectRef idx="1">
+            <a:schemeClr val="dk1"/>
+          </a:effectRef>
+          <a:fontRef idx="minor">
+            <a:schemeClr val="tx1"/>
+          </a:fontRef>
+        </p:style>
+      </p:cxnSp>
+      <p:cxnSp>
+        <p:nvCxnSpPr>
+          <p:cNvPr id="28" name="Straight Arrow Connector 27"/>
+          <p:cNvCxnSpPr/>
+          <p:nvPr/>
+        </p:nvCxnSpPr>
+        <p:spPr>
+          <a:xfrm>
+            <a:off x="2362200" y="2019300"/>
+            <a:ext cx="0" cy="507023"/>
+          </a:xfrm>
+          <a:prstGeom prst="straightConnector1">
+            <a:avLst/>
+          </a:prstGeom>
+          <a:ln>
+            <a:prstDash val="dash"/>
+            <a:tailEnd type="arrow"/>
+          </a:ln>
+        </p:spPr>
+        <p:style>
+          <a:lnRef idx="2">
+            <a:schemeClr val="dk1"/>
+          </a:lnRef>
+          <a:fillRef idx="0">
+            <a:schemeClr val="dk1"/>
+          </a:fillRef>
+          <a:effectRef idx="1">
+            <a:schemeClr val="dk1"/>
+          </a:effectRef>
+          <a:fontRef idx="minor">
+            <a:schemeClr val="tx1"/>
+          </a:fontRef>
+        </p:style>
+      </p:cxnSp>
+    </p:spTree>
+    <p:extLst>
+      <p:ext uri="{BB962C8B-B14F-4D97-AF65-F5344CB8AC3E}">
+        <p14:creationId xmlns:p14="http://schemas.microsoft.com/office/powerpoint/2010/main" val="3079961661"/>
+      </p:ext>
+    </p:extLst>
+  </p:cSld>
+  <p:clrMapOvr>
+    <a:masterClrMapping/>
+  </p:clrMapOvr>
+</p:sld>
+</file>
+
+<file path=ppt/slides/slide15.xml><?xml version="1.0" encoding="utf-8"?>
+<p:sld xmlns:a="http://schemas.openxmlformats.org/drawingml/2006/main" xmlns:r="http://schemas.openxmlformats.org/officeDocument/2006/relationships" xmlns:p="http://schemas.openxmlformats.org/presentationml/2006/main">
+  <p:cSld>
+    <p:spTree>
+      <p:nvGrpSpPr>
+        <p:cNvPr id="1" name=""/>
+        <p:cNvGrpSpPr/>
+        <p:nvPr/>
+      </p:nvGrpSpPr>
+      <p:grpSpPr>
+        <a:xfrm>
+          <a:off x="0" y="0"/>
+          <a:ext cx="0" cy="0"/>
+          <a:chOff x="0" y="0"/>
+          <a:chExt cx="0" cy="0"/>
+        </a:xfrm>
+      </p:grpSpPr>
+      <p:sp>
+        <p:nvSpPr>
+          <p:cNvPr id="2" name="Title 1"/>
+          <p:cNvSpPr>
+            <a:spLocks noGrp="1"/>
+          </p:cNvSpPr>
+          <p:nvPr>
+            <p:ph type="title"/>
+          </p:nvPr>
+        </p:nvSpPr>
+        <p:spPr/>
+        <p:txBody>
+          <a:bodyPr/>
+          <a:lstStyle/>
+          <a:p>
+            <a:r>
+              <a:rPr lang="en-US" dirty="0" smtClean="0"/>
+              <a:t>Merging</a:t>
+            </a:r>
+            <a:endParaRPr lang="en-US" dirty="0"/>
+          </a:p>
+        </p:txBody>
+      </p:sp>
+      <p:sp>
+        <p:nvSpPr>
+          <p:cNvPr id="3" name="Content Placeholder 2"/>
+          <p:cNvSpPr>
+            <a:spLocks noGrp="1"/>
+          </p:cNvSpPr>
+          <p:nvPr>
+            <p:ph idx="1"/>
+          </p:nvPr>
+        </p:nvSpPr>
+        <p:spPr>
+          <a:xfrm>
+            <a:off x="457200" y="3886200"/>
+            <a:ext cx="8229600" cy="2667000"/>
+          </a:xfrm>
+        </p:spPr>
+        <p:txBody>
+          <a:bodyPr>
+            <a:normAutofit fontScale="92500" lnSpcReduction="20000"/>
+          </a:bodyPr>
+          <a:lstStyle/>
+          <a:p>
+            <a:r>
+              <a:rPr lang="en-US" sz="3000" dirty="0" smtClean="0"/>
+              <a:t>Merge</a:t>
+            </a:r>
+            <a:endParaRPr lang="en-US" dirty="0" smtClean="0"/>
+          </a:p>
+          <a:p>
+            <a:pPr lvl="1"/>
+            <a:r>
+              <a:rPr lang="en-US" sz="2600" dirty="0" smtClean="0"/>
+              <a:t>A branch may be merged into another.</a:t>
+            </a:r>
+          </a:p>
+          <a:p>
+            <a:pPr lvl="1"/>
+            <a:r>
+              <a:rPr lang="en-US" sz="2600" dirty="0" smtClean="0"/>
+              <a:t>The branch creates a “</a:t>
+            </a:r>
+            <a:r>
+              <a:rPr lang="en-US" sz="2600" b="1" dirty="0" smtClean="0"/>
+              <a:t>pull request</a:t>
+            </a:r>
+            <a:r>
+              <a:rPr lang="en-US" sz="2600" dirty="0" smtClean="0"/>
+              <a:t>” requesting that its present version be merged into another. The requestor details how to make the changes.</a:t>
+            </a:r>
+          </a:p>
+          <a:p>
+            <a:pPr lvl="1"/>
+            <a:r>
+              <a:rPr lang="en-US" sz="2600" dirty="0" smtClean="0"/>
+              <a:t>An authority from the branch being merged into then is expected to review the request.</a:t>
+            </a:r>
+            <a:endParaRPr lang="en-US" sz="2600" dirty="0"/>
+          </a:p>
+        </p:txBody>
+      </p:sp>
+      <p:sp>
+        <p:nvSpPr>
+          <p:cNvPr id="4" name="Rounded Rectangle 3"/>
+          <p:cNvSpPr/>
+          <p:nvPr/>
+        </p:nvSpPr>
+        <p:spPr>
+          <a:xfrm>
+            <a:off x="381000" y="3159369"/>
+            <a:ext cx="8382000" cy="533400"/>
+          </a:xfrm>
+          <a:prstGeom prst="roundRect">
+            <a:avLst/>
+          </a:prstGeom>
+        </p:spPr>
+        <p:style>
+          <a:lnRef idx="2">
+            <a:schemeClr val="accent3">
+              <a:shade val="50000"/>
+            </a:schemeClr>
+          </a:lnRef>
+          <a:fillRef idx="1">
+            <a:schemeClr val="accent3"/>
+          </a:fillRef>
+          <a:effectRef idx="0">
+            <a:schemeClr val="accent3"/>
+          </a:effectRef>
+          <a:fontRef idx="minor">
+            <a:schemeClr val="lt1"/>
+          </a:fontRef>
+        </p:style>
+        <p:txBody>
+          <a:bodyPr rtlCol="0" anchor="ctr"/>
+          <a:lstStyle/>
+          <a:p>
+            <a:r>
+              <a:rPr lang="en-US" dirty="0" smtClean="0"/>
+              <a:t>Feature A:</a:t>
+            </a:r>
+            <a:endParaRPr lang="en-US" dirty="0"/>
+          </a:p>
+        </p:txBody>
+      </p:sp>
+      <p:sp>
+        <p:nvSpPr>
+          <p:cNvPr id="6" name="Rounded Rectangle 5"/>
+          <p:cNvSpPr/>
+          <p:nvPr/>
+        </p:nvSpPr>
+        <p:spPr>
+          <a:xfrm>
+            <a:off x="381000" y="2411348"/>
+            <a:ext cx="8382000" cy="533400"/>
+          </a:xfrm>
+          <a:prstGeom prst="roundRect">
+            <a:avLst/>
+          </a:prstGeom>
+        </p:spPr>
+        <p:style>
+          <a:lnRef idx="2">
+            <a:schemeClr val="accent2">
+              <a:shade val="50000"/>
+            </a:schemeClr>
+          </a:lnRef>
+          <a:fillRef idx="1">
+            <a:schemeClr val="accent2"/>
+          </a:fillRef>
+          <a:effectRef idx="0">
+            <a:schemeClr val="accent2"/>
+          </a:effectRef>
+          <a:fontRef idx="minor">
+            <a:schemeClr val="lt1"/>
+          </a:fontRef>
+        </p:style>
+        <p:txBody>
+          <a:bodyPr rtlCol="0" anchor="ctr"/>
+          <a:lstStyle/>
+          <a:p>
+            <a:r>
+              <a:rPr lang="en-US" dirty="0" smtClean="0"/>
+              <a:t>Development:</a:t>
+            </a:r>
+            <a:endParaRPr lang="en-US" dirty="0"/>
+          </a:p>
+        </p:txBody>
+      </p:sp>
+      <p:sp>
+        <p:nvSpPr>
+          <p:cNvPr id="7" name="Rounded Rectangle 6"/>
+          <p:cNvSpPr/>
+          <p:nvPr/>
+        </p:nvSpPr>
+        <p:spPr>
+          <a:xfrm>
+            <a:off x="381000" y="1600200"/>
+            <a:ext cx="8382000" cy="533400"/>
+          </a:xfrm>
+          <a:prstGeom prst="roundRect">
+            <a:avLst/>
+          </a:prstGeom>
+        </p:spPr>
+        <p:style>
+          <a:lnRef idx="2">
+            <a:schemeClr val="accent1">
+              <a:shade val="50000"/>
+            </a:schemeClr>
+          </a:lnRef>
+          <a:fillRef idx="1">
+            <a:schemeClr val="accent1"/>
+          </a:fillRef>
+          <a:effectRef idx="0">
+            <a:schemeClr val="accent1"/>
+          </a:effectRef>
+          <a:fontRef idx="minor">
+            <a:schemeClr val="lt1"/>
+          </a:fontRef>
+        </p:style>
+        <p:txBody>
+          <a:bodyPr rtlCol="0" anchor="ctr"/>
+          <a:lstStyle/>
+          <a:p>
+            <a:r>
+              <a:rPr lang="en-US" dirty="0" smtClean="0"/>
+              <a:t>Main (Trunk):</a:t>
+            </a:r>
+            <a:endParaRPr lang="en-US" dirty="0"/>
+          </a:p>
+        </p:txBody>
+      </p:sp>
+      <p:sp>
+        <p:nvSpPr>
+          <p:cNvPr id="8" name="Oval 7"/>
+          <p:cNvSpPr/>
+          <p:nvPr/>
+        </p:nvSpPr>
+        <p:spPr>
+          <a:xfrm>
+            <a:off x="2209800" y="1714500"/>
+            <a:ext cx="304800" cy="304800"/>
+          </a:xfrm>
+          <a:prstGeom prst="ellipse">
+            <a:avLst/>
+          </a:prstGeom>
+        </p:spPr>
+        <p:style>
+          <a:lnRef idx="2">
+            <a:schemeClr val="dk1"/>
+          </a:lnRef>
+          <a:fillRef idx="1">
+            <a:schemeClr val="lt1"/>
+          </a:fillRef>
+          <a:effectRef idx="0">
+            <a:schemeClr val="dk1"/>
+          </a:effectRef>
+          <a:fontRef idx="minor">
+            <a:schemeClr val="dk1"/>
+          </a:fontRef>
+        </p:style>
+        <p:txBody>
+          <a:bodyPr rtlCol="0" anchor="ctr"/>
+          <a:lstStyle/>
+          <a:p>
+            <a:pPr algn="ctr"/>
+            <a:endParaRPr lang="en-US"/>
+          </a:p>
+        </p:txBody>
+      </p:sp>
+      <p:sp>
+        <p:nvSpPr>
+          <p:cNvPr id="9" name="Oval 8"/>
+          <p:cNvSpPr/>
+          <p:nvPr/>
+        </p:nvSpPr>
+        <p:spPr>
+          <a:xfrm>
+            <a:off x="5105400" y="1714500"/>
+            <a:ext cx="304800" cy="304800"/>
+          </a:xfrm>
+          <a:prstGeom prst="ellipse">
+            <a:avLst/>
+          </a:prstGeom>
+        </p:spPr>
+        <p:style>
+          <a:lnRef idx="2">
+            <a:schemeClr val="dk1"/>
+          </a:lnRef>
+          <a:fillRef idx="1">
+            <a:schemeClr val="lt1"/>
+          </a:fillRef>
+          <a:effectRef idx="0">
+            <a:schemeClr val="dk1"/>
+          </a:effectRef>
+          <a:fontRef idx="minor">
+            <a:schemeClr val="dk1"/>
+          </a:fontRef>
+        </p:style>
+        <p:txBody>
+          <a:bodyPr rtlCol="0" anchor="ctr"/>
+          <a:lstStyle/>
+          <a:p>
+            <a:pPr algn="ctr"/>
+            <a:endParaRPr lang="en-US"/>
+          </a:p>
+        </p:txBody>
+      </p:sp>
+      <p:sp>
+        <p:nvSpPr>
+          <p:cNvPr id="10" name="Oval 9"/>
+          <p:cNvSpPr/>
+          <p:nvPr/>
+        </p:nvSpPr>
+        <p:spPr>
+          <a:xfrm>
+            <a:off x="6934200" y="1714500"/>
+            <a:ext cx="304800" cy="304800"/>
+          </a:xfrm>
+          <a:prstGeom prst="ellipse">
+            <a:avLst/>
+          </a:prstGeom>
+        </p:spPr>
+        <p:style>
+          <a:lnRef idx="2">
+            <a:schemeClr val="dk1"/>
+          </a:lnRef>
+          <a:fillRef idx="1">
+            <a:schemeClr val="lt1"/>
+          </a:fillRef>
+          <a:effectRef idx="0">
+            <a:schemeClr val="dk1"/>
+          </a:effectRef>
+          <a:fontRef idx="minor">
+            <a:schemeClr val="dk1"/>
+          </a:fontRef>
+        </p:style>
+        <p:txBody>
+          <a:bodyPr rtlCol="0" anchor="ctr"/>
+          <a:lstStyle/>
+          <a:p>
+            <a:pPr algn="ctr"/>
+            <a:endParaRPr lang="en-US"/>
+          </a:p>
+        </p:txBody>
+      </p:sp>
+      <p:sp>
+        <p:nvSpPr>
+          <p:cNvPr id="11" name="Oval 10"/>
+          <p:cNvSpPr/>
+          <p:nvPr/>
+        </p:nvSpPr>
+        <p:spPr>
+          <a:xfrm>
+            <a:off x="2209800" y="2526323"/>
+            <a:ext cx="304800" cy="304800"/>
+          </a:xfrm>
+          <a:prstGeom prst="ellipse">
+            <a:avLst/>
+          </a:prstGeom>
+        </p:spPr>
+        <p:style>
+          <a:lnRef idx="2">
+            <a:schemeClr val="dk1"/>
+          </a:lnRef>
+          <a:fillRef idx="1">
+            <a:schemeClr val="lt1"/>
+          </a:fillRef>
+          <a:effectRef idx="0">
+            <a:schemeClr val="dk1"/>
+          </a:effectRef>
+          <a:fontRef idx="minor">
+            <a:schemeClr val="dk1"/>
+          </a:fontRef>
+        </p:style>
+        <p:txBody>
+          <a:bodyPr rtlCol="0" anchor="ctr"/>
+          <a:lstStyle/>
+          <a:p>
+            <a:pPr algn="ctr"/>
+            <a:endParaRPr lang="en-US"/>
+          </a:p>
+        </p:txBody>
+      </p:sp>
+      <p:sp>
+        <p:nvSpPr>
+          <p:cNvPr id="12" name="Oval 11"/>
+          <p:cNvSpPr/>
+          <p:nvPr/>
+        </p:nvSpPr>
+        <p:spPr>
+          <a:xfrm>
+            <a:off x="4419600" y="2526323"/>
+            <a:ext cx="304800" cy="304800"/>
+          </a:xfrm>
+          <a:prstGeom prst="ellipse">
+            <a:avLst/>
+          </a:prstGeom>
+        </p:spPr>
+        <p:style>
+          <a:lnRef idx="2">
+            <a:schemeClr val="dk1"/>
+          </a:lnRef>
+          <a:fillRef idx="1">
+            <a:schemeClr val="lt1"/>
+          </a:fillRef>
+          <a:effectRef idx="0">
+            <a:schemeClr val="dk1"/>
+          </a:effectRef>
+          <a:fontRef idx="minor">
+            <a:schemeClr val="dk1"/>
+          </a:fontRef>
+        </p:style>
+        <p:txBody>
+          <a:bodyPr rtlCol="0" anchor="ctr"/>
+          <a:lstStyle/>
+          <a:p>
+            <a:pPr algn="ctr"/>
+            <a:endParaRPr lang="en-US"/>
+          </a:p>
+        </p:txBody>
+      </p:sp>
+      <p:sp>
+        <p:nvSpPr>
+          <p:cNvPr id="13" name="Oval 12"/>
+          <p:cNvSpPr/>
+          <p:nvPr/>
+        </p:nvSpPr>
+        <p:spPr>
+          <a:xfrm>
+            <a:off x="5884985" y="2526323"/>
+            <a:ext cx="304800" cy="304800"/>
+          </a:xfrm>
+          <a:prstGeom prst="ellipse">
+            <a:avLst/>
+          </a:prstGeom>
+        </p:spPr>
+        <p:style>
+          <a:lnRef idx="2">
+            <a:schemeClr val="dk1"/>
+          </a:lnRef>
+          <a:fillRef idx="1">
+            <a:schemeClr val="lt1"/>
+          </a:fillRef>
+          <a:effectRef idx="0">
+            <a:schemeClr val="dk1"/>
+          </a:effectRef>
+          <a:fontRef idx="minor">
+            <a:schemeClr val="dk1"/>
+          </a:fontRef>
+        </p:style>
+        <p:txBody>
+          <a:bodyPr rtlCol="0" anchor="ctr"/>
+          <a:lstStyle/>
+          <a:p>
+            <a:pPr algn="ctr"/>
+            <a:endParaRPr lang="en-US"/>
+          </a:p>
+        </p:txBody>
+      </p:sp>
+      <p:sp>
+        <p:nvSpPr>
+          <p:cNvPr id="14" name="Oval 13"/>
+          <p:cNvSpPr/>
+          <p:nvPr/>
+        </p:nvSpPr>
+        <p:spPr>
+          <a:xfrm>
+            <a:off x="7473462" y="2526323"/>
+            <a:ext cx="304800" cy="304800"/>
+          </a:xfrm>
+          <a:prstGeom prst="ellipse">
+            <a:avLst/>
+          </a:prstGeom>
+        </p:spPr>
+        <p:style>
+          <a:lnRef idx="2">
+            <a:schemeClr val="dk1"/>
+          </a:lnRef>
+          <a:fillRef idx="1">
+            <a:schemeClr val="lt1"/>
+          </a:fillRef>
+          <a:effectRef idx="0">
+            <a:schemeClr val="dk1"/>
+          </a:effectRef>
+          <a:fontRef idx="minor">
+            <a:schemeClr val="dk1"/>
+          </a:fontRef>
+        </p:style>
+        <p:txBody>
+          <a:bodyPr rtlCol="0" anchor="ctr"/>
+          <a:lstStyle/>
+          <a:p>
+            <a:pPr algn="ctr"/>
+            <a:endParaRPr lang="en-US"/>
+          </a:p>
+        </p:txBody>
+      </p:sp>
+      <p:sp>
+        <p:nvSpPr>
+          <p:cNvPr id="15" name="Oval 14"/>
+          <p:cNvSpPr/>
+          <p:nvPr/>
+        </p:nvSpPr>
+        <p:spPr>
+          <a:xfrm>
+            <a:off x="3581400" y="3273669"/>
+            <a:ext cx="304800" cy="304800"/>
+          </a:xfrm>
+          <a:prstGeom prst="ellipse">
+            <a:avLst/>
+          </a:prstGeom>
+        </p:spPr>
+        <p:style>
+          <a:lnRef idx="2">
+            <a:schemeClr val="dk1"/>
+          </a:lnRef>
+          <a:fillRef idx="1">
+            <a:schemeClr val="lt1"/>
+          </a:fillRef>
+          <a:effectRef idx="0">
+            <a:schemeClr val="dk1"/>
+          </a:effectRef>
+          <a:fontRef idx="minor">
+            <a:schemeClr val="dk1"/>
+          </a:fontRef>
+        </p:style>
+        <p:txBody>
+          <a:bodyPr rtlCol="0" anchor="ctr"/>
+          <a:lstStyle/>
+          <a:p>
+            <a:pPr algn="ctr"/>
+            <a:endParaRPr lang="en-US"/>
+          </a:p>
+        </p:txBody>
+      </p:sp>
+      <p:sp>
+        <p:nvSpPr>
+          <p:cNvPr id="16" name="Oval 15"/>
+          <p:cNvSpPr/>
+          <p:nvPr/>
+        </p:nvSpPr>
+        <p:spPr>
+          <a:xfrm>
+            <a:off x="5046785" y="3273669"/>
+            <a:ext cx="304800" cy="304800"/>
+          </a:xfrm>
+          <a:prstGeom prst="ellipse">
+            <a:avLst/>
+          </a:prstGeom>
+        </p:spPr>
+        <p:style>
+          <a:lnRef idx="2">
+            <a:schemeClr val="dk1"/>
+          </a:lnRef>
+          <a:fillRef idx="1">
+            <a:schemeClr val="lt1"/>
+          </a:fillRef>
+          <a:effectRef idx="0">
+            <a:schemeClr val="dk1"/>
+          </a:effectRef>
+          <a:fontRef idx="minor">
+            <a:schemeClr val="dk1"/>
+          </a:fontRef>
+        </p:style>
+        <p:txBody>
+          <a:bodyPr rtlCol="0" anchor="ctr"/>
+          <a:lstStyle/>
+          <a:p>
+            <a:pPr algn="ctr"/>
+            <a:endParaRPr lang="en-US"/>
+          </a:p>
+        </p:txBody>
+      </p:sp>
+      <p:cxnSp>
+        <p:nvCxnSpPr>
+          <p:cNvPr id="18" name="Straight Arrow Connector 17"/>
+          <p:cNvCxnSpPr>
+            <a:stCxn id="8" idx="6"/>
+            <a:endCxn id="9" idx="2"/>
+          </p:cNvCxnSpPr>
+          <p:nvPr/>
+        </p:nvCxnSpPr>
+        <p:spPr>
+          <a:xfrm>
+            <a:off x="2514600" y="1866900"/>
+            <a:ext cx="2590800" cy="0"/>
+          </a:xfrm>
+          <a:prstGeom prst="straightConnector1">
+            <a:avLst/>
+          </a:prstGeom>
+          <a:ln>
+            <a:tailEnd type="arrow"/>
+          </a:ln>
+        </p:spPr>
+        <p:style>
+          <a:lnRef idx="2">
+            <a:schemeClr val="dk1"/>
+          </a:lnRef>
+          <a:fillRef idx="0">
+            <a:schemeClr val="dk1"/>
+          </a:fillRef>
+          <a:effectRef idx="1">
+            <a:schemeClr val="dk1"/>
+          </a:effectRef>
+          <a:fontRef idx="minor">
+            <a:schemeClr val="tx1"/>
+          </a:fontRef>
+        </p:style>
+      </p:cxnSp>
+      <p:cxnSp>
+        <p:nvCxnSpPr>
+          <p:cNvPr id="19" name="Straight Arrow Connector 18"/>
+          <p:cNvCxnSpPr>
+            <a:stCxn id="9" idx="6"/>
+            <a:endCxn id="10" idx="2"/>
+          </p:cNvCxnSpPr>
+          <p:nvPr/>
+        </p:nvCxnSpPr>
+        <p:spPr>
+          <a:xfrm>
+            <a:off x="5410200" y="1866900"/>
+            <a:ext cx="1524000" cy="0"/>
+          </a:xfrm>
+          <a:prstGeom prst="straightConnector1">
+            <a:avLst/>
+          </a:prstGeom>
+          <a:ln>
+            <a:tailEnd type="arrow"/>
+          </a:ln>
+        </p:spPr>
+        <p:style>
+          <a:lnRef idx="2">
+            <a:schemeClr val="dk1"/>
+          </a:lnRef>
+          <a:fillRef idx="0">
+            <a:schemeClr val="dk1"/>
+          </a:fillRef>
+          <a:effectRef idx="1">
+            <a:schemeClr val="dk1"/>
+          </a:effectRef>
+          <a:fontRef idx="minor">
+            <a:schemeClr val="tx1"/>
+          </a:fontRef>
+        </p:style>
+      </p:cxnSp>
+      <p:cxnSp>
+        <p:nvCxnSpPr>
+          <p:cNvPr id="20" name="Straight Arrow Connector 19"/>
+          <p:cNvCxnSpPr>
+            <a:stCxn id="11" idx="6"/>
+            <a:endCxn id="12" idx="2"/>
+          </p:cNvCxnSpPr>
+          <p:nvPr/>
+        </p:nvCxnSpPr>
+        <p:spPr>
+          <a:xfrm>
+            <a:off x="2514600" y="2678723"/>
+            <a:ext cx="1905000" cy="0"/>
+          </a:xfrm>
+          <a:prstGeom prst="straightConnector1">
+            <a:avLst/>
+          </a:prstGeom>
+          <a:ln>
+            <a:tailEnd type="arrow"/>
+          </a:ln>
+        </p:spPr>
+        <p:style>
+          <a:lnRef idx="2">
+            <a:schemeClr val="dk1"/>
+          </a:lnRef>
+          <a:fillRef idx="0">
+            <a:schemeClr val="dk1"/>
+          </a:fillRef>
+          <a:effectRef idx="1">
+            <a:schemeClr val="dk1"/>
+          </a:effectRef>
+          <a:fontRef idx="minor">
+            <a:schemeClr val="tx1"/>
+          </a:fontRef>
+        </p:style>
+      </p:cxnSp>
+      <p:cxnSp>
+        <p:nvCxnSpPr>
+          <p:cNvPr id="21" name="Straight Arrow Connector 20"/>
+          <p:cNvCxnSpPr>
+            <a:stCxn id="12" idx="6"/>
+            <a:endCxn id="13" idx="2"/>
+          </p:cNvCxnSpPr>
+          <p:nvPr/>
+        </p:nvCxnSpPr>
+        <p:spPr>
+          <a:xfrm>
+            <a:off x="4724400" y="2678723"/>
+            <a:ext cx="1160585" cy="0"/>
+          </a:xfrm>
+          <a:prstGeom prst="straightConnector1">
+            <a:avLst/>
+          </a:prstGeom>
+          <a:ln>
+            <a:tailEnd type="arrow"/>
+          </a:ln>
+        </p:spPr>
+        <p:style>
+          <a:lnRef idx="2">
+            <a:schemeClr val="dk1"/>
+          </a:lnRef>
+          <a:fillRef idx="0">
+            <a:schemeClr val="dk1"/>
+          </a:fillRef>
+          <a:effectRef idx="1">
+            <a:schemeClr val="dk1"/>
+          </a:effectRef>
+          <a:fontRef idx="minor">
+            <a:schemeClr val="tx1"/>
+          </a:fontRef>
+        </p:style>
+      </p:cxnSp>
+      <p:cxnSp>
+        <p:nvCxnSpPr>
+          <p:cNvPr id="22" name="Straight Arrow Connector 21"/>
+          <p:cNvCxnSpPr>
+            <a:stCxn id="13" idx="6"/>
+            <a:endCxn id="14" idx="2"/>
+          </p:cNvCxnSpPr>
+          <p:nvPr/>
+        </p:nvCxnSpPr>
+        <p:spPr>
+          <a:xfrm>
+            <a:off x="6189785" y="2678723"/>
+            <a:ext cx="1283677" cy="0"/>
+          </a:xfrm>
+          <a:prstGeom prst="straightConnector1">
+            <a:avLst/>
+          </a:prstGeom>
+          <a:ln>
+            <a:tailEnd type="arrow"/>
+          </a:ln>
+        </p:spPr>
+        <p:style>
+          <a:lnRef idx="2">
+            <a:schemeClr val="dk1"/>
+          </a:lnRef>
+          <a:fillRef idx="0">
+            <a:schemeClr val="dk1"/>
+          </a:fillRef>
+          <a:effectRef idx="1">
+            <a:schemeClr val="dk1"/>
+          </a:effectRef>
+          <a:fontRef idx="minor">
+            <a:schemeClr val="tx1"/>
+          </a:fontRef>
+        </p:style>
+      </p:cxnSp>
+      <p:cxnSp>
+        <p:nvCxnSpPr>
+          <p:cNvPr id="23" name="Straight Arrow Connector 22"/>
+          <p:cNvCxnSpPr>
+            <a:stCxn id="15" idx="6"/>
+            <a:endCxn id="16" idx="2"/>
+          </p:cNvCxnSpPr>
+          <p:nvPr/>
+        </p:nvCxnSpPr>
+        <p:spPr>
+          <a:xfrm>
+            <a:off x="3886200" y="3426069"/>
+            <a:ext cx="1160585" cy="0"/>
+          </a:xfrm>
+          <a:prstGeom prst="straightConnector1">
+            <a:avLst/>
+          </a:prstGeom>
+          <a:ln>
+            <a:tailEnd type="arrow"/>
+          </a:ln>
+        </p:spPr>
+        <p:style>
+          <a:lnRef idx="2">
+            <a:schemeClr val="dk1"/>
+          </a:lnRef>
+          <a:fillRef idx="0">
+            <a:schemeClr val="dk1"/>
+          </a:fillRef>
+          <a:effectRef idx="1">
+            <a:schemeClr val="dk1"/>
+          </a:effectRef>
+          <a:fontRef idx="minor">
+            <a:schemeClr val="tx1"/>
+          </a:fontRef>
+        </p:style>
+      </p:cxnSp>
+      <p:cxnSp>
+        <p:nvCxnSpPr>
+          <p:cNvPr id="26" name="Straight Arrow Connector 25"/>
+          <p:cNvCxnSpPr/>
+          <p:nvPr/>
+        </p:nvCxnSpPr>
+        <p:spPr>
+          <a:xfrm>
+            <a:off x="2469963" y="2786486"/>
+            <a:ext cx="1156074" cy="531820"/>
+          </a:xfrm>
+          <a:prstGeom prst="straightConnector1">
+            <a:avLst/>
+          </a:prstGeom>
+          <a:ln>
+            <a:prstDash val="dash"/>
+            <a:tailEnd type="arrow"/>
+          </a:ln>
+        </p:spPr>
+        <p:style>
+          <a:lnRef idx="2">
+            <a:schemeClr val="dk1"/>
+          </a:lnRef>
+          <a:fillRef idx="0">
+            <a:schemeClr val="dk1"/>
+          </a:fillRef>
+          <a:effectRef idx="1">
+            <a:schemeClr val="dk1"/>
+          </a:effectRef>
+          <a:fontRef idx="minor">
+            <a:schemeClr val="tx1"/>
+          </a:fontRef>
+        </p:style>
+      </p:cxnSp>
+      <p:cxnSp>
+        <p:nvCxnSpPr>
+          <p:cNvPr id="28" name="Straight Arrow Connector 27"/>
+          <p:cNvCxnSpPr/>
+          <p:nvPr/>
+        </p:nvCxnSpPr>
+        <p:spPr>
+          <a:xfrm>
+            <a:off x="2362200" y="2019300"/>
+            <a:ext cx="0" cy="507023"/>
+          </a:xfrm>
+          <a:prstGeom prst="straightConnector1">
+            <a:avLst/>
+          </a:prstGeom>
+          <a:ln>
+            <a:prstDash val="dash"/>
+            <a:tailEnd type="arrow"/>
+          </a:ln>
+        </p:spPr>
+        <p:style>
+          <a:lnRef idx="2">
+            <a:schemeClr val="dk1"/>
+          </a:lnRef>
+          <a:fillRef idx="0">
+            <a:schemeClr val="dk1"/>
+          </a:fillRef>
+          <a:effectRef idx="1">
+            <a:schemeClr val="dk1"/>
+          </a:effectRef>
+          <a:fontRef idx="minor">
+            <a:schemeClr val="tx1"/>
+          </a:fontRef>
+        </p:style>
+      </p:cxnSp>
+      <p:cxnSp>
+        <p:nvCxnSpPr>
+          <p:cNvPr id="24" name="Straight Arrow Connector 23"/>
+          <p:cNvCxnSpPr/>
+          <p:nvPr/>
+        </p:nvCxnSpPr>
+        <p:spPr>
+          <a:xfrm flipV="1">
+            <a:off x="4679763" y="1974663"/>
+            <a:ext cx="470274" cy="596297"/>
+          </a:xfrm>
+          <a:prstGeom prst="straightConnector1">
+            <a:avLst/>
+          </a:prstGeom>
+          <a:ln>
+            <a:prstDash val="sysDash"/>
+            <a:tailEnd type="arrow"/>
+          </a:ln>
+        </p:spPr>
+        <p:style>
+          <a:lnRef idx="2">
+            <a:schemeClr val="dk1"/>
+          </a:lnRef>
+          <a:fillRef idx="0">
+            <a:schemeClr val="dk1"/>
+          </a:fillRef>
+          <a:effectRef idx="1">
+            <a:schemeClr val="dk1"/>
+          </a:effectRef>
+          <a:fontRef idx="minor">
+            <a:schemeClr val="tx1"/>
+          </a:fontRef>
+        </p:style>
+      </p:cxnSp>
+      <p:cxnSp>
+        <p:nvCxnSpPr>
+          <p:cNvPr id="25" name="Straight Arrow Connector 24"/>
+          <p:cNvCxnSpPr/>
+          <p:nvPr/>
+        </p:nvCxnSpPr>
+        <p:spPr>
+          <a:xfrm flipV="1">
+            <a:off x="6145148" y="1974663"/>
+            <a:ext cx="833689" cy="596297"/>
+          </a:xfrm>
+          <a:prstGeom prst="straightConnector1">
+            <a:avLst/>
+          </a:prstGeom>
+          <a:ln>
+            <a:prstDash val="sysDash"/>
+            <a:tailEnd type="arrow"/>
+          </a:ln>
+        </p:spPr>
+        <p:style>
+          <a:lnRef idx="2">
+            <a:schemeClr val="dk1"/>
+          </a:lnRef>
+          <a:fillRef idx="0">
+            <a:schemeClr val="dk1"/>
+          </a:fillRef>
+          <a:effectRef idx="1">
+            <a:schemeClr val="dk1"/>
+          </a:effectRef>
+          <a:fontRef idx="minor">
+            <a:schemeClr val="tx1"/>
+          </a:fontRef>
+        </p:style>
+      </p:cxnSp>
+      <p:cxnSp>
+        <p:nvCxnSpPr>
+          <p:cNvPr id="27" name="Straight Arrow Connector 26"/>
+          <p:cNvCxnSpPr/>
+          <p:nvPr/>
+        </p:nvCxnSpPr>
+        <p:spPr>
+          <a:xfrm flipV="1">
+            <a:off x="5306948" y="2786486"/>
+            <a:ext cx="622674" cy="531820"/>
+          </a:xfrm>
+          <a:prstGeom prst="straightConnector1">
+            <a:avLst/>
+          </a:prstGeom>
+          <a:ln>
+            <a:prstDash val="sysDash"/>
+            <a:tailEnd type="arrow"/>
+          </a:ln>
+        </p:spPr>
+        <p:style>
+          <a:lnRef idx="2">
+            <a:schemeClr val="dk1"/>
+          </a:lnRef>
+          <a:fillRef idx="0">
+            <a:schemeClr val="dk1"/>
+          </a:fillRef>
+          <a:effectRef idx="1">
+            <a:schemeClr val="dk1"/>
+          </a:effectRef>
+          <a:fontRef idx="minor">
+            <a:schemeClr val="tx1"/>
+          </a:fontRef>
+        </p:style>
+      </p:cxnSp>
+    </p:spTree>
+    <p:extLst>
+      <p:ext uri="{BB962C8B-B14F-4D97-AF65-F5344CB8AC3E}">
+        <p14:creationId xmlns:p14="http://schemas.microsoft.com/office/powerpoint/2010/main" val="542130898"/>
+      </p:ext>
+    </p:extLst>
+  </p:cSld>
+  <p:clrMapOvr>
+    <a:masterClrMapping/>
+  </p:clrMapOvr>
+</p:sld>
+</file>
+
+<file path=ppt/slides/slide16.xml><?xml version="1.0" encoding="utf-8"?>
+<p:sld xmlns:a="http://schemas.openxmlformats.org/drawingml/2006/main" xmlns:r="http://schemas.openxmlformats.org/officeDocument/2006/relationships" xmlns:p="http://schemas.openxmlformats.org/presentationml/2006/main">
+  <p:cSld>
+    <p:spTree>
+      <p:nvGrpSpPr>
+        <p:cNvPr id="1" name=""/>
+        <p:cNvGrpSpPr/>
+        <p:nvPr/>
+      </p:nvGrpSpPr>
+      <p:grpSpPr>
+        <a:xfrm>
+          <a:off x="0" y="0"/>
+          <a:ext cx="0" cy="0"/>
+          <a:chOff x="0" y="0"/>
+          <a:chExt cx="0" cy="0"/>
+        </a:xfrm>
+      </p:grpSpPr>
+      <p:sp>
+        <p:nvSpPr>
+          <p:cNvPr id="2" name="Title 1"/>
+          <p:cNvSpPr>
+            <a:spLocks noGrp="1"/>
+          </p:cNvSpPr>
+          <p:nvPr>
+            <p:ph type="title"/>
+          </p:nvPr>
+        </p:nvSpPr>
+        <p:spPr/>
+        <p:txBody>
+          <a:bodyPr/>
+          <a:lstStyle/>
+          <a:p>
+            <a:r>
+              <a:rPr lang="en-US" dirty="0" smtClean="0"/>
+              <a:t>Additional References</a:t>
+            </a:r>
+            <a:endParaRPr lang="en-US" dirty="0"/>
+          </a:p>
+        </p:txBody>
+      </p:sp>
+      <p:sp>
+        <p:nvSpPr>
+          <p:cNvPr id="3" name="Content Placeholder 2"/>
+          <p:cNvSpPr>
+            <a:spLocks noGrp="1"/>
+          </p:cNvSpPr>
+          <p:nvPr>
+            <p:ph idx="1"/>
+          </p:nvPr>
+        </p:nvSpPr>
+        <p:spPr/>
+        <p:txBody>
+          <a:bodyPr/>
+          <a:lstStyle/>
+          <a:p>
+            <a:r>
+              <a:rPr lang="en-US" dirty="0" smtClean="0"/>
+              <a:t>GIT SCM (Official Site)</a:t>
+            </a:r>
+          </a:p>
+          <a:p>
+            <a:pPr lvl="1"/>
+            <a:r>
+              <a:rPr lang="en-US" dirty="0">
+                <a:hlinkClick r:id="rId2"/>
+              </a:rPr>
+              <a:t>https://git-scm.com</a:t>
+            </a:r>
+            <a:r>
+              <a:rPr lang="en-US" dirty="0" smtClean="0">
+                <a:hlinkClick r:id="rId2"/>
+              </a:rPr>
+              <a:t>/</a:t>
+            </a:r>
+            <a:r>
+              <a:rPr lang="en-US" dirty="0" smtClean="0"/>
+              <a:t> </a:t>
+            </a:r>
+            <a:endParaRPr lang="en-US" dirty="0"/>
+          </a:p>
+          <a:p>
+            <a:r>
+              <a:rPr lang="en-US" dirty="0" err="1" smtClean="0"/>
+              <a:t>git</a:t>
+            </a:r>
+            <a:r>
+              <a:rPr lang="en-US" dirty="0" smtClean="0"/>
+              <a:t> </a:t>
+            </a:r>
+            <a:r>
+              <a:rPr lang="en-US" dirty="0"/>
+              <a:t>- the simple guide</a:t>
+            </a:r>
+          </a:p>
+          <a:p>
+            <a:pPr lvl="1"/>
+            <a:r>
+              <a:rPr lang="en-US" dirty="0">
+                <a:hlinkClick r:id="rId3"/>
+              </a:rPr>
+              <a:t>https://rogerdudler.github.io/git-guide</a:t>
+            </a:r>
+            <a:r>
+              <a:rPr lang="en-US" dirty="0" smtClean="0">
+                <a:hlinkClick r:id="rId3"/>
+              </a:rPr>
+              <a:t>/</a:t>
+            </a:r>
+            <a:r>
+              <a:rPr lang="en-US" dirty="0" smtClean="0"/>
+              <a:t> </a:t>
+            </a:r>
+          </a:p>
+          <a:p>
+            <a:r>
+              <a:rPr lang="en-US" dirty="0" smtClean="0"/>
+              <a:t>GitHub GIT CHEAT SHEET</a:t>
+            </a:r>
+          </a:p>
+          <a:p>
+            <a:pPr lvl="1"/>
+            <a:r>
+              <a:rPr lang="en-US" dirty="0">
+                <a:hlinkClick r:id="rId4"/>
+              </a:rPr>
+              <a:t>https://</a:t>
+            </a:r>
+            <a:r>
+              <a:rPr lang="en-US" dirty="0" smtClean="0">
+                <a:hlinkClick r:id="rId4"/>
+              </a:rPr>
+              <a:t>services.github.com/on-demand/downloads/github-git-cheat-sheet.pdf</a:t>
+            </a:r>
+            <a:r>
+              <a:rPr lang="en-US" dirty="0" smtClean="0"/>
+              <a:t> </a:t>
+            </a:r>
+            <a:endParaRPr lang="en-US" dirty="0"/>
+          </a:p>
+          <a:p>
+            <a:endParaRPr lang="en-US" dirty="0"/>
+          </a:p>
+        </p:txBody>
+      </p:sp>
+    </p:spTree>
+    <p:extLst>
+      <p:ext uri="{BB962C8B-B14F-4D97-AF65-F5344CB8AC3E}">
+        <p14:creationId xmlns:p14="http://schemas.microsoft.com/office/powerpoint/2010/main" val="1723368730"/>
+      </p:ext>
+    </p:extLst>
+  </p:cSld>
+  <p:clrMapOvr>
+    <a:masterClrMapping/>
+  </p:clrMapOvr>
+</p:sld>
+</file>
+
+<file path=ppt/slides/slide17.xml><?xml version="1.0" encoding="utf-8"?>
+<p:sld xmlns:a="http://schemas.openxmlformats.org/drawingml/2006/main" xmlns:r="http://schemas.openxmlformats.org/officeDocument/2006/relationships" xmlns:p="http://schemas.openxmlformats.org/presentationml/2006/main">
+  <p:cSld>
+    <p:spTree>
+      <p:nvGrpSpPr>
+        <p:cNvPr id="1" name=""/>
+        <p:cNvGrpSpPr/>
+        <p:nvPr/>
+      </p:nvGrpSpPr>
+      <p:grpSpPr>
+        <a:xfrm>
+          <a:off x="0" y="0"/>
+          <a:ext cx="0" cy="0"/>
+          <a:chOff x="0" y="0"/>
+          <a:chExt cx="0" cy="0"/>
+        </a:xfrm>
+      </p:grpSpPr>
+      <p:sp>
+        <p:nvSpPr>
+          <p:cNvPr id="2" name="Title 1"/>
+          <p:cNvSpPr>
+            <a:spLocks noGrp="1"/>
+          </p:cNvSpPr>
+          <p:nvPr>
+            <p:ph type="title"/>
+          </p:nvPr>
+        </p:nvSpPr>
+        <p:spPr/>
+        <p:txBody>
+          <a:bodyPr/>
+          <a:lstStyle/>
+          <a:p>
+            <a:r>
+              <a:rPr lang="en-US" dirty="0" smtClean="0"/>
+              <a:t>Citations</a:t>
+            </a:r>
+            <a:endParaRPr lang="en-US" dirty="0"/>
+          </a:p>
+        </p:txBody>
+      </p:sp>
+      <p:sp>
+        <p:nvSpPr>
+          <p:cNvPr id="3" name="Content Placeholder 2"/>
+          <p:cNvSpPr>
+            <a:spLocks noGrp="1"/>
+          </p:cNvSpPr>
+          <p:nvPr>
+            <p:ph idx="1"/>
+          </p:nvPr>
+        </p:nvSpPr>
+        <p:spPr/>
+        <p:txBody>
+          <a:bodyPr/>
+          <a:lstStyle/>
+          <a:p>
+            <a:r>
+              <a:rPr lang="en-US" dirty="0" smtClean="0"/>
+              <a:t>Figures from the CASE section: </a:t>
+            </a:r>
+            <a:r>
+              <a:rPr lang="en-US" dirty="0" err="1" smtClean="0"/>
+              <a:t>ProGit</a:t>
+            </a:r>
+            <a:r>
+              <a:rPr lang="en-US" dirty="0" smtClean="0"/>
+              <a:t> 2</a:t>
+            </a:r>
+            <a:r>
+              <a:rPr lang="en-US" baseline="30000" dirty="0" smtClean="0"/>
+              <a:t>nd</a:t>
+            </a:r>
+            <a:r>
+              <a:rPr lang="en-US" dirty="0" smtClean="0"/>
+              <a:t> Edition (2014) by Scott Chacon and Ben Straub released under a CC NC SA license.</a:t>
+            </a:r>
+          </a:p>
+          <a:p>
+            <a:r>
+              <a:rPr lang="en-US" dirty="0" smtClean="0"/>
+              <a:t>GitHub Diff from GitHub.com </a:t>
+            </a:r>
+            <a:endParaRPr lang="en-US" dirty="0"/>
+          </a:p>
+        </p:txBody>
+      </p:sp>
+    </p:spTree>
+    <p:extLst>
+      <p:ext uri="{BB962C8B-B14F-4D97-AF65-F5344CB8AC3E}">
+        <p14:creationId xmlns:p14="http://schemas.microsoft.com/office/powerpoint/2010/main" val="4272459513"/>
+      </p:ext>
+    </p:extLst>
+  </p:cSld>
+  <p:clrMapOvr>
+    <a:masterClrMapping/>
+  </p:clrMapOvr>
+</p:sld>
+</file>
+
+<file path=ppt/slides/slide2.xml><?xml version="1.0" encoding="utf-8"?>
+<p:sld xmlns:a="http://schemas.openxmlformats.org/drawingml/2006/main" xmlns:r="http://schemas.openxmlformats.org/officeDocument/2006/relationships" xmlns:p="http://schemas.openxmlformats.org/presentationml/2006/main">
+  <p:cSld>
+    <p:spTree>
+      <p:nvGrpSpPr>
+        <p:cNvPr id="1" name=""/>
+        <p:cNvGrpSpPr/>
+        <p:nvPr/>
+      </p:nvGrpSpPr>
+      <p:grpSpPr>
+        <a:xfrm>
+          <a:off x="0" y="0"/>
+          <a:ext cx="0" cy="0"/>
+          <a:chOff x="0" y="0"/>
+          <a:chExt cx="0" cy="0"/>
+        </a:xfrm>
+      </p:grpSpPr>
+      <p:sp>
+        <p:nvSpPr>
+          <p:cNvPr id="2" name="Title 1"/>
+          <p:cNvSpPr>
+            <a:spLocks noGrp="1"/>
+          </p:cNvSpPr>
+          <p:nvPr>
+            <p:ph type="title"/>
+          </p:nvPr>
+        </p:nvSpPr>
+        <p:spPr/>
+        <p:txBody>
+          <a:bodyPr>
+            <a:normAutofit/>
+          </a:bodyPr>
+          <a:lstStyle/>
+          <a:p>
+            <a:r>
+              <a:rPr lang="en-US" dirty="0" smtClean="0"/>
+              <a:t>$man </a:t>
+            </a:r>
+            <a:r>
+              <a:rPr lang="en-US" dirty="0" err="1" smtClean="0"/>
+              <a:t>git</a:t>
+            </a:r>
+            <a:endParaRPr lang="en-US" dirty="0"/>
+          </a:p>
+        </p:txBody>
+      </p:sp>
+      <p:sp>
+        <p:nvSpPr>
+          <p:cNvPr id="3" name="Content Placeholder 2"/>
+          <p:cNvSpPr>
+            <a:spLocks noGrp="1"/>
+          </p:cNvSpPr>
+          <p:nvPr>
+            <p:ph idx="1"/>
+          </p:nvPr>
+        </p:nvSpPr>
+        <p:spPr/>
+        <p:txBody>
+          <a:bodyPr>
+            <a:normAutofit/>
+          </a:bodyPr>
+          <a:lstStyle/>
+          <a:p>
+            <a:pPr marL="0" indent="0">
+              <a:buNone/>
+            </a:pPr>
+            <a:r>
+              <a:rPr lang="en-US" sz="2800" b="1" dirty="0" smtClean="0"/>
+              <a:t>NAME</a:t>
+            </a:r>
+            <a:endParaRPr lang="en-US" sz="2800" b="1" dirty="0"/>
+          </a:p>
+          <a:p>
+            <a:pPr marL="0" indent="0">
+              <a:buNone/>
+            </a:pPr>
+            <a:r>
+              <a:rPr lang="en-US" sz="2400" dirty="0" err="1" smtClean="0"/>
+              <a:t>git</a:t>
+            </a:r>
+            <a:r>
+              <a:rPr lang="en-US" sz="2400" dirty="0" smtClean="0"/>
+              <a:t> </a:t>
+            </a:r>
+            <a:r>
+              <a:rPr lang="en-US" sz="2400" dirty="0"/>
+              <a:t>- the stupid content </a:t>
+            </a:r>
+            <a:r>
+              <a:rPr lang="en-US" sz="2400" dirty="0" smtClean="0"/>
+              <a:t>tracker</a:t>
+            </a:r>
+          </a:p>
+          <a:p>
+            <a:pPr marL="0" indent="0">
+              <a:buNone/>
+            </a:pPr>
+            <a:endParaRPr lang="en-US" sz="2800" dirty="0"/>
+          </a:p>
+          <a:p>
+            <a:pPr marL="0" indent="0">
+              <a:buNone/>
+            </a:pPr>
+            <a:r>
+              <a:rPr lang="en-US" sz="2800" b="1" dirty="0"/>
+              <a:t>DESCRIPTION</a:t>
+            </a:r>
+          </a:p>
+          <a:p>
+            <a:pPr marL="0" indent="0">
+              <a:buNone/>
+            </a:pPr>
+            <a:r>
+              <a:rPr lang="en-US" sz="2400" dirty="0" smtClean="0"/>
+              <a:t>GIT </a:t>
+            </a:r>
+            <a:r>
+              <a:rPr lang="en-US" sz="2400" dirty="0"/>
+              <a:t>is a fast, scalable, distributed revision control system with </a:t>
+            </a:r>
+            <a:r>
+              <a:rPr lang="en-US" sz="2400" dirty="0" smtClean="0"/>
+              <a:t>an unusually </a:t>
+            </a:r>
+            <a:r>
+              <a:rPr lang="en-US" sz="2400" dirty="0"/>
+              <a:t>rich command set that provides both high-level operations </a:t>
+            </a:r>
+            <a:r>
+              <a:rPr lang="en-US" sz="2400" dirty="0" smtClean="0"/>
+              <a:t>and full </a:t>
+            </a:r>
+            <a:r>
+              <a:rPr lang="en-US" sz="2400" dirty="0"/>
+              <a:t>access to internals</a:t>
+            </a:r>
+            <a:r>
+              <a:rPr lang="en-US" sz="2400" dirty="0" smtClean="0"/>
+              <a:t>.</a:t>
+            </a:r>
+            <a:endParaRPr lang="en-US" sz="2400" dirty="0"/>
+          </a:p>
+        </p:txBody>
+      </p:sp>
+    </p:spTree>
+    <p:extLst>
+      <p:ext uri="{BB962C8B-B14F-4D97-AF65-F5344CB8AC3E}">
+        <p14:creationId xmlns:p14="http://schemas.microsoft.com/office/powerpoint/2010/main" val="1775524592"/>
+      </p:ext>
+    </p:extLst>
+  </p:cSld>
+  <p:clrMapOvr>
+    <a:masterClrMapping/>
+  </p:clrMapOvr>
+</p:sld>
+</file>
+
+<file path=ppt/slides/slide3.xml><?xml version="1.0" encoding="utf-8"?>
+<p:sld xmlns:a="http://schemas.openxmlformats.org/drawingml/2006/main" xmlns:r="http://schemas.openxmlformats.org/officeDocument/2006/relationships" xmlns:p="http://schemas.openxmlformats.org/presentationml/2006/main">
+  <p:cSld>
+    <p:spTree>
+      <p:nvGrpSpPr>
+        <p:cNvPr id="1" name=""/>
+        <p:cNvGrpSpPr/>
+        <p:nvPr/>
+      </p:nvGrpSpPr>
+      <p:grpSpPr>
+        <a:xfrm>
+          <a:off x="0" y="0"/>
+          <a:ext cx="0" cy="0"/>
+          <a:chOff x="0" y="0"/>
+          <a:chExt cx="0" cy="0"/>
+        </a:xfrm>
+      </p:grpSpPr>
+      <p:sp>
+        <p:nvSpPr>
+          <p:cNvPr id="2" name="Title 1"/>
+          <p:cNvSpPr>
+            <a:spLocks noGrp="1"/>
+          </p:cNvSpPr>
+          <p:nvPr>
+            <p:ph type="ctrTitle"/>
+          </p:nvPr>
+        </p:nvSpPr>
+        <p:spPr/>
+        <p:txBody>
+          <a:bodyPr/>
+          <a:lstStyle/>
+          <a:p>
+            <a:r>
+              <a:rPr lang="en-US" dirty="0" smtClean="0"/>
+              <a:t>Applications</a:t>
+            </a:r>
+            <a:endParaRPr lang="en-US" dirty="0"/>
+          </a:p>
+        </p:txBody>
+      </p:sp>
+      <p:sp>
+        <p:nvSpPr>
+          <p:cNvPr id="3" name="Subtitle 2"/>
+          <p:cNvSpPr>
+            <a:spLocks noGrp="1"/>
+          </p:cNvSpPr>
+          <p:nvPr>
+            <p:ph type="subTitle" idx="1"/>
+          </p:nvPr>
+        </p:nvSpPr>
+        <p:spPr/>
+        <p:txBody>
+          <a:bodyPr/>
+          <a:lstStyle/>
+          <a:p>
+            <a:r>
+              <a:rPr lang="en-US" dirty="0" smtClean="0"/>
+              <a:t>Why should I care?</a:t>
+            </a:r>
+            <a:endParaRPr lang="en-US" dirty="0"/>
+          </a:p>
+        </p:txBody>
+      </p:sp>
+    </p:spTree>
+    <p:extLst>
+      <p:ext uri="{BB962C8B-B14F-4D97-AF65-F5344CB8AC3E}">
+        <p14:creationId xmlns:p14="http://schemas.microsoft.com/office/powerpoint/2010/main" val="1488760918"/>
+      </p:ext>
+    </p:extLst>
+  </p:cSld>
+  <p:clrMapOvr>
+    <a:masterClrMapping/>
+  </p:clrMapOvr>
+</p:sld>
+</file>
+
+<file path=ppt/slides/slide4.xml><?xml version="1.0" encoding="utf-8"?>
+<p:sld xmlns:a="http://schemas.openxmlformats.org/drawingml/2006/main" xmlns:r="http://schemas.openxmlformats.org/officeDocument/2006/relationships" xmlns:p="http://schemas.openxmlformats.org/presentationml/2006/main">
+  <p:cSld>
+    <p:spTree>
+      <p:nvGrpSpPr>
+        <p:cNvPr id="1" name=""/>
+        <p:cNvGrpSpPr/>
+        <p:nvPr/>
+      </p:nvGrpSpPr>
+      <p:grpSpPr>
+        <a:xfrm>
+          <a:off x="0" y="0"/>
+          <a:ext cx="0" cy="0"/>
+          <a:chOff x="0" y="0"/>
+          <a:chExt cx="0" cy="0"/>
+        </a:xfrm>
+      </p:grpSpPr>
+      <p:sp>
+        <p:nvSpPr>
+          <p:cNvPr id="2" name="Title 1"/>
+          <p:cNvSpPr>
+            <a:spLocks noGrp="1"/>
+          </p:cNvSpPr>
+          <p:nvPr>
+            <p:ph type="title"/>
+          </p:nvPr>
+        </p:nvSpPr>
+        <p:spPr/>
+        <p:txBody>
+          <a:bodyPr>
+            <a:normAutofit/>
+          </a:bodyPr>
+          <a:lstStyle/>
+          <a:p>
+            <a:r>
+              <a:rPr lang="en-US" dirty="0" smtClean="0"/>
+              <a:t>CASE 1: The New Breaks The Old </a:t>
+            </a:r>
+            <a:endParaRPr lang="en-US" dirty="0"/>
+          </a:p>
+        </p:txBody>
+      </p:sp>
+      <p:sp>
+        <p:nvSpPr>
+          <p:cNvPr id="3" name="Content Placeholder 2"/>
+          <p:cNvSpPr>
+            <a:spLocks noGrp="1"/>
+          </p:cNvSpPr>
+          <p:nvPr>
+            <p:ph idx="1"/>
+          </p:nvPr>
+        </p:nvSpPr>
+        <p:spPr/>
+        <p:txBody>
+          <a:bodyPr>
+            <a:normAutofit lnSpcReduction="10000"/>
+          </a:bodyPr>
+          <a:lstStyle/>
+          <a:p>
+            <a:r>
+              <a:rPr lang="en-US" dirty="0" smtClean="0"/>
+              <a:t>Fixing a smaller problem breaks a significant feature.</a:t>
+            </a:r>
+          </a:p>
+          <a:p>
+            <a:pPr lvl="1"/>
+            <a:r>
+              <a:rPr lang="en-US" dirty="0" smtClean="0"/>
+              <a:t>Is there a backup of an older version?</a:t>
+            </a:r>
+          </a:p>
+          <a:p>
+            <a:pPr lvl="2"/>
+            <a:r>
+              <a:rPr lang="en-US" dirty="0" smtClean="0"/>
+              <a:t>Is the older version the most recent?</a:t>
+            </a:r>
+          </a:p>
+          <a:p>
+            <a:pPr lvl="2"/>
+            <a:r>
+              <a:rPr lang="en-US" dirty="0" smtClean="0"/>
+              <a:t>What work, if any, must be redone (lost productivity)?</a:t>
+            </a:r>
+          </a:p>
+          <a:p>
+            <a:pPr lvl="1"/>
+            <a:r>
+              <a:rPr lang="en-US" dirty="0" smtClean="0"/>
+              <a:t>What changed?</a:t>
+            </a:r>
+          </a:p>
+          <a:p>
+            <a:pPr lvl="2"/>
+            <a:r>
+              <a:rPr lang="en-US" dirty="0" smtClean="0"/>
+              <a:t>It follows that the incompatibility is a result of an interaction between the broken feature, and what changed.</a:t>
+            </a:r>
+          </a:p>
+          <a:p>
+            <a:r>
+              <a:rPr lang="en-US" dirty="0" smtClean="0"/>
+              <a:t>This is why version control is important.</a:t>
+            </a:r>
+            <a:endParaRPr lang="en-US" dirty="0"/>
+          </a:p>
+        </p:txBody>
+      </p:sp>
+    </p:spTree>
+    <p:extLst>
+      <p:ext uri="{BB962C8B-B14F-4D97-AF65-F5344CB8AC3E}">
+        <p14:creationId xmlns:p14="http://schemas.microsoft.com/office/powerpoint/2010/main" val="3402657905"/>
+      </p:ext>
+    </p:extLst>
+  </p:cSld>
+  <p:clrMapOvr>
+    <a:masterClrMapping/>
+  </p:clrMapOvr>
+</p:sld>
+</file>
+
+<file path=ppt/slides/slide5.xml><?xml version="1.0" encoding="utf-8"?>
+<p:sld xmlns:a="http://schemas.openxmlformats.org/drawingml/2006/main" xmlns:r="http://schemas.openxmlformats.org/officeDocument/2006/relationships" xmlns:p="http://schemas.openxmlformats.org/presentationml/2006/main">
+  <p:cSld>
+    <p:spTree>
+      <p:nvGrpSpPr>
+        <p:cNvPr id="1" name=""/>
+        <p:cNvGrpSpPr/>
+        <p:nvPr/>
+      </p:nvGrpSpPr>
+      <p:grpSpPr>
+        <a:xfrm>
+          <a:off x="0" y="0"/>
+          <a:ext cx="0" cy="0"/>
+          <a:chOff x="0" y="0"/>
+          <a:chExt cx="0" cy="0"/>
+        </a:xfrm>
+      </p:grpSpPr>
+      <p:sp>
+        <p:nvSpPr>
+          <p:cNvPr id="2" name="Title 1"/>
+          <p:cNvSpPr>
+            <a:spLocks noGrp="1"/>
+          </p:cNvSpPr>
+          <p:nvPr>
+            <p:ph type="title"/>
+          </p:nvPr>
+        </p:nvSpPr>
+        <p:spPr/>
+        <p:txBody>
+          <a:bodyPr/>
+          <a:lstStyle/>
+          <a:p>
+            <a:r>
+              <a:rPr lang="en-US" dirty="0"/>
+              <a:t>CASE 1: The New Breaks The Old </a:t>
+            </a:r>
+          </a:p>
+        </p:txBody>
+      </p:sp>
+      <p:pic>
+        <p:nvPicPr>
+          <p:cNvPr id="6146" name="Picture 2" descr="C:\Users\User\Downloads\progit2-master\progit2-master\images\data-model-3.png"/>
+          <p:cNvPicPr>
+            <a:picLocks noChangeAspect="1" noChangeArrowheads="1"/>
+          </p:cNvPicPr>
+          <p:nvPr/>
+        </p:nvPicPr>
+        <p:blipFill>
+          <a:blip r:embed="rId2">
+            <a:extLst>
+              <a:ext uri="{28A0092B-C50C-407E-A947-70E740481C1C}">
+                <a14:useLocalDpi xmlns:a14="http://schemas.microsoft.com/office/drawing/2010/main" val="0"/>
+              </a:ext>
+            </a:extLst>
+          </a:blip>
+          <a:srcRect/>
+          <a:stretch>
+            <a:fillRect/>
+          </a:stretch>
+        </p:blipFill>
+        <p:spPr bwMode="auto">
+          <a:xfrm>
+            <a:off x="762000" y="1158779"/>
+            <a:ext cx="7620000" cy="5667375"/>
+          </a:xfrm>
+          <a:prstGeom prst="rect">
+            <a:avLst/>
+          </a:prstGeom>
+          <a:noFill/>
+          <a:extLst>
+            <a:ext uri="{909E8E84-426E-40DD-AFC4-6F175D3DCCD1}">
+              <a14:hiddenFill xmlns:a14="http://schemas.microsoft.com/office/drawing/2010/main">
+                <a:solidFill>
+                  <a:srgbClr val="FFFFFF"/>
+                </a:solidFill>
+              </a14:hiddenFill>
+            </a:ext>
+          </a:extLst>
+        </p:spPr>
+      </p:pic>
+    </p:spTree>
+    <p:extLst>
+      <p:ext uri="{BB962C8B-B14F-4D97-AF65-F5344CB8AC3E}">
+        <p14:creationId xmlns:p14="http://schemas.microsoft.com/office/powerpoint/2010/main" val="1431662479"/>
+      </p:ext>
+    </p:extLst>
+  </p:cSld>
+  <p:clrMapOvr>
+    <a:masterClrMapping/>
+  </p:clrMapOvr>
+</p:sld>
+</file>
+
+<file path=ppt/slides/slide6.xml><?xml version="1.0" encoding="utf-8"?>
+<p:sld xmlns:a="http://schemas.openxmlformats.org/drawingml/2006/main" xmlns:r="http://schemas.openxmlformats.org/officeDocument/2006/relationships" xmlns:p="http://schemas.openxmlformats.org/presentationml/2006/main">
+  <p:cSld>
+    <p:spTree>
+      <p:nvGrpSpPr>
+        <p:cNvPr id="1" name=""/>
+        <p:cNvGrpSpPr/>
+        <p:nvPr/>
+      </p:nvGrpSpPr>
+      <p:grpSpPr>
+        <a:xfrm>
+          <a:off x="0" y="0"/>
+          <a:ext cx="0" cy="0"/>
+          <a:chOff x="0" y="0"/>
+          <a:chExt cx="0" cy="0"/>
+        </a:xfrm>
+      </p:grpSpPr>
+      <p:sp>
+        <p:nvSpPr>
+          <p:cNvPr id="2" name="Title 1"/>
+          <p:cNvSpPr>
+            <a:spLocks noGrp="1"/>
+          </p:cNvSpPr>
+          <p:nvPr>
+            <p:ph type="title"/>
+          </p:nvPr>
+        </p:nvSpPr>
+        <p:spPr/>
+        <p:txBody>
+          <a:bodyPr/>
+          <a:lstStyle/>
+          <a:p>
+            <a:r>
+              <a:rPr lang="en-US" dirty="0" smtClean="0"/>
+              <a:t>CASE 2: Multiple Team Members</a:t>
+            </a:r>
+            <a:endParaRPr lang="en-US" dirty="0"/>
+          </a:p>
+        </p:txBody>
+      </p:sp>
+      <p:sp>
+        <p:nvSpPr>
+          <p:cNvPr id="3" name="Content Placeholder 2"/>
+          <p:cNvSpPr>
+            <a:spLocks noGrp="1"/>
+          </p:cNvSpPr>
+          <p:nvPr>
+            <p:ph idx="1"/>
+          </p:nvPr>
+        </p:nvSpPr>
+        <p:spPr/>
+        <p:txBody>
+          <a:bodyPr>
+            <a:normAutofit/>
+          </a:bodyPr>
+          <a:lstStyle/>
+          <a:p>
+            <a:r>
+              <a:rPr lang="en-US" dirty="0" smtClean="0"/>
+              <a:t>Multiple individuals need to work on the same file.</a:t>
+            </a:r>
+          </a:p>
+          <a:p>
+            <a:pPr lvl="1"/>
+            <a:r>
+              <a:rPr lang="en-US" dirty="0" smtClean="0"/>
+              <a:t>Option A: Only one may work on the file at a time (Checkout Model).</a:t>
+            </a:r>
+          </a:p>
+          <a:p>
+            <a:pPr lvl="1"/>
+            <a:r>
+              <a:rPr lang="en-US" dirty="0" smtClean="0"/>
+              <a:t>Option B: Everyone gets a copy, but you must reconcile the differences</a:t>
+            </a:r>
+            <a:r>
+              <a:rPr lang="en-US" dirty="0" smtClean="0"/>
+              <a:t>.</a:t>
+            </a:r>
+            <a:endParaRPr lang="en-US" dirty="0" smtClean="0"/>
+          </a:p>
+        </p:txBody>
+      </p:sp>
+    </p:spTree>
+    <p:extLst>
+      <p:ext uri="{BB962C8B-B14F-4D97-AF65-F5344CB8AC3E}">
+        <p14:creationId xmlns:p14="http://schemas.microsoft.com/office/powerpoint/2010/main" val="1690981357"/>
+      </p:ext>
+    </p:extLst>
+  </p:cSld>
+  <p:clrMapOvr>
+    <a:masterClrMapping/>
+  </p:clrMapOvr>
+</p:sld>
+</file>
+
+<file path=ppt/slides/slide7.xml><?xml version="1.0" encoding="utf-8"?>
+<p:sld xmlns:a="http://schemas.openxmlformats.org/drawingml/2006/main" xmlns:r="http://schemas.openxmlformats.org/officeDocument/2006/relationships" xmlns:p="http://schemas.openxmlformats.org/presentationml/2006/main">
+  <p:cSld>
+    <p:spTree>
+      <p:nvGrpSpPr>
+        <p:cNvPr id="1" name=""/>
+        <p:cNvGrpSpPr/>
+        <p:nvPr/>
+      </p:nvGrpSpPr>
+      <p:grpSpPr>
+        <a:xfrm>
+          <a:off x="0" y="0"/>
+          <a:ext cx="0" cy="0"/>
+          <a:chOff x="0" y="0"/>
+          <a:chExt cx="0" cy="0"/>
+        </a:xfrm>
+      </p:grpSpPr>
+      <p:sp>
+        <p:nvSpPr>
+          <p:cNvPr id="2" name="Title 1"/>
+          <p:cNvSpPr>
+            <a:spLocks noGrp="1"/>
+          </p:cNvSpPr>
+          <p:nvPr>
+            <p:ph type="title"/>
+          </p:nvPr>
+        </p:nvSpPr>
+        <p:spPr/>
+        <p:txBody>
+          <a:bodyPr/>
+          <a:lstStyle/>
+          <a:p>
+            <a:r>
+              <a:rPr lang="en-US" dirty="0"/>
+              <a:t>CASE 2: Multiple Team Members</a:t>
+            </a:r>
+          </a:p>
+        </p:txBody>
+      </p:sp>
+      <p:sp>
+        <p:nvSpPr>
+          <p:cNvPr id="3" name="Content Placeholder 2"/>
+          <p:cNvSpPr>
+            <a:spLocks noGrp="1"/>
+          </p:cNvSpPr>
+          <p:nvPr>
+            <p:ph idx="1"/>
+          </p:nvPr>
+        </p:nvSpPr>
+        <p:spPr>
+          <a:xfrm>
+            <a:off x="457200" y="1600200"/>
+            <a:ext cx="4114800" cy="4525963"/>
+          </a:xfrm>
+        </p:spPr>
+        <p:txBody>
+          <a:bodyPr>
+            <a:normAutofit fontScale="92500" lnSpcReduction="20000"/>
+          </a:bodyPr>
+          <a:lstStyle/>
+          <a:p>
+            <a:r>
+              <a:rPr lang="en-US" dirty="0"/>
+              <a:t>GIT follows Option B.</a:t>
+            </a:r>
+          </a:p>
+          <a:p>
+            <a:pPr lvl="1"/>
+            <a:r>
+              <a:rPr lang="en-US" dirty="0"/>
+              <a:t>Some overhead reconciling differences is created.</a:t>
+            </a:r>
+          </a:p>
+          <a:p>
+            <a:pPr lvl="1"/>
+            <a:r>
+              <a:rPr lang="en-US" dirty="0"/>
+              <a:t>GIT’s model requires changes be made with respect the current version.</a:t>
+            </a:r>
+          </a:p>
+          <a:p>
+            <a:pPr lvl="2"/>
+            <a:r>
+              <a:rPr lang="en-US" dirty="0"/>
+              <a:t>NOTE: This can be a problem if the version changes will submitting a commit. The process must be restarted</a:t>
+            </a:r>
+            <a:r>
+              <a:rPr lang="en-US" dirty="0" smtClean="0"/>
+              <a:t>.</a:t>
+            </a:r>
+            <a:endParaRPr lang="en-US" dirty="0"/>
+          </a:p>
+        </p:txBody>
+      </p:sp>
+      <p:pic>
+        <p:nvPicPr>
+          <p:cNvPr id="3074" name="Picture 2" descr="C:\Users\User\Downloads\progit2-master\progit2-master\images\small-team-flow.png"/>
+          <p:cNvPicPr>
+            <a:picLocks noChangeAspect="1" noChangeArrowheads="1"/>
+          </p:cNvPicPr>
+          <p:nvPr/>
+        </p:nvPicPr>
+        <p:blipFill>
+          <a:blip r:embed="rId2">
+            <a:extLst>
+              <a:ext uri="{28A0092B-C50C-407E-A947-70E740481C1C}">
+                <a14:useLocalDpi xmlns:a14="http://schemas.microsoft.com/office/drawing/2010/main" val="0"/>
+              </a:ext>
+            </a:extLst>
+          </a:blip>
+          <a:srcRect/>
+          <a:stretch>
+            <a:fillRect/>
+          </a:stretch>
+        </p:blipFill>
+        <p:spPr bwMode="auto">
+          <a:xfrm>
+            <a:off x="4495800" y="1111753"/>
+            <a:ext cx="4443900" cy="5670047"/>
+          </a:xfrm>
+          <a:prstGeom prst="rect">
+            <a:avLst/>
+          </a:prstGeom>
+          <a:noFill/>
+          <a:extLst>
+            <a:ext uri="{909E8E84-426E-40DD-AFC4-6F175D3DCCD1}">
+              <a14:hiddenFill xmlns:a14="http://schemas.microsoft.com/office/drawing/2010/main">
+                <a:solidFill>
+                  <a:srgbClr val="FFFFFF"/>
+                </a:solidFill>
+              </a14:hiddenFill>
+            </a:ext>
+          </a:extLst>
+        </p:spPr>
+      </p:pic>
+    </p:spTree>
+    <p:extLst>
+      <p:ext uri="{BB962C8B-B14F-4D97-AF65-F5344CB8AC3E}">
+        <p14:creationId xmlns:p14="http://schemas.microsoft.com/office/powerpoint/2010/main" val="3655612316"/>
+      </p:ext>
+    </p:extLst>
+  </p:cSld>
+  <p:clrMapOvr>
+    <a:masterClrMapping/>
+  </p:clrMapOvr>
+</p:sld>
+</file>
+
+<file path=ppt/slides/slide8.xml><?xml version="1.0" encoding="utf-8"?>
+<p:sld xmlns:a="http://schemas.openxmlformats.org/drawingml/2006/main" xmlns:r="http://schemas.openxmlformats.org/officeDocument/2006/relationships" xmlns:p="http://schemas.openxmlformats.org/presentationml/2006/main">
+  <p:cSld>
+    <p:spTree>
+      <p:nvGrpSpPr>
+        <p:cNvPr id="1" name=""/>
+        <p:cNvGrpSpPr/>
+        <p:nvPr/>
+      </p:nvGrpSpPr>
+      <p:grpSpPr>
+        <a:xfrm>
+          <a:off x="0" y="0"/>
+          <a:ext cx="0" cy="0"/>
+          <a:chOff x="0" y="0"/>
+          <a:chExt cx="0" cy="0"/>
+        </a:xfrm>
+      </p:grpSpPr>
+      <p:sp>
+        <p:nvSpPr>
+          <p:cNvPr id="2" name="Title 1"/>
+          <p:cNvSpPr>
+            <a:spLocks noGrp="1"/>
+          </p:cNvSpPr>
+          <p:nvPr>
+            <p:ph type="title"/>
+          </p:nvPr>
+        </p:nvSpPr>
+        <p:spPr/>
+        <p:txBody>
+          <a:bodyPr/>
+          <a:lstStyle/>
+          <a:p>
+            <a:r>
+              <a:rPr lang="en-US" dirty="0" smtClean="0"/>
+              <a:t>CASE 3: Everything is Broke</a:t>
+            </a:r>
+            <a:endParaRPr lang="en-US" dirty="0"/>
+          </a:p>
+        </p:txBody>
+      </p:sp>
+      <p:sp>
+        <p:nvSpPr>
+          <p:cNvPr id="3" name="Content Placeholder 2"/>
+          <p:cNvSpPr>
+            <a:spLocks noGrp="1"/>
+          </p:cNvSpPr>
+          <p:nvPr>
+            <p:ph idx="1"/>
+          </p:nvPr>
+        </p:nvSpPr>
+        <p:spPr/>
+        <p:txBody>
+          <a:bodyPr/>
+          <a:lstStyle/>
+          <a:p>
+            <a:r>
+              <a:rPr lang="en-US" dirty="0" smtClean="0"/>
+              <a:t>Sometimes changes are made without regard to their adverse impacts on the project.</a:t>
+            </a:r>
+          </a:p>
+          <a:p>
+            <a:pPr lvl="1"/>
+            <a:r>
+              <a:rPr lang="en-US" dirty="0" smtClean="0"/>
+              <a:t>Commits track whom made the change.</a:t>
+            </a:r>
+          </a:p>
+          <a:p>
+            <a:pPr lvl="1"/>
+            <a:r>
+              <a:rPr lang="en-US" dirty="0" smtClean="0"/>
+              <a:t>“</a:t>
+            </a:r>
+            <a:r>
+              <a:rPr lang="en-US" b="1" dirty="0" smtClean="0"/>
+              <a:t>Diff</a:t>
+            </a:r>
+            <a:r>
+              <a:rPr lang="en-US" dirty="0" smtClean="0"/>
+              <a:t>” allows side-by-side comparison of versions logging additions, changes, and removals</a:t>
+            </a:r>
+            <a:r>
+              <a:rPr lang="en-US" dirty="0" smtClean="0"/>
+              <a:t>.</a:t>
+            </a:r>
+            <a:endParaRPr lang="en-US" dirty="0" smtClean="0"/>
+          </a:p>
+        </p:txBody>
+      </p:sp>
+    </p:spTree>
+    <p:extLst>
+      <p:ext uri="{BB962C8B-B14F-4D97-AF65-F5344CB8AC3E}">
+        <p14:creationId xmlns:p14="http://schemas.microsoft.com/office/powerpoint/2010/main" val="3205619928"/>
+      </p:ext>
+    </p:extLst>
+  </p:cSld>
+  <p:clrMapOvr>
+    <a:masterClrMapping/>
+  </p:clrMapOvr>
+</p:sld>
+</file>
+
+<file path=ppt/slides/slide9.xml><?xml version="1.0" encoding="utf-8"?>
+<p:sld xmlns:a="http://schemas.openxmlformats.org/drawingml/2006/main" xmlns:r="http://schemas.openxmlformats.org/officeDocument/2006/relationships" xmlns:p="http://schemas.openxmlformats.org/presentationml/2006/main">
+  <p:cSld>
+    <p:spTree>
+      <p:nvGrpSpPr>
+        <p:cNvPr id="1" name=""/>
+        <p:cNvGrpSpPr/>
+        <p:nvPr/>
+      </p:nvGrpSpPr>
+      <p:grpSpPr>
+        <a:xfrm>
+          <a:off x="0" y="0"/>
+          <a:ext cx="0" cy="0"/>
+          <a:chOff x="0" y="0"/>
+          <a:chExt cx="0" cy="0"/>
+        </a:xfrm>
+      </p:grpSpPr>
+      <p:sp>
+        <p:nvSpPr>
+          <p:cNvPr id="2" name="Title 1"/>
+          <p:cNvSpPr>
+            <a:spLocks noGrp="1"/>
+          </p:cNvSpPr>
+          <p:nvPr>
+            <p:ph type="title"/>
+          </p:nvPr>
+        </p:nvSpPr>
+        <p:spPr/>
+        <p:txBody>
+          <a:bodyPr>
+            <a:normAutofit/>
+          </a:bodyPr>
+          <a:lstStyle/>
+          <a:p>
+            <a:r>
+              <a:rPr lang="en-US" sz="3600" dirty="0" smtClean="0"/>
+              <a:t>GitHub (3</a:t>
+            </a:r>
+            <a:r>
+              <a:rPr lang="en-US" sz="3600" baseline="30000" dirty="0" smtClean="0"/>
+              <a:t>rd</a:t>
+            </a:r>
+            <a:r>
+              <a:rPr lang="en-US" sz="3600" dirty="0" smtClean="0"/>
+              <a:t> Party) Implementation of Diff</a:t>
+            </a:r>
+            <a:endParaRPr lang="en-US" sz="3600" dirty="0"/>
+          </a:p>
+        </p:txBody>
+      </p:sp>
+      <p:pic>
+        <p:nvPicPr>
+          <p:cNvPr id="4098" name="Picture 2"/>
+          <p:cNvPicPr>
+            <a:picLocks noChangeAspect="1" noChangeArrowheads="1"/>
+          </p:cNvPicPr>
+          <p:nvPr/>
+        </p:nvPicPr>
+        <p:blipFill rotWithShape="1">
+          <a:blip r:embed="rId2">
+            <a:extLst>
+              <a:ext uri="{28A0092B-C50C-407E-A947-70E740481C1C}">
+                <a14:useLocalDpi xmlns:a14="http://schemas.microsoft.com/office/drawing/2010/main" val="0"/>
+              </a:ext>
+            </a:extLst>
+          </a:blip>
+          <a:srcRect l="14671" t="9453" r="47995" b="13333"/>
+          <a:stretch/>
+        </p:blipFill>
+        <p:spPr bwMode="auto">
+          <a:xfrm>
+            <a:off x="228600" y="1398733"/>
+            <a:ext cx="8686800" cy="5389891"/>
+          </a:xfrm>
+          <a:prstGeom prst="rect">
+            <a:avLst/>
+          </a:prstGeom>
+          <a:noFill/>
+          <a:ln>
+            <a:noFill/>
+          </a:ln>
+          <a:extLst>
+            <a:ext uri="{909E8E84-426E-40DD-AFC4-6F175D3DCCD1}">
+              <a14:hiddenFill xmlns:a14="http://schemas.microsoft.com/office/drawing/2010/main">
+                <a:solidFill>
+                  <a:schemeClr val="accent1"/>
+                </a:solidFill>
+              </a14:hiddenFill>
+            </a:ext>
+            <a:ext uri="{91240B29-F687-4F45-9708-019B960494DF}">
+              <a14:hiddenLine xmlns:a14="http://schemas.microsoft.com/office/drawing/2010/main" w="9525">
+                <a:solidFill>
+                  <a:schemeClr val="tx1"/>
+                </a:solidFill>
+                <a:miter lim="800000"/>
+                <a:headEnd/>
+                <a:tailEnd/>
+              </a14:hiddenLine>
+            </a:ext>
+          </a:extLst>
+        </p:spPr>
+      </p:pic>
+    </p:spTree>
+    <p:extLst>
+      <p:ext uri="{BB962C8B-B14F-4D97-AF65-F5344CB8AC3E}">
+        <p14:creationId xmlns:p14="http://schemas.microsoft.com/office/powerpoint/2010/main" val="3777004001"/>
+      </p:ext>
+    </p:extLst>
+  </p:cSld>
+  <p:clrMapOvr>
+    <a:masterClrMapping/>
+  </p:clrMapOvr>
+</p:sld>
+</file>
+
 <file path=ppt/theme/theme1.xml><?xml version="1.0" encoding="utf-8"?>
 <a:theme xmlns:a="http://schemas.openxmlformats.org/drawingml/2006/main" name="Office Theme">
   <a:themeElements>

--- a/Version Control & GIT.pptx
+++ b/Version Control & GIT.pptx
@@ -28,15 +28,15 @@
     <p:sldId id="271" r:id="rId19"/>
     <p:sldId id="268" r:id="rId20"/>
     <p:sldId id="282" r:id="rId21"/>
-    <p:sldId id="291" r:id="rId22"/>
-    <p:sldId id="283" r:id="rId23"/>
-    <p:sldId id="284" r:id="rId24"/>
-    <p:sldId id="285" r:id="rId25"/>
-    <p:sldId id="288" r:id="rId26"/>
-    <p:sldId id="286" r:id="rId27"/>
-    <p:sldId id="287" r:id="rId28"/>
-    <p:sldId id="289" r:id="rId29"/>
-    <p:sldId id="290" r:id="rId30"/>
+    <p:sldId id="283" r:id="rId22"/>
+    <p:sldId id="284" r:id="rId23"/>
+    <p:sldId id="285" r:id="rId24"/>
+    <p:sldId id="288" r:id="rId25"/>
+    <p:sldId id="286" r:id="rId26"/>
+    <p:sldId id="287" r:id="rId27"/>
+    <p:sldId id="289" r:id="rId28"/>
+    <p:sldId id="290" r:id="rId29"/>
+    <p:sldId id="291" r:id="rId30"/>
     <p:sldId id="274" r:id="rId31"/>
     <p:sldId id="273" r:id="rId32"/>
   </p:sldIdLst>
@@ -178,7 +178,6 @@
         <p14:section name="Usage" id="{8098B989-D156-4E18-85E5-D6F3C73AE305}">
           <p14:sldIdLst>
             <p14:sldId id="282"/>
-            <p14:sldId id="291"/>
           </p14:sldIdLst>
         </p14:section>
         <p14:section name="GitHub.com" id="{C609E2E7-DF38-42F3-9F20-6E129E184B1A}">
@@ -191,6 +190,7 @@
             <p14:sldId id="287"/>
             <p14:sldId id="289"/>
             <p14:sldId id="290"/>
+            <p14:sldId id="291"/>
           </p14:sldIdLst>
         </p14:section>
         <p14:section name="References" id="{AEC9AF84-8009-4CB2-8732-84BD9D4FA0AE}">
@@ -4197,15 +4197,7 @@
           <a:p>
             <a:r>
               <a:rPr lang="en-US" dirty="0" smtClean="0"/>
-              <a:t>CASE </a:t>
-            </a:r>
-            <a:r>
-              <a:rPr lang="en-US" dirty="0" smtClean="0"/>
-              <a:t>B: </a:t>
-            </a:r>
-            <a:r>
-              <a:rPr lang="en-US" dirty="0" smtClean="0"/>
-              <a:t>The New Breaks The Old </a:t>
+              <a:t>CASE B: The New Breaks The Old </a:t>
             </a:r>
             <a:endParaRPr lang="en-US" dirty="0"/>
           </a:p>
@@ -4237,11 +4229,7 @@
             <a:pPr lvl="1"/>
             <a:r>
               <a:rPr lang="en-US" dirty="0" smtClean="0"/>
-              <a:t>What </a:t>
-            </a:r>
-            <a:r>
-              <a:rPr lang="en-US" dirty="0" smtClean="0"/>
-              <a:t>changed?</a:t>
+              <a:t>What changed?</a:t>
             </a:r>
           </a:p>
           <a:p>
@@ -4265,7 +4253,6 @@
               <a:rPr lang="en-US" dirty="0" smtClean="0"/>
               <a:t> at answering this question.</a:t>
             </a:r>
-            <a:endParaRPr lang="en-US" dirty="0" smtClean="0"/>
           </a:p>
           <a:p>
             <a:pPr lvl="1"/>
@@ -4281,17 +4268,12 @@
               <a:rPr lang="en-US" b="1" dirty="0" smtClean="0"/>
               <a:t>evert the changes?</a:t>
             </a:r>
-            <a:endParaRPr lang="en-US" b="1" dirty="0" smtClean="0"/>
           </a:p>
           <a:p>
             <a:pPr lvl="2"/>
             <a:r>
               <a:rPr lang="en-US" dirty="0" smtClean="0"/>
-              <a:t>This is why version control is important</a:t>
-            </a:r>
-            <a:r>
-              <a:rPr lang="en-US" dirty="0" smtClean="0"/>
-              <a:t>.</a:t>
+              <a:t>This is why version control is important.</a:t>
             </a:r>
           </a:p>
           <a:p>
@@ -8145,11 +8127,7 @@
           <a:p>
             <a:r>
               <a:rPr lang="en-US" dirty="0" smtClean="0"/>
-              <a:t>Engineering: </a:t>
-            </a:r>
-            <a:r>
-              <a:rPr lang="en-US" dirty="0" smtClean="0"/>
-              <a:t>Applications</a:t>
+              <a:t>Engineering: Applications</a:t>
             </a:r>
             <a:endParaRPr lang="en-US" dirty="0"/>
           </a:p>
@@ -8240,11 +8218,7 @@
           <a:p>
             <a:r>
               <a:rPr lang="en-US" dirty="0" smtClean="0"/>
-              <a:t>CASE 1: </a:t>
-            </a:r>
-            <a:r>
-              <a:rPr lang="en-US" dirty="0" smtClean="0"/>
-              <a:t>Multiple Team Members</a:t>
+              <a:t>CASE 1: Multiple Team Members</a:t>
             </a:r>
             <a:endParaRPr lang="en-US" dirty="0"/>
           </a:p>
@@ -8730,11 +8704,7 @@
             <a:pPr lvl="2"/>
             <a:r>
               <a:rPr lang="en-US" dirty="0" smtClean="0"/>
-              <a:t>Remember REBASE</a:t>
-            </a:r>
-            <a:r>
-              <a:rPr lang="en-US" dirty="0" smtClean="0"/>
-              <a:t>.</a:t>
+              <a:t>Remember REBASE.</a:t>
             </a:r>
             <a:endParaRPr lang="en-US" dirty="0"/>
           </a:p>
@@ -8835,15 +8805,7 @@
           <a:p>
             <a:r>
               <a:rPr lang="en-US" dirty="0" smtClean="0"/>
-              <a:t>CASE </a:t>
-            </a:r>
-            <a:r>
-              <a:rPr lang="en-US" dirty="0" smtClean="0"/>
-              <a:t>2: </a:t>
-            </a:r>
-            <a:r>
-              <a:rPr lang="en-US" dirty="0" smtClean="0"/>
-              <a:t>Everything is Broke</a:t>
+              <a:t>CASE 2: Everything is Broke</a:t>
             </a:r>
             <a:endParaRPr lang="en-US" dirty="0"/>
           </a:p>
@@ -8866,27 +8828,14 @@
           <a:p>
             <a:r>
               <a:rPr lang="en-US" dirty="0" smtClean="0"/>
-              <a:t>Changes </a:t>
-            </a:r>
+              <a:t>Changes are made irresponsibly.</a:t>
+            </a:r>
+          </a:p>
+          <a:p>
+            <a:pPr lvl="1"/>
             <a:r>
               <a:rPr lang="en-US" dirty="0" smtClean="0"/>
-              <a:t>are made </a:t>
-            </a:r>
-            <a:r>
-              <a:rPr lang="en-US" dirty="0" smtClean="0"/>
-              <a:t>irresponsibly.</a:t>
-            </a:r>
-            <a:endParaRPr lang="en-US" dirty="0" smtClean="0"/>
-          </a:p>
-          <a:p>
-            <a:pPr lvl="1"/>
-            <a:r>
-              <a:rPr lang="en-US" dirty="0" smtClean="0"/>
-              <a:t>Commits track whom made the change</a:t>
-            </a:r>
-            <a:r>
-              <a:rPr lang="en-US" dirty="0" smtClean="0"/>
-              <a:t>.</a:t>
+              <a:t>Commits track whom made the change.</a:t>
             </a:r>
           </a:p>
           <a:p>
@@ -8903,7 +8852,6 @@
               <a:rPr lang="en-US" dirty="0" smtClean="0"/>
               <a:t>” Cites whom made the previous change(s)</a:t>
             </a:r>
-            <a:endParaRPr lang="en-US" dirty="0" smtClean="0"/>
           </a:p>
           <a:p>
             <a:pPr lvl="1"/>
@@ -8917,11 +8865,7 @@
             </a:r>
             <a:r>
               <a:rPr lang="en-US" dirty="0" smtClean="0"/>
-              <a:t>” </a:t>
-            </a:r>
-            <a:r>
-              <a:rPr lang="en-US" dirty="0" smtClean="0"/>
-              <a:t>allows side-by-side comparison of versions logging additions, changes, and removals.</a:t>
+              <a:t>” allows side-by-side comparison of versions logging additions, changes, and removals.</a:t>
             </a:r>
           </a:p>
         </p:txBody>
@@ -9329,20 +9273,24 @@
           <a:lstStyle/>
           <a:p>
             <a:r>
+              <a:rPr lang="en-US" smtClean="0"/>
+              <a:t>No </a:t>
+            </a:r>
+            <a:r>
+              <a:rPr lang="en-US" dirty="0"/>
+              <a:t>(</a:t>
+            </a:r>
+            <a:r>
               <a:rPr lang="en-US" dirty="0" smtClean="0"/>
-              <a:t>CASE </a:t>
-            </a:r>
-            <a:r>
-              <a:rPr lang="en-US" dirty="0" smtClean="0"/>
-              <a:t>3: </a:t>
-            </a:r>
-            <a:r>
-              <a:rPr lang="en-US" dirty="0"/>
-              <a:t>No (</a:t>
-            </a:r>
-            <a:r>
-              <a:rPr lang="en-US" dirty="0" smtClean="0"/>
-              <a:t>Internet) Connection</a:t>
+              <a:t>Internet</a:t>
+            </a:r>
+            <a:r>
+              <a:rPr lang="en-US" smtClean="0"/>
+              <a:t>) </a:t>
+            </a:r>
+            <a:r>
+              <a:rPr lang="en-US" smtClean="0"/>
+              <a:t>Connection?</a:t>
             </a:r>
             <a:endParaRPr lang="en-US" dirty="0"/>
           </a:p>
@@ -9379,41 +9327,21 @@
             <a:pPr lvl="1"/>
             <a:r>
               <a:rPr lang="en-US" sz="2000" dirty="0" smtClean="0"/>
-              <a:t>The user has copies of </a:t>
-            </a:r>
+              <a:t>The user has copies of files.</a:t>
+            </a:r>
+          </a:p>
+          <a:p>
+            <a:pPr lvl="1"/>
             <a:r>
               <a:rPr lang="en-US" sz="2000" dirty="0" smtClean="0"/>
-              <a:t>files</a:t>
-            </a:r>
+              <a:t>The repository only on the server</a:t>
+            </a:r>
+          </a:p>
+          <a:p>
+            <a:pPr lvl="1"/>
             <a:r>
               <a:rPr lang="en-US" sz="2000" dirty="0" smtClean="0"/>
-              <a:t>.</a:t>
-            </a:r>
-          </a:p>
-          <a:p>
-            <a:pPr lvl="1"/>
-            <a:r>
-              <a:rPr lang="en-US" sz="2000" dirty="0" smtClean="0"/>
-              <a:t>The repository only </a:t>
-            </a:r>
-            <a:r>
-              <a:rPr lang="en-US" sz="2000" dirty="0" smtClean="0"/>
-              <a:t>on </a:t>
-            </a:r>
-            <a:r>
-              <a:rPr lang="en-US" sz="2000" dirty="0" smtClean="0"/>
-              <a:t>the server</a:t>
-            </a:r>
-          </a:p>
-          <a:p>
-            <a:pPr lvl="1"/>
-            <a:r>
-              <a:rPr lang="en-US" sz="2000" dirty="0" smtClean="0"/>
-              <a:t>Subversion </a:t>
-            </a:r>
-            <a:r>
-              <a:rPr lang="en-US" sz="2000" dirty="0" smtClean="0"/>
-              <a:t>(SVN) uses this model.</a:t>
+              <a:t>Subversion (SVN) uses this model.</a:t>
             </a:r>
           </a:p>
         </p:txBody>
@@ -10104,147 +10032,6 @@
       </p:grpSpPr>
       <p:sp>
         <p:nvSpPr>
-          <p:cNvPr id="2" name="Title 1"/>
-          <p:cNvSpPr>
-            <a:spLocks noGrp="1"/>
-          </p:cNvSpPr>
-          <p:nvPr>
-            <p:ph type="title"/>
-          </p:nvPr>
-        </p:nvSpPr>
-        <p:spPr/>
-        <p:txBody>
-          <a:bodyPr/>
-          <a:lstStyle/>
-          <a:p>
-            <a:r>
-              <a:rPr lang="en-US" dirty="0" smtClean="0"/>
-              <a:t>Try GitHub’s Desktop Client</a:t>
-            </a:r>
-            <a:endParaRPr lang="en-US" dirty="0"/>
-          </a:p>
-        </p:txBody>
-      </p:sp>
-      <p:sp>
-        <p:nvSpPr>
-          <p:cNvPr id="3" name="Content Placeholder 2"/>
-          <p:cNvSpPr>
-            <a:spLocks noGrp="1"/>
-          </p:cNvSpPr>
-          <p:nvPr>
-            <p:ph idx="1"/>
-          </p:nvPr>
-        </p:nvSpPr>
-        <p:spPr>
-          <a:xfrm>
-            <a:off x="457200" y="1143000"/>
-            <a:ext cx="8229600" cy="685800"/>
-          </a:xfrm>
-        </p:spPr>
-        <p:txBody>
-          <a:bodyPr/>
-          <a:lstStyle/>
-          <a:p>
-            <a:r>
-              <a:rPr lang="en-US" dirty="0">
-                <a:hlinkClick r:id="rId2"/>
-              </a:rPr>
-              <a:t>https://desktop.github.com</a:t>
-            </a:r>
-            <a:r>
-              <a:rPr lang="en-US" dirty="0" smtClean="0">
-                <a:hlinkClick r:id="rId2"/>
-              </a:rPr>
-              <a:t>/</a:t>
-            </a:r>
-            <a:r>
-              <a:rPr lang="en-US" dirty="0" smtClean="0"/>
-              <a:t> </a:t>
-            </a:r>
-            <a:endParaRPr lang="en-US" dirty="0"/>
-          </a:p>
-        </p:txBody>
-      </p:sp>
-      <p:pic>
-        <p:nvPicPr>
-          <p:cNvPr id="8194" name="Picture 2" descr="Screenshot of GitHub Desktop running on Windows"/>
-          <p:cNvPicPr>
-            <a:picLocks noChangeAspect="1" noChangeArrowheads="1"/>
-          </p:cNvPicPr>
-          <p:nvPr/>
-        </p:nvPicPr>
-        <p:blipFill>
-          <a:blip r:embed="rId3" cstate="print">
-            <a:extLst>
-              <a:ext uri="{28A0092B-C50C-407E-A947-70E740481C1C}">
-                <a14:useLocalDpi xmlns:a14="http://schemas.microsoft.com/office/drawing/2010/main" val="0"/>
-              </a:ext>
-            </a:extLst>
-          </a:blip>
-          <a:srcRect/>
-          <a:stretch>
-            <a:fillRect/>
-          </a:stretch>
-        </p:blipFill>
-        <p:spPr bwMode="auto">
-          <a:xfrm>
-            <a:off x="1066800" y="1770797"/>
-            <a:ext cx="7162800" cy="4924425"/>
-          </a:xfrm>
-          <a:prstGeom prst="rect">
-            <a:avLst/>
-          </a:prstGeom>
-          <a:noFill/>
-          <a:extLst>
-            <a:ext uri="{909E8E84-426E-40DD-AFC4-6F175D3DCCD1}">
-              <a14:hiddenFill xmlns:a14="http://schemas.microsoft.com/office/drawing/2010/main">
-                <a:solidFill>
-                  <a:srgbClr val="FFFFFF"/>
-                </a:solidFill>
-              </a14:hiddenFill>
-            </a:ext>
-          </a:extLst>
-        </p:spPr>
-      </p:pic>
-    </p:spTree>
-    <p:extLst>
-      <p:ext uri="{BB962C8B-B14F-4D97-AF65-F5344CB8AC3E}">
-        <p14:creationId xmlns:p14="http://schemas.microsoft.com/office/powerpoint/2010/main" val="866830287"/>
-      </p:ext>
-    </p:extLst>
-  </p:cSld>
-  <p:clrMapOvr>
-    <a:masterClrMapping/>
-  </p:clrMapOvr>
-  <p:timing>
-    <p:tnLst>
-      <p:par>
-        <p:cTn id="1" dur="indefinite" restart="never" nodeType="tmRoot"/>
-      </p:par>
-    </p:tnLst>
-  </p:timing>
-</p:sld>
-</file>
-
-<file path=ppt/slides/slide22.xml><?xml version="1.0" encoding="utf-8"?>
-<p:sld xmlns:a="http://schemas.openxmlformats.org/drawingml/2006/main" xmlns:r="http://schemas.openxmlformats.org/officeDocument/2006/relationships" xmlns:p="http://schemas.openxmlformats.org/presentationml/2006/main">
-  <p:cSld>
-    <p:spTree>
-      <p:nvGrpSpPr>
-        <p:cNvPr id="1" name=""/>
-        <p:cNvGrpSpPr/>
-        <p:nvPr/>
-      </p:nvGrpSpPr>
-      <p:grpSpPr>
-        <a:xfrm>
-          <a:off x="0" y="0"/>
-          <a:ext cx="0" cy="0"/>
-          <a:chOff x="0" y="0"/>
-          <a:chExt cx="0" cy="0"/>
-        </a:xfrm>
-      </p:grpSpPr>
-      <p:sp>
-        <p:nvSpPr>
           <p:cNvPr id="4" name="Title 3"/>
           <p:cNvSpPr>
             <a:spLocks noGrp="1"/>
@@ -10305,7 +10092,7 @@
 </p:sld>
 </file>
 
-<file path=ppt/slides/slide23.xml><?xml version="1.0" encoding="utf-8"?>
+<file path=ppt/slides/slide22.xml><?xml version="1.0" encoding="utf-8"?>
 <p:sld xmlns:a="http://schemas.openxmlformats.org/drawingml/2006/main" xmlns:r="http://schemas.openxmlformats.org/officeDocument/2006/relationships" xmlns:p="http://schemas.openxmlformats.org/presentationml/2006/main">
   <p:cSld>
     <p:spTree>
@@ -10534,7 +10321,7 @@
 </p:sld>
 </file>
 
-<file path=ppt/slides/slide24.xml><?xml version="1.0" encoding="utf-8"?>
+<file path=ppt/slides/slide23.xml><?xml version="1.0" encoding="utf-8"?>
 <p:sld xmlns:a="http://schemas.openxmlformats.org/drawingml/2006/main" xmlns:r="http://schemas.openxmlformats.org/officeDocument/2006/relationships" xmlns:p="http://schemas.openxmlformats.org/presentationml/2006/main">
   <p:cSld>
     <p:spTree>
@@ -10837,7 +10624,7 @@
 </p:sld>
 </file>
 
-<file path=ppt/slides/slide25.xml><?xml version="1.0" encoding="utf-8"?>
+<file path=ppt/slides/slide24.xml><?xml version="1.0" encoding="utf-8"?>
 <p:sld xmlns:a="http://schemas.openxmlformats.org/drawingml/2006/main" xmlns:r="http://schemas.openxmlformats.org/officeDocument/2006/relationships" xmlns:p="http://schemas.openxmlformats.org/presentationml/2006/main">
   <p:cSld>
     <p:spTree>
@@ -11052,7 +10839,7 @@
 </p:sld>
 </file>
 
-<file path=ppt/slides/slide26.xml><?xml version="1.0" encoding="utf-8"?>
+<file path=ppt/slides/slide25.xml><?xml version="1.0" encoding="utf-8"?>
 <p:sld xmlns:a="http://schemas.openxmlformats.org/drawingml/2006/main" xmlns:r="http://schemas.openxmlformats.org/officeDocument/2006/relationships" xmlns:p="http://schemas.openxmlformats.org/presentationml/2006/main">
   <p:cSld>
     <p:spTree>
@@ -11262,7 +11049,7 @@
 </p:sld>
 </file>
 
-<file path=ppt/slides/slide27.xml><?xml version="1.0" encoding="utf-8"?>
+<file path=ppt/slides/slide26.xml><?xml version="1.0" encoding="utf-8"?>
 <p:sld xmlns:a="http://schemas.openxmlformats.org/drawingml/2006/main" xmlns:r="http://schemas.openxmlformats.org/officeDocument/2006/relationships" xmlns:p="http://schemas.openxmlformats.org/presentationml/2006/main">
   <p:cSld>
     <p:spTree>
@@ -11503,7 +11290,7 @@
 </p:sld>
 </file>
 
-<file path=ppt/slides/slide28.xml><?xml version="1.0" encoding="utf-8"?>
+<file path=ppt/slides/slide27.xml><?xml version="1.0" encoding="utf-8"?>
 <p:sld xmlns:a="http://schemas.openxmlformats.org/drawingml/2006/main" xmlns:r="http://schemas.openxmlformats.org/officeDocument/2006/relationships" xmlns:p="http://schemas.openxmlformats.org/presentationml/2006/main">
   <p:cSld>
     <p:spTree>
@@ -11669,7 +11456,7 @@
 </p:sld>
 </file>
 
-<file path=ppt/slides/slide29.xml><?xml version="1.0" encoding="utf-8"?>
+<file path=ppt/slides/slide28.xml><?xml version="1.0" encoding="utf-8"?>
 <p:sld xmlns:a="http://schemas.openxmlformats.org/drawingml/2006/main" xmlns:r="http://schemas.openxmlformats.org/officeDocument/2006/relationships" xmlns:p="http://schemas.openxmlformats.org/presentationml/2006/main">
   <p:cSld>
     <p:spTree>
@@ -11846,6 +11633,147 @@
 </p:sld>
 </file>
 
+<file path=ppt/slides/slide29.xml><?xml version="1.0" encoding="utf-8"?>
+<p:sld xmlns:a="http://schemas.openxmlformats.org/drawingml/2006/main" xmlns:r="http://schemas.openxmlformats.org/officeDocument/2006/relationships" xmlns:p="http://schemas.openxmlformats.org/presentationml/2006/main">
+  <p:cSld>
+    <p:spTree>
+      <p:nvGrpSpPr>
+        <p:cNvPr id="1" name=""/>
+        <p:cNvGrpSpPr/>
+        <p:nvPr/>
+      </p:nvGrpSpPr>
+      <p:grpSpPr>
+        <a:xfrm>
+          <a:off x="0" y="0"/>
+          <a:ext cx="0" cy="0"/>
+          <a:chOff x="0" y="0"/>
+          <a:chExt cx="0" cy="0"/>
+        </a:xfrm>
+      </p:grpSpPr>
+      <p:sp>
+        <p:nvSpPr>
+          <p:cNvPr id="2" name="Title 1"/>
+          <p:cNvSpPr>
+            <a:spLocks noGrp="1"/>
+          </p:cNvSpPr>
+          <p:nvPr>
+            <p:ph type="title"/>
+          </p:nvPr>
+        </p:nvSpPr>
+        <p:spPr/>
+        <p:txBody>
+          <a:bodyPr/>
+          <a:lstStyle/>
+          <a:p>
+            <a:r>
+              <a:rPr lang="en-US" dirty="0" smtClean="0"/>
+              <a:t>Try GitHub’s Desktop Client</a:t>
+            </a:r>
+            <a:endParaRPr lang="en-US" dirty="0"/>
+          </a:p>
+        </p:txBody>
+      </p:sp>
+      <p:sp>
+        <p:nvSpPr>
+          <p:cNvPr id="3" name="Content Placeholder 2"/>
+          <p:cNvSpPr>
+            <a:spLocks noGrp="1"/>
+          </p:cNvSpPr>
+          <p:nvPr>
+            <p:ph idx="1"/>
+          </p:nvPr>
+        </p:nvSpPr>
+        <p:spPr>
+          <a:xfrm>
+            <a:off x="457200" y="1143000"/>
+            <a:ext cx="8229600" cy="685800"/>
+          </a:xfrm>
+        </p:spPr>
+        <p:txBody>
+          <a:bodyPr/>
+          <a:lstStyle/>
+          <a:p>
+            <a:r>
+              <a:rPr lang="en-US" dirty="0">
+                <a:hlinkClick r:id="rId2"/>
+              </a:rPr>
+              <a:t>https://desktop.github.com</a:t>
+            </a:r>
+            <a:r>
+              <a:rPr lang="en-US" dirty="0" smtClean="0">
+                <a:hlinkClick r:id="rId2"/>
+              </a:rPr>
+              <a:t>/</a:t>
+            </a:r>
+            <a:r>
+              <a:rPr lang="en-US" dirty="0" smtClean="0"/>
+              <a:t> </a:t>
+            </a:r>
+            <a:endParaRPr lang="en-US" dirty="0"/>
+          </a:p>
+        </p:txBody>
+      </p:sp>
+      <p:pic>
+        <p:nvPicPr>
+          <p:cNvPr id="8194" name="Picture 2" descr="Screenshot of GitHub Desktop running on Windows"/>
+          <p:cNvPicPr>
+            <a:picLocks noChangeAspect="1" noChangeArrowheads="1"/>
+          </p:cNvPicPr>
+          <p:nvPr/>
+        </p:nvPicPr>
+        <p:blipFill>
+          <a:blip r:embed="rId3" cstate="print">
+            <a:extLst>
+              <a:ext uri="{28A0092B-C50C-407E-A947-70E740481C1C}">
+                <a14:useLocalDpi xmlns:a14="http://schemas.microsoft.com/office/drawing/2010/main" val="0"/>
+              </a:ext>
+            </a:extLst>
+          </a:blip>
+          <a:srcRect/>
+          <a:stretch>
+            <a:fillRect/>
+          </a:stretch>
+        </p:blipFill>
+        <p:spPr bwMode="auto">
+          <a:xfrm>
+            <a:off x="1066800" y="1770797"/>
+            <a:ext cx="7162800" cy="4924425"/>
+          </a:xfrm>
+          <a:prstGeom prst="rect">
+            <a:avLst/>
+          </a:prstGeom>
+          <a:noFill/>
+          <a:extLst>
+            <a:ext uri="{909E8E84-426E-40DD-AFC4-6F175D3DCCD1}">
+              <a14:hiddenFill xmlns:a14="http://schemas.microsoft.com/office/drawing/2010/main">
+                <a:solidFill>
+                  <a:srgbClr val="FFFFFF"/>
+                </a:solidFill>
+              </a14:hiddenFill>
+            </a:ext>
+          </a:extLst>
+        </p:spPr>
+      </p:pic>
+    </p:spTree>
+    <p:extLst>
+      <p:ext uri="{BB962C8B-B14F-4D97-AF65-F5344CB8AC3E}">
+        <p14:creationId xmlns:p14="http://schemas.microsoft.com/office/powerpoint/2010/main" val="866830287"/>
+      </p:ext>
+    </p:extLst>
+  </p:cSld>
+  <p:clrMapOvr>
+    <a:masterClrMapping/>
+  </p:clrMapOvr>
+  <p:timing>
+    <p:tnLst>
+      <p:par>
+        <p:cTn id="1" dur="indefinite" restart="never" nodeType="tmRoot"/>
+      </p:par>
+    </p:tnLst>
+  </p:timing>
+</p:sld>
+</file>
+
 <file path=ppt/slides/slide3.xml><?xml version="1.0" encoding="utf-8"?>
 <p:sld xmlns:a="http://schemas.openxmlformats.org/drawingml/2006/main" xmlns:r="http://schemas.openxmlformats.org/officeDocument/2006/relationships" xmlns:p="http://schemas.openxmlformats.org/presentationml/2006/main">
   <p:cSld>
@@ -12269,23 +12197,7 @@
             <a:pPr lvl="1"/>
             <a:r>
               <a:rPr lang="en-US" sz="2400" dirty="0" smtClean="0"/>
-              <a:t>Represented as </a:t>
-            </a:r>
-            <a:r>
-              <a:rPr lang="en-US" sz="2400" dirty="0" smtClean="0"/>
-              <a:t>nodes on </a:t>
-            </a:r>
-            <a:r>
-              <a:rPr lang="en-US" sz="2400" dirty="0" smtClean="0"/>
-              <a:t>a </a:t>
-            </a:r>
-            <a:r>
-              <a:rPr lang="en-US" sz="2400" dirty="0" smtClean="0"/>
-              <a:t>graph</a:t>
-            </a:r>
-            <a:r>
-              <a:rPr lang="en-US" sz="2400" dirty="0" smtClean="0"/>
-              <a:t>.</a:t>
+              <a:t>Represented as nodes on a graph.</a:t>
             </a:r>
           </a:p>
           <a:p>
@@ -12305,22 +12217,14 @@
           <a:p>
             <a:r>
               <a:rPr lang="en-US" sz="2800" dirty="0" smtClean="0"/>
-              <a:t>(Implementation) Features</a:t>
-            </a:r>
-            <a:r>
-              <a:rPr lang="en-US" sz="2800" dirty="0" smtClean="0"/>
-              <a:t>:</a:t>
+              <a:t>(Implementation) Features:</a:t>
             </a:r>
           </a:p>
           <a:p>
             <a:pPr lvl="1"/>
             <a:r>
               <a:rPr lang="en-US" sz="2400" dirty="0" smtClean="0"/>
-              <a:t>Copy on Write- Only save the </a:t>
-            </a:r>
-            <a:r>
-              <a:rPr lang="en-US" sz="2400" dirty="0" smtClean="0"/>
-              <a:t>changes</a:t>
+              <a:t>Copy on Write- Only save the changes</a:t>
             </a:r>
             <a:endParaRPr lang="en-US" sz="2800" dirty="0"/>
           </a:p>
@@ -14712,15 +14616,7 @@
           <a:p>
             <a:r>
               <a:rPr lang="en-US" dirty="0" smtClean="0"/>
-              <a:t>CASE </a:t>
-            </a:r>
-            <a:r>
-              <a:rPr lang="en-US" dirty="0" smtClean="0"/>
-              <a:t>A</a:t>
-            </a:r>
-            <a:r>
-              <a:rPr lang="en-US" dirty="0" smtClean="0"/>
-              <a:t>: Giant Undo Button</a:t>
+              <a:t>CASE A: Giant Undo Button</a:t>
             </a:r>
             <a:endParaRPr lang="en-US" dirty="0"/>
           </a:p>
@@ -14747,7 +14643,6 @@
               <a:rPr lang="en-US" dirty="0" smtClean="0"/>
               <a:t>Implement a solution, doubt, and delete.</a:t>
             </a:r>
-            <a:endParaRPr lang="en-US" dirty="0" smtClean="0"/>
           </a:p>
           <a:p>
             <a:pPr lvl="1"/>
@@ -14773,11 +14668,7 @@
           <a:p>
             <a:r>
               <a:rPr lang="en-US" dirty="0" smtClean="0"/>
-              <a:t>This </a:t>
-            </a:r>
-            <a:r>
-              <a:rPr lang="en-US" dirty="0" smtClean="0"/>
-              <a:t>is why </a:t>
+              <a:t>This is why </a:t>
             </a:r>
             <a:r>
               <a:rPr lang="en-US" b="1" dirty="0" smtClean="0"/>
